--- a/기획서/용사트럭 UI.pptx
+++ b/기획서/용사트럭 UI.pptx
@@ -9,10 +9,16 @@
     <p:sldId id="259" r:id="rId3"/>
     <p:sldId id="263" r:id="rId4"/>
     <p:sldId id="257" r:id="rId5"/>
-    <p:sldId id="258" r:id="rId6"/>
-    <p:sldId id="260" r:id="rId7"/>
-    <p:sldId id="261" r:id="rId8"/>
-    <p:sldId id="262" r:id="rId9"/>
+    <p:sldId id="269" r:id="rId6"/>
+    <p:sldId id="264" r:id="rId7"/>
+    <p:sldId id="266" r:id="rId8"/>
+    <p:sldId id="265" r:id="rId9"/>
+    <p:sldId id="267" r:id="rId10"/>
+    <p:sldId id="268" r:id="rId11"/>
+    <p:sldId id="258" r:id="rId12"/>
+    <p:sldId id="260" r:id="rId13"/>
+    <p:sldId id="261" r:id="rId14"/>
+    <p:sldId id="262" r:id="rId15"/>
   </p:sldIdLst>
   <p:sldSz cx="12192000" cy="6858000"/>
   <p:notesSz cx="6858000" cy="9144000"/>
@@ -111,6 +117,11 @@
       </a:defRPr>
     </a:lvl9pPr>
   </p:defaultTextStyle>
+  <p:extLst>
+    <p:ext uri="{EFAFB233-063F-42B5-8137-9DF3F51BA10A}">
+      <p15:sldGuideLst xmlns:p15="http://schemas.microsoft.com/office/powerpoint/2012/main"/>
+    </p:ext>
+  </p:extLst>
 </p:presentation>
 </file>
 
@@ -3424,7 +3435,7 @@
 </p:sld>
 </file>
 
-<file path=ppt/slides/slide2.xml><?xml version="1.0" encoding="utf-8"?>
+<file path=ppt/slides/slide10.xml><?xml version="1.0" encoding="utf-8"?>
 <p:sld xmlns:a="http://schemas.openxmlformats.org/drawingml/2006/main" xmlns:r="http://schemas.openxmlformats.org/officeDocument/2006/relationships" xmlns:p="http://schemas.openxmlformats.org/presentationml/2006/main">
   <p:cSld>
     <p:spTree>
@@ -3441,505 +3452,89 @@
           <a:chExt cx="0" cy="0"/>
         </a:xfrm>
       </p:grpSpPr>
-      <p:sp>
-        <p:nvSpPr>
-          <p:cNvPr id="19" name="TextBox 18">
-            <a:extLst>
-              <a:ext uri="{FF2B5EF4-FFF2-40B4-BE49-F238E27FC236}">
-                <a16:creationId xmlns:a16="http://schemas.microsoft.com/office/drawing/2014/main" id="{C98EFFE8-9A86-CEF3-E80A-B57B536628E2}"/>
-              </a:ext>
-            </a:extLst>
-          </p:cNvPr>
-          <p:cNvSpPr txBox="1"/>
-          <p:nvPr/>
-        </p:nvSpPr>
-        <p:spPr>
-          <a:xfrm>
-            <a:off x="569843" y="1079078"/>
-            <a:ext cx="4015409" cy="1112164"/>
+      <p:pic>
+        <p:nvPicPr>
+          <p:cNvPr id="7" name="그림 6">
+            <a:extLst>
+              <a:ext uri="{FF2B5EF4-FFF2-40B4-BE49-F238E27FC236}">
+                <a16:creationId xmlns:a16="http://schemas.microsoft.com/office/drawing/2014/main" id="{C9607703-CD87-F846-BAC8-72CE394C2DFB}"/>
+              </a:ext>
+            </a:extLst>
+          </p:cNvPr>
+          <p:cNvPicPr>
+            <a:picLocks noChangeAspect="1"/>
+          </p:cNvPicPr>
+          <p:nvPr/>
+        </p:nvPicPr>
+        <p:blipFill>
+          <a:blip r:embed="rId2"/>
+          <a:stretch>
+            <a:fillRect/>
+          </a:stretch>
+        </p:blipFill>
+        <p:spPr>
+          <a:xfrm>
+            <a:off x="4533900" y="1069695"/>
+            <a:ext cx="3223061" cy="5669836"/>
           </a:xfrm>
           <a:prstGeom prst="rect">
             <a:avLst/>
           </a:prstGeom>
+        </p:spPr>
+      </p:pic>
+      <p:pic>
+        <p:nvPicPr>
+          <p:cNvPr id="2" name="Picture 2">
+            <a:extLst>
+              <a:ext uri="{FF2B5EF4-FFF2-40B4-BE49-F238E27FC236}">
+                <a16:creationId xmlns:a16="http://schemas.microsoft.com/office/drawing/2014/main" id="{B5BBBF19-3EA6-31B4-F224-2BB1129C6263}"/>
+              </a:ext>
+            </a:extLst>
+          </p:cNvPr>
+          <p:cNvPicPr>
+            <a:picLocks noChangeAspect="1" noChangeArrowheads="1"/>
+          </p:cNvPicPr>
+          <p:nvPr/>
+        </p:nvPicPr>
+        <p:blipFill>
+          <a:blip r:embed="rId3">
+            <a:extLst>
+              <a:ext uri="{28A0092B-C50C-407E-A947-70E740481C1C}">
+                <a14:useLocalDpi xmlns:a14="http://schemas.microsoft.com/office/drawing/2010/main" val="0"/>
+              </a:ext>
+            </a:extLst>
+          </a:blip>
+          <a:srcRect/>
+          <a:stretch>
+            <a:fillRect/>
+          </a:stretch>
+        </p:blipFill>
+        <p:spPr bwMode="auto">
+          <a:xfrm>
+            <a:off x="4879007" y="3709041"/>
+            <a:ext cx="2486025" cy="552450"/>
+          </a:xfrm>
+          <a:prstGeom prst="rect">
+            <a:avLst/>
+          </a:prstGeom>
           <a:noFill/>
-        </p:spPr>
-        <p:txBody>
-          <a:bodyPr wrap="square" rtlCol="0">
-            <a:spAutoFit/>
-          </a:bodyPr>
-          <a:lstStyle/>
-          <a:p>
-            <a:pPr>
-              <a:lnSpc>
-                <a:spcPct val="200000"/>
-              </a:lnSpc>
-            </a:pPr>
-            <a:r>
-              <a:rPr lang="en-US" altLang="ko-KR" dirty="0"/>
-              <a:t>	= scene </a:t>
-            </a:r>
-            <a:r>
-              <a:rPr lang="ko-KR" altLang="en-US" dirty="0"/>
-              <a:t>이름</a:t>
-            </a:r>
-            <a:endParaRPr lang="en-US" altLang="ko-KR" dirty="0"/>
-          </a:p>
-          <a:p>
-            <a:pPr>
-              <a:lnSpc>
-                <a:spcPct val="200000"/>
-              </a:lnSpc>
-            </a:pPr>
-            <a:r>
-              <a:rPr lang="en-US" altLang="ko-KR" dirty="0"/>
-              <a:t>	= </a:t>
-            </a:r>
-            <a:r>
-              <a:rPr lang="ko-KR" altLang="en-US" dirty="0"/>
-              <a:t>포함된 </a:t>
-            </a:r>
-            <a:r>
-              <a:rPr lang="ko-KR" altLang="en-US" dirty="0" err="1"/>
-              <a:t>프리팹</a:t>
-            </a:r>
-            <a:r>
-              <a:rPr lang="ko-KR" altLang="en-US" dirty="0"/>
-              <a:t> 팝업</a:t>
-            </a:r>
-          </a:p>
-        </p:txBody>
-      </p:sp>
-      <p:sp>
-        <p:nvSpPr>
-          <p:cNvPr id="4" name="직사각형 3">
-            <a:extLst>
-              <a:ext uri="{FF2B5EF4-FFF2-40B4-BE49-F238E27FC236}">
-                <a16:creationId xmlns:a16="http://schemas.microsoft.com/office/drawing/2014/main" id="{FC497640-A598-8722-5FE7-C0780C845F29}"/>
-              </a:ext>
-            </a:extLst>
-          </p:cNvPr>
-          <p:cNvSpPr/>
-          <p:nvPr/>
-        </p:nvSpPr>
-        <p:spPr>
-          <a:xfrm>
-            <a:off x="1749933" y="2750392"/>
-            <a:ext cx="1775791" cy="861392"/>
-          </a:xfrm>
-          <a:prstGeom prst="rect">
-            <a:avLst/>
-          </a:prstGeom>
-        </p:spPr>
-        <p:style>
-          <a:lnRef idx="2">
-            <a:schemeClr val="accent1">
-              <a:shade val="15000"/>
-            </a:schemeClr>
-          </a:lnRef>
-          <a:fillRef idx="1">
-            <a:schemeClr val="accent1"/>
-          </a:fillRef>
-          <a:effectRef idx="0">
-            <a:schemeClr val="accent1"/>
-          </a:effectRef>
-          <a:fontRef idx="minor">
-            <a:schemeClr val="lt1"/>
-          </a:fontRef>
-        </p:style>
-        <p:txBody>
-          <a:bodyPr rtlCol="0" anchor="ctr"/>
-          <a:lstStyle/>
-          <a:p>
-            <a:pPr algn="ctr"/>
-            <a:r>
-              <a:rPr lang="en-US" altLang="ko-KR" dirty="0"/>
-              <a:t>Entry</a:t>
-            </a:r>
-          </a:p>
-          <a:p>
-            <a:pPr algn="ctr"/>
-            <a:r>
-              <a:rPr lang="en-US" altLang="ko-KR" dirty="0"/>
-              <a:t>(</a:t>
-            </a:r>
-            <a:r>
-              <a:rPr lang="ko-KR" altLang="en-US" dirty="0"/>
-              <a:t>로그인 화면</a:t>
-            </a:r>
-            <a:r>
-              <a:rPr lang="en-US" altLang="ko-KR" dirty="0"/>
-              <a:t>)</a:t>
-            </a:r>
-            <a:endParaRPr lang="ko-KR" altLang="en-US" dirty="0"/>
-          </a:p>
-        </p:txBody>
-      </p:sp>
-      <p:sp>
-        <p:nvSpPr>
-          <p:cNvPr id="7" name="직사각형 6">
-            <a:extLst>
-              <a:ext uri="{FF2B5EF4-FFF2-40B4-BE49-F238E27FC236}">
-                <a16:creationId xmlns:a16="http://schemas.microsoft.com/office/drawing/2014/main" id="{D8B5E9BC-54B4-C5B6-FF0A-570577872AA0}"/>
-              </a:ext>
-            </a:extLst>
-          </p:cNvPr>
-          <p:cNvSpPr/>
-          <p:nvPr/>
-        </p:nvSpPr>
-        <p:spPr>
-          <a:xfrm>
-            <a:off x="5076227" y="2750392"/>
-            <a:ext cx="1775791" cy="861392"/>
-          </a:xfrm>
-          <a:prstGeom prst="rect">
-            <a:avLst/>
-          </a:prstGeom>
-        </p:spPr>
-        <p:style>
-          <a:lnRef idx="2">
-            <a:schemeClr val="accent1">
-              <a:shade val="15000"/>
-            </a:schemeClr>
-          </a:lnRef>
-          <a:fillRef idx="1">
-            <a:schemeClr val="accent1"/>
-          </a:fillRef>
-          <a:effectRef idx="0">
-            <a:schemeClr val="accent1"/>
-          </a:effectRef>
-          <a:fontRef idx="minor">
-            <a:schemeClr val="lt1"/>
-          </a:fontRef>
-        </p:style>
-        <p:txBody>
-          <a:bodyPr rtlCol="0" anchor="ctr"/>
-          <a:lstStyle/>
-          <a:p>
-            <a:pPr algn="ctr"/>
-            <a:r>
-              <a:rPr lang="en-US" altLang="ko-KR" dirty="0"/>
-              <a:t>Lobby</a:t>
-            </a:r>
-          </a:p>
-          <a:p>
-            <a:pPr algn="ctr"/>
-            <a:r>
-              <a:rPr lang="en-US" altLang="ko-KR" dirty="0"/>
-              <a:t>(</a:t>
-            </a:r>
-            <a:r>
-              <a:rPr lang="ko-KR" altLang="en-US" dirty="0"/>
-              <a:t>로비화면</a:t>
-            </a:r>
-            <a:r>
-              <a:rPr lang="en-US" altLang="ko-KR" dirty="0"/>
-              <a:t>)</a:t>
-            </a:r>
-            <a:endParaRPr lang="ko-KR" altLang="en-US" dirty="0"/>
-          </a:p>
-        </p:txBody>
-      </p:sp>
-      <p:sp>
-        <p:nvSpPr>
-          <p:cNvPr id="8" name="직사각형 7">
-            <a:extLst>
-              <a:ext uri="{FF2B5EF4-FFF2-40B4-BE49-F238E27FC236}">
-                <a16:creationId xmlns:a16="http://schemas.microsoft.com/office/drawing/2014/main" id="{D34A9E5F-E032-A7DE-C07A-DF57723670B7}"/>
-              </a:ext>
-            </a:extLst>
-          </p:cNvPr>
-          <p:cNvSpPr/>
-          <p:nvPr/>
-        </p:nvSpPr>
-        <p:spPr>
-          <a:xfrm>
-            <a:off x="8508535" y="2737140"/>
-            <a:ext cx="1775791" cy="861392"/>
-          </a:xfrm>
-          <a:prstGeom prst="rect">
-            <a:avLst/>
-          </a:prstGeom>
-        </p:spPr>
-        <p:style>
-          <a:lnRef idx="2">
-            <a:schemeClr val="accent1">
-              <a:shade val="15000"/>
-            </a:schemeClr>
-          </a:lnRef>
-          <a:fillRef idx="1">
-            <a:schemeClr val="accent1"/>
-          </a:fillRef>
-          <a:effectRef idx="0">
-            <a:schemeClr val="accent1"/>
-          </a:effectRef>
-          <a:fontRef idx="minor">
-            <a:schemeClr val="lt1"/>
-          </a:fontRef>
-        </p:style>
-        <p:txBody>
-          <a:bodyPr rtlCol="0" anchor="ctr"/>
-          <a:lstStyle/>
-          <a:p>
-            <a:pPr algn="ctr"/>
-            <a:r>
-              <a:rPr lang="en-US" altLang="ko-KR" dirty="0"/>
-              <a:t>Main</a:t>
-            </a:r>
-            <a:endParaRPr lang="ko-KR" altLang="en-US" dirty="0"/>
-          </a:p>
-        </p:txBody>
-      </p:sp>
-      <p:cxnSp>
-        <p:nvCxnSpPr>
-          <p:cNvPr id="12" name="직선 화살표 연결선 11">
-            <a:extLst>
-              <a:ext uri="{FF2B5EF4-FFF2-40B4-BE49-F238E27FC236}">
-                <a16:creationId xmlns:a16="http://schemas.microsoft.com/office/drawing/2014/main" id="{07C980E2-A68B-EAB0-B578-277EBFF385F8}"/>
-              </a:ext>
-            </a:extLst>
-          </p:cNvPr>
-          <p:cNvCxnSpPr/>
-          <p:nvPr/>
-        </p:nvCxnSpPr>
-        <p:spPr>
-          <a:xfrm>
-            <a:off x="3704625" y="3167836"/>
-            <a:ext cx="1020418" cy="13252"/>
-          </a:xfrm>
-          <a:prstGeom prst="straightConnector1">
-            <a:avLst/>
-          </a:prstGeom>
-          <a:ln>
-            <a:tailEnd type="triangle"/>
-          </a:ln>
-        </p:spPr>
-        <p:style>
-          <a:lnRef idx="1">
-            <a:schemeClr val="accent1"/>
-          </a:lnRef>
-          <a:fillRef idx="0">
-            <a:schemeClr val="accent1"/>
-          </a:fillRef>
-          <a:effectRef idx="0">
-            <a:schemeClr val="accent1"/>
-          </a:effectRef>
-          <a:fontRef idx="minor">
-            <a:schemeClr val="tx1"/>
-          </a:fontRef>
-        </p:style>
-      </p:cxnSp>
-      <p:cxnSp>
-        <p:nvCxnSpPr>
-          <p:cNvPr id="13" name="직선 화살표 연결선 12">
-            <a:extLst>
-              <a:ext uri="{FF2B5EF4-FFF2-40B4-BE49-F238E27FC236}">
-                <a16:creationId xmlns:a16="http://schemas.microsoft.com/office/drawing/2014/main" id="{54A7F669-BCEF-262C-813D-8BEAA60DF611}"/>
-              </a:ext>
-            </a:extLst>
-          </p:cNvPr>
-          <p:cNvCxnSpPr/>
-          <p:nvPr/>
-        </p:nvCxnSpPr>
-        <p:spPr>
-          <a:xfrm>
-            <a:off x="7279254" y="3181088"/>
-            <a:ext cx="1020418" cy="13252"/>
-          </a:xfrm>
-          <a:prstGeom prst="straightConnector1">
-            <a:avLst/>
-          </a:prstGeom>
-          <a:ln>
-            <a:tailEnd type="triangle"/>
-          </a:ln>
-        </p:spPr>
-        <p:style>
-          <a:lnRef idx="1">
-            <a:schemeClr val="accent1"/>
-          </a:lnRef>
-          <a:fillRef idx="0">
-            <a:schemeClr val="accent1"/>
-          </a:fillRef>
-          <a:effectRef idx="0">
-            <a:schemeClr val="accent1"/>
-          </a:effectRef>
-          <a:fontRef idx="minor">
-            <a:schemeClr val="tx1"/>
-          </a:fontRef>
-        </p:style>
-      </p:cxnSp>
-      <p:sp>
-        <p:nvSpPr>
-          <p:cNvPr id="15" name="TextBox 14">
-            <a:extLst>
-              <a:ext uri="{FF2B5EF4-FFF2-40B4-BE49-F238E27FC236}">
-                <a16:creationId xmlns:a16="http://schemas.microsoft.com/office/drawing/2014/main" id="{BC398F23-4932-5262-3917-643FF8029182}"/>
-              </a:ext>
-            </a:extLst>
-          </p:cNvPr>
-          <p:cNvSpPr txBox="1"/>
-          <p:nvPr/>
-        </p:nvSpPr>
-        <p:spPr>
-          <a:xfrm>
-            <a:off x="7000958" y="2883563"/>
-            <a:ext cx="1577011" cy="246221"/>
-          </a:xfrm>
-          <a:prstGeom prst="rect">
-            <a:avLst/>
-          </a:prstGeom>
-          <a:noFill/>
-        </p:spPr>
-        <p:txBody>
-          <a:bodyPr wrap="square" rtlCol="0">
-            <a:spAutoFit/>
-          </a:bodyPr>
-          <a:lstStyle/>
-          <a:p>
-            <a:pPr algn="ctr"/>
-            <a:r>
-              <a:rPr lang="ko-KR" altLang="en-US" sz="1000" dirty="0"/>
-              <a:t>플레이 버튼</a:t>
-            </a:r>
-          </a:p>
-        </p:txBody>
-      </p:sp>
-      <p:sp>
-        <p:nvSpPr>
-          <p:cNvPr id="16" name="직사각형 15">
-            <a:extLst>
-              <a:ext uri="{FF2B5EF4-FFF2-40B4-BE49-F238E27FC236}">
-                <a16:creationId xmlns:a16="http://schemas.microsoft.com/office/drawing/2014/main" id="{AF1897B2-01C6-26C8-D475-20C6D8B1FEC5}"/>
-              </a:ext>
-            </a:extLst>
-          </p:cNvPr>
-          <p:cNvSpPr/>
-          <p:nvPr/>
-        </p:nvSpPr>
-        <p:spPr>
-          <a:xfrm>
-            <a:off x="901147" y="1293916"/>
-            <a:ext cx="569843" cy="357809"/>
-          </a:xfrm>
-          <a:prstGeom prst="rect">
-            <a:avLst/>
-          </a:prstGeom>
-        </p:spPr>
-        <p:style>
-          <a:lnRef idx="2">
-            <a:schemeClr val="accent1">
-              <a:shade val="15000"/>
-            </a:schemeClr>
-          </a:lnRef>
-          <a:fillRef idx="1">
-            <a:schemeClr val="accent1"/>
-          </a:fillRef>
-          <a:effectRef idx="0">
-            <a:schemeClr val="accent1"/>
-          </a:effectRef>
-          <a:fontRef idx="minor">
-            <a:schemeClr val="lt1"/>
-          </a:fontRef>
-        </p:style>
-        <p:txBody>
-          <a:bodyPr rtlCol="0" anchor="ctr"/>
-          <a:lstStyle/>
-          <a:p>
-            <a:pPr algn="ctr"/>
-            <a:endParaRPr lang="ko-KR" altLang="en-US"/>
-          </a:p>
-        </p:txBody>
-      </p:sp>
-      <p:sp>
-        <p:nvSpPr>
-          <p:cNvPr id="17" name="직사각형 16">
-            <a:extLst>
-              <a:ext uri="{FF2B5EF4-FFF2-40B4-BE49-F238E27FC236}">
-                <a16:creationId xmlns:a16="http://schemas.microsoft.com/office/drawing/2014/main" id="{B8E85932-3B58-4681-00C7-3D0A88FFBD91}"/>
-              </a:ext>
-            </a:extLst>
-          </p:cNvPr>
-          <p:cNvSpPr/>
-          <p:nvPr/>
-        </p:nvSpPr>
-        <p:spPr>
-          <a:xfrm>
-            <a:off x="901147" y="1737336"/>
-            <a:ext cx="569843" cy="357809"/>
-          </a:xfrm>
-          <a:prstGeom prst="rect">
-            <a:avLst/>
-          </a:prstGeom>
-          <a:solidFill>
-            <a:schemeClr val="accent2"/>
-          </a:solidFill>
-        </p:spPr>
-        <p:style>
-          <a:lnRef idx="2">
-            <a:schemeClr val="accent1">
-              <a:shade val="15000"/>
-            </a:schemeClr>
-          </a:lnRef>
-          <a:fillRef idx="1">
-            <a:schemeClr val="accent1"/>
-          </a:fillRef>
-          <a:effectRef idx="0">
-            <a:schemeClr val="accent1"/>
-          </a:effectRef>
-          <a:fontRef idx="minor">
-            <a:schemeClr val="lt1"/>
-          </a:fontRef>
-        </p:style>
-        <p:txBody>
-          <a:bodyPr rtlCol="0" anchor="ctr"/>
-          <a:lstStyle/>
-          <a:p>
-            <a:pPr algn="ctr"/>
-            <a:endParaRPr lang="ko-KR" altLang="en-US"/>
-          </a:p>
-        </p:txBody>
-      </p:sp>
-      <p:sp>
-        <p:nvSpPr>
-          <p:cNvPr id="18" name="TextBox 17">
-            <a:extLst>
-              <a:ext uri="{FF2B5EF4-FFF2-40B4-BE49-F238E27FC236}">
-                <a16:creationId xmlns:a16="http://schemas.microsoft.com/office/drawing/2014/main" id="{1066AF5A-60E8-C6E1-0A3B-55808A707828}"/>
-              </a:ext>
-            </a:extLst>
-          </p:cNvPr>
-          <p:cNvSpPr txBox="1"/>
-          <p:nvPr/>
-        </p:nvSpPr>
-        <p:spPr>
-          <a:xfrm>
-            <a:off x="450574" y="1166191"/>
-            <a:ext cx="3684104" cy="369332"/>
-          </a:xfrm>
-          <a:prstGeom prst="rect">
-            <a:avLst/>
-          </a:prstGeom>
-          <a:noFill/>
-        </p:spPr>
-        <p:txBody>
-          <a:bodyPr wrap="square" rtlCol="0">
-            <a:spAutoFit/>
-          </a:bodyPr>
-          <a:lstStyle/>
-          <a:p>
-            <a:r>
-              <a:rPr lang="en-US" altLang="ko-KR" dirty="0"/>
-              <a:t>	</a:t>
-            </a:r>
-            <a:endParaRPr lang="ko-KR" altLang="en-US" dirty="0"/>
-          </a:p>
-        </p:txBody>
-      </p:sp>
-      <p:sp>
-        <p:nvSpPr>
-          <p:cNvPr id="22" name="제목 1">
-            <a:extLst>
-              <a:ext uri="{FF2B5EF4-FFF2-40B4-BE49-F238E27FC236}">
-                <a16:creationId xmlns:a16="http://schemas.microsoft.com/office/drawing/2014/main" id="{9C64C31E-6E98-9498-F20B-DF86D3E33A05}"/>
+          <a:extLst>
+            <a:ext uri="{909E8E84-426E-40DD-AFC4-6F175D3DCCD1}">
+              <a14:hiddenFill xmlns:a14="http://schemas.microsoft.com/office/drawing/2010/main">
+                <a:solidFill>
+                  <a:srgbClr val="FFFFFF"/>
+                </a:solidFill>
+              </a14:hiddenFill>
+            </a:ext>
+          </a:extLst>
+        </p:spPr>
+      </p:pic>
+      <p:sp>
+        <p:nvSpPr>
+          <p:cNvPr id="14" name="제목 1">
+            <a:extLst>
+              <a:ext uri="{FF2B5EF4-FFF2-40B4-BE49-F238E27FC236}">
+                <a16:creationId xmlns:a16="http://schemas.microsoft.com/office/drawing/2014/main" id="{7AD69CB8-C237-196A-5D6D-847501E27DA7}"/>
               </a:ext>
             </a:extLst>
           </p:cNvPr>
@@ -3987,7 +3582,657 @@
             </a:r>
             <a:r>
               <a:rPr lang="en-US" altLang="ko-KR" sz="3600" dirty="0"/>
-              <a:t>01 Scene Flow</a:t>
+              <a:t>01 Lobby I </a:t>
+            </a:r>
+            <a:r>
+              <a:rPr lang="en-US" altLang="ko-KR" sz="1800" dirty="0" err="1"/>
+              <a:t>ui_lobby_tap_truck</a:t>
+            </a:r>
+            <a:r>
+              <a:rPr lang="en-US" altLang="ko-KR" sz="1800" dirty="0"/>
+              <a:t> (</a:t>
+            </a:r>
+            <a:r>
+              <a:rPr lang="en-US" altLang="ko-KR" sz="1800" dirty="0" err="1"/>
+              <a:t>view_up</a:t>
+            </a:r>
+            <a:r>
+              <a:rPr lang="en-US" altLang="ko-KR" sz="1800" dirty="0"/>
+              <a:t>)</a:t>
+            </a:r>
+            <a:endParaRPr lang="ko-KR" altLang="en-US" sz="1800" dirty="0"/>
+          </a:p>
+        </p:txBody>
+      </p:sp>
+      <p:sp>
+        <p:nvSpPr>
+          <p:cNvPr id="11" name="TextBox 10">
+            <a:extLst>
+              <a:ext uri="{FF2B5EF4-FFF2-40B4-BE49-F238E27FC236}">
+                <a16:creationId xmlns:a16="http://schemas.microsoft.com/office/drawing/2014/main" id="{A58445B7-8807-B095-C381-A976923D9954}"/>
+              </a:ext>
+            </a:extLst>
+          </p:cNvPr>
+          <p:cNvSpPr txBox="1"/>
+          <p:nvPr/>
+        </p:nvSpPr>
+        <p:spPr>
+          <a:xfrm>
+            <a:off x="299455" y="3489656"/>
+            <a:ext cx="2421443" cy="523220"/>
+          </a:xfrm>
+          <a:prstGeom prst="rect">
+            <a:avLst/>
+          </a:prstGeom>
+          <a:noFill/>
+        </p:spPr>
+        <p:txBody>
+          <a:bodyPr wrap="square" rtlCol="0">
+            <a:spAutoFit/>
+          </a:bodyPr>
+          <a:lstStyle/>
+          <a:p>
+            <a:pPr algn="r"/>
+            <a:r>
+              <a:rPr lang="ko-KR" altLang="en-US" sz="1400" dirty="0"/>
+              <a:t>해당 캐릭터 등급</a:t>
+            </a:r>
+            <a:br>
+              <a:rPr lang="en-US" altLang="ko-KR" sz="1400" dirty="0"/>
+            </a:br>
+            <a:r>
+              <a:rPr lang="en-US" altLang="ko-KR" sz="1400" dirty="0"/>
+              <a:t>(</a:t>
+            </a:r>
+            <a:r>
+              <a:rPr lang="ko-KR" altLang="en-US" sz="1400" dirty="0"/>
+              <a:t>최대 </a:t>
+            </a:r>
+            <a:r>
+              <a:rPr lang="en-US" altLang="ko-KR" sz="1400" dirty="0"/>
+              <a:t>3</a:t>
+            </a:r>
+            <a:r>
+              <a:rPr lang="ko-KR" altLang="en-US" sz="1400" dirty="0"/>
+              <a:t>성</a:t>
+            </a:r>
+            <a:r>
+              <a:rPr lang="en-US" altLang="ko-KR" sz="1400" dirty="0"/>
+              <a:t>)</a:t>
+            </a:r>
+            <a:endParaRPr lang="ko-KR" altLang="en-US" sz="1400" dirty="0"/>
+          </a:p>
+        </p:txBody>
+      </p:sp>
+      <p:sp>
+        <p:nvSpPr>
+          <p:cNvPr id="4" name="TextBox 3">
+            <a:extLst>
+              <a:ext uri="{FF2B5EF4-FFF2-40B4-BE49-F238E27FC236}">
+                <a16:creationId xmlns:a16="http://schemas.microsoft.com/office/drawing/2014/main" id="{6F921663-D9F9-037F-9AEF-FBA93FE03AD6}"/>
+              </a:ext>
+            </a:extLst>
+          </p:cNvPr>
+          <p:cNvSpPr txBox="1"/>
+          <p:nvPr/>
+        </p:nvSpPr>
+        <p:spPr>
+          <a:xfrm>
+            <a:off x="4750420" y="3702170"/>
+            <a:ext cx="2787804" cy="468000"/>
+          </a:xfrm>
+          <a:prstGeom prst="rect">
+            <a:avLst/>
+          </a:prstGeom>
+          <a:noFill/>
+          <a:ln>
+            <a:solidFill>
+              <a:srgbClr val="FF0000"/>
+            </a:solidFill>
+          </a:ln>
+        </p:spPr>
+        <p:txBody>
+          <a:bodyPr wrap="square" rtlCol="0">
+            <a:spAutoFit/>
+          </a:bodyPr>
+          <a:lstStyle/>
+          <a:p>
+            <a:endParaRPr lang="ko-KR" altLang="en-US" dirty="0"/>
+          </a:p>
+        </p:txBody>
+      </p:sp>
+      <p:cxnSp>
+        <p:nvCxnSpPr>
+          <p:cNvPr id="8" name="연결선: 꺾임 7">
+            <a:extLst>
+              <a:ext uri="{FF2B5EF4-FFF2-40B4-BE49-F238E27FC236}">
+                <a16:creationId xmlns:a16="http://schemas.microsoft.com/office/drawing/2014/main" id="{EF073EC8-2AE7-B1C9-B0D1-73DB764ABCF1}"/>
+              </a:ext>
+            </a:extLst>
+          </p:cNvPr>
+          <p:cNvCxnSpPr>
+            <a:cxnSpLocks/>
+            <a:stCxn id="4" idx="1"/>
+            <a:endCxn id="11" idx="3"/>
+          </p:cNvCxnSpPr>
+          <p:nvPr/>
+        </p:nvCxnSpPr>
+        <p:spPr>
+          <a:xfrm rot="10800000">
+            <a:off x="2720898" y="3751266"/>
+            <a:ext cx="2029522" cy="184904"/>
+          </a:xfrm>
+          <a:prstGeom prst="bentConnector3">
+            <a:avLst/>
+          </a:prstGeom>
+          <a:ln>
+            <a:solidFill>
+              <a:srgbClr val="FF0000"/>
+            </a:solidFill>
+            <a:tailEnd type="triangle"/>
+          </a:ln>
+        </p:spPr>
+        <p:style>
+          <a:lnRef idx="1">
+            <a:schemeClr val="accent1"/>
+          </a:lnRef>
+          <a:fillRef idx="0">
+            <a:schemeClr val="accent1"/>
+          </a:fillRef>
+          <a:effectRef idx="0">
+            <a:schemeClr val="accent1"/>
+          </a:effectRef>
+          <a:fontRef idx="minor">
+            <a:schemeClr val="tx1"/>
+          </a:fontRef>
+        </p:style>
+      </p:cxnSp>
+      <p:cxnSp>
+        <p:nvCxnSpPr>
+          <p:cNvPr id="15" name="연결선: 꺾임 14">
+            <a:extLst>
+              <a:ext uri="{FF2B5EF4-FFF2-40B4-BE49-F238E27FC236}">
+                <a16:creationId xmlns:a16="http://schemas.microsoft.com/office/drawing/2014/main" id="{4C6DE3CC-CEB7-9086-3EB2-6686FF033626}"/>
+              </a:ext>
+            </a:extLst>
+          </p:cNvPr>
+          <p:cNvCxnSpPr>
+            <a:cxnSpLocks/>
+            <a:stCxn id="16" idx="3"/>
+            <a:endCxn id="20" idx="1"/>
+          </p:cNvCxnSpPr>
+          <p:nvPr/>
+        </p:nvCxnSpPr>
+        <p:spPr>
+          <a:xfrm flipV="1">
+            <a:off x="7493619" y="3751266"/>
+            <a:ext cx="971783" cy="1233330"/>
+          </a:xfrm>
+          <a:prstGeom prst="bentConnector3">
+            <a:avLst>
+              <a:gd name="adj1" fmla="val 50000"/>
+            </a:avLst>
+          </a:prstGeom>
+          <a:ln>
+            <a:solidFill>
+              <a:srgbClr val="FF0000"/>
+            </a:solidFill>
+            <a:tailEnd type="triangle"/>
+          </a:ln>
+        </p:spPr>
+        <p:style>
+          <a:lnRef idx="1">
+            <a:schemeClr val="accent1"/>
+          </a:lnRef>
+          <a:fillRef idx="0">
+            <a:schemeClr val="accent1"/>
+          </a:fillRef>
+          <a:effectRef idx="0">
+            <a:schemeClr val="accent1"/>
+          </a:effectRef>
+          <a:fontRef idx="minor">
+            <a:schemeClr val="tx1"/>
+          </a:fontRef>
+        </p:style>
+      </p:cxnSp>
+      <p:sp>
+        <p:nvSpPr>
+          <p:cNvPr id="20" name="TextBox 19">
+            <a:extLst>
+              <a:ext uri="{FF2B5EF4-FFF2-40B4-BE49-F238E27FC236}">
+                <a16:creationId xmlns:a16="http://schemas.microsoft.com/office/drawing/2014/main" id="{A285402D-8A83-DA78-DC8F-77957D1D8827}"/>
+              </a:ext>
+            </a:extLst>
+          </p:cNvPr>
+          <p:cNvSpPr txBox="1"/>
+          <p:nvPr/>
+        </p:nvSpPr>
+        <p:spPr>
+          <a:xfrm>
+            <a:off x="8465402" y="938604"/>
+            <a:ext cx="3726597" cy="5625323"/>
+          </a:xfrm>
+          <a:prstGeom prst="rect">
+            <a:avLst/>
+          </a:prstGeom>
+          <a:noFill/>
+        </p:spPr>
+        <p:txBody>
+          <a:bodyPr wrap="square" rtlCol="0">
+            <a:spAutoFit/>
+          </a:bodyPr>
+          <a:lstStyle/>
+          <a:p>
+            <a:pPr>
+              <a:lnSpc>
+                <a:spcPct val="200000"/>
+              </a:lnSpc>
+            </a:pPr>
+            <a:r>
+              <a:rPr lang="en-US" altLang="ko-KR" sz="1400" b="1" dirty="0"/>
+              <a:t>**</a:t>
+            </a:r>
+            <a:r>
+              <a:rPr lang="ko-KR" altLang="en-US" sz="1400" b="1" dirty="0"/>
+              <a:t>등급 보너스 정보</a:t>
+            </a:r>
+            <a:endParaRPr lang="en-US" altLang="ko-KR" sz="1400" b="1" dirty="0"/>
+          </a:p>
+          <a:p>
+            <a:pPr>
+              <a:lnSpc>
+                <a:spcPct val="200000"/>
+              </a:lnSpc>
+            </a:pPr>
+            <a:r>
+              <a:rPr lang="ko-KR" altLang="en-US" sz="1400" dirty="0"/>
+              <a:t>등급 상승 후 해금되는 패시브 정보 표기 </a:t>
+            </a:r>
+            <a:endParaRPr lang="en-US" altLang="ko-KR" sz="1400" dirty="0"/>
+          </a:p>
+          <a:p>
+            <a:pPr marL="342900" indent="-342900">
+              <a:lnSpc>
+                <a:spcPct val="200000"/>
+              </a:lnSpc>
+              <a:buAutoNum type="arabicPeriod"/>
+            </a:pPr>
+            <a:r>
+              <a:rPr lang="ko-KR" altLang="en-US" sz="1400" dirty="0"/>
+              <a:t>이미 해금된 능력</a:t>
+            </a:r>
+            <a:endParaRPr lang="en-US" altLang="ko-KR" sz="1400" dirty="0"/>
+          </a:p>
+          <a:p>
+            <a:pPr marL="342900" indent="-342900">
+              <a:lnSpc>
+                <a:spcPct val="200000"/>
+              </a:lnSpc>
+              <a:buAutoNum type="arabicPeriod"/>
+            </a:pPr>
+            <a:r>
+              <a:rPr lang="ko-KR" altLang="en-US" sz="1400" dirty="0"/>
+              <a:t>등급 상승하면 해금될 능력</a:t>
+            </a:r>
+            <a:endParaRPr lang="en-US" altLang="ko-KR" sz="1400" dirty="0"/>
+          </a:p>
+          <a:p>
+            <a:pPr marL="342900" indent="-342900">
+              <a:lnSpc>
+                <a:spcPct val="200000"/>
+              </a:lnSpc>
+              <a:buAutoNum type="arabicPeriod"/>
+            </a:pPr>
+            <a:r>
+              <a:rPr lang="ko-KR" altLang="en-US" sz="1400" dirty="0"/>
+              <a:t>해금 </a:t>
+            </a:r>
+            <a:r>
+              <a:rPr lang="ko-KR" altLang="en-US" sz="1400" dirty="0" err="1"/>
+              <a:t>안되있는</a:t>
+            </a:r>
+            <a:r>
+              <a:rPr lang="ko-KR" altLang="en-US" sz="1400" dirty="0"/>
+              <a:t> 능력</a:t>
+            </a:r>
+            <a:endParaRPr lang="en-US" altLang="ko-KR" sz="1400" dirty="0"/>
+          </a:p>
+          <a:p>
+            <a:pPr>
+              <a:lnSpc>
+                <a:spcPct val="200000"/>
+              </a:lnSpc>
+            </a:pPr>
+            <a:r>
+              <a:rPr lang="ko-KR" altLang="en-US" sz="1400" dirty="0"/>
+              <a:t>해금 상태에 따라 텍스트 색깔로 구분주기</a:t>
+            </a:r>
+            <a:endParaRPr lang="en-US" altLang="ko-KR" sz="1400" dirty="0"/>
+          </a:p>
+          <a:p>
+            <a:pPr>
+              <a:lnSpc>
+                <a:spcPct val="200000"/>
+              </a:lnSpc>
+            </a:pPr>
+            <a:r>
+              <a:rPr lang="en-US" altLang="ko-KR" sz="1400" dirty="0"/>
+              <a:t>Ex) </a:t>
+            </a:r>
+          </a:p>
+          <a:p>
+            <a:pPr>
+              <a:lnSpc>
+                <a:spcPct val="200000"/>
+              </a:lnSpc>
+            </a:pPr>
+            <a:r>
+              <a:rPr lang="ko-KR" altLang="en-US" sz="1400" dirty="0">
+                <a:solidFill>
+                  <a:schemeClr val="accent6"/>
+                </a:solidFill>
+              </a:rPr>
+              <a:t>●할아버지 용사 획득 시 </a:t>
+            </a:r>
+            <a:r>
+              <a:rPr lang="ko-KR" altLang="en-US" sz="1400" dirty="0" err="1">
+                <a:solidFill>
+                  <a:schemeClr val="accent6"/>
+                </a:solidFill>
+              </a:rPr>
+              <a:t>간달브로</a:t>
+            </a:r>
+            <a:r>
+              <a:rPr lang="ko-KR" altLang="en-US" sz="1400" dirty="0">
+                <a:solidFill>
+                  <a:schemeClr val="accent6"/>
+                </a:solidFill>
+              </a:rPr>
+              <a:t> 변경될 확률 </a:t>
+            </a:r>
+            <a:r>
+              <a:rPr lang="en-US" altLang="ko-KR" sz="1400" dirty="0">
+                <a:solidFill>
+                  <a:schemeClr val="accent6"/>
+                </a:solidFill>
+              </a:rPr>
+              <a:t>1% </a:t>
+            </a:r>
+            <a:r>
+              <a:rPr lang="ko-KR" altLang="en-US" sz="1400" dirty="0">
+                <a:solidFill>
+                  <a:schemeClr val="accent6"/>
+                </a:solidFill>
+              </a:rPr>
+              <a:t>증가 </a:t>
+            </a:r>
+            <a:r>
+              <a:rPr lang="en-US" altLang="ko-KR" sz="1400" dirty="0">
+                <a:solidFill>
+                  <a:schemeClr val="accent6"/>
+                </a:solidFill>
+              </a:rPr>
+              <a:t>(</a:t>
+            </a:r>
+            <a:r>
+              <a:rPr lang="ko-KR" altLang="en-US" sz="1400" dirty="0">
+                <a:solidFill>
+                  <a:schemeClr val="accent6"/>
+                </a:solidFill>
+              </a:rPr>
+              <a:t>해금</a:t>
+            </a:r>
+            <a:r>
+              <a:rPr lang="en-US" altLang="ko-KR" sz="1400" dirty="0">
+                <a:solidFill>
+                  <a:schemeClr val="accent6"/>
+                </a:solidFill>
+              </a:rPr>
+              <a:t>)</a:t>
+            </a:r>
+          </a:p>
+          <a:p>
+            <a:pPr>
+              <a:lnSpc>
+                <a:spcPct val="200000"/>
+              </a:lnSpc>
+            </a:pPr>
+            <a:r>
+              <a:rPr lang="ko-KR" altLang="en-US" sz="1400" dirty="0">
+                <a:solidFill>
+                  <a:schemeClr val="accent2"/>
+                </a:solidFill>
+              </a:rPr>
+              <a:t>●할아버지 </a:t>
+            </a:r>
+            <a:r>
+              <a:rPr lang="ko-KR" altLang="en-US" sz="1400" dirty="0" err="1">
+                <a:solidFill>
+                  <a:schemeClr val="accent2"/>
+                </a:solidFill>
+              </a:rPr>
+              <a:t>몹</a:t>
+            </a:r>
+            <a:r>
+              <a:rPr lang="ko-KR" altLang="en-US" sz="1400" dirty="0">
+                <a:solidFill>
+                  <a:schemeClr val="accent2"/>
+                </a:solidFill>
+              </a:rPr>
+              <a:t> 등장확률 </a:t>
+            </a:r>
+            <a:r>
+              <a:rPr lang="en-US" altLang="ko-KR" sz="1400" dirty="0">
+                <a:solidFill>
+                  <a:schemeClr val="accent2"/>
+                </a:solidFill>
+              </a:rPr>
+              <a:t>2%</a:t>
+            </a:r>
+            <a:r>
+              <a:rPr lang="ko-KR" altLang="en-US" sz="1400" dirty="0">
+                <a:solidFill>
+                  <a:schemeClr val="accent2"/>
+                </a:solidFill>
+              </a:rPr>
+              <a:t>증가 </a:t>
+            </a:r>
+            <a:r>
+              <a:rPr lang="en-US" altLang="ko-KR" sz="1400" dirty="0">
+                <a:solidFill>
+                  <a:schemeClr val="accent2"/>
+                </a:solidFill>
+              </a:rPr>
+              <a:t>(</a:t>
+            </a:r>
+            <a:r>
+              <a:rPr lang="ko-KR" altLang="en-US" sz="1400" dirty="0" err="1">
+                <a:solidFill>
+                  <a:schemeClr val="accent2"/>
+                </a:solidFill>
+              </a:rPr>
+              <a:t>등급업</a:t>
+            </a:r>
+            <a:r>
+              <a:rPr lang="ko-KR" altLang="en-US" sz="1400" dirty="0">
+                <a:solidFill>
+                  <a:schemeClr val="accent2"/>
+                </a:solidFill>
+              </a:rPr>
+              <a:t> 하면 획득</a:t>
+            </a:r>
+            <a:r>
+              <a:rPr lang="en-US" altLang="ko-KR" sz="1400" dirty="0">
+                <a:solidFill>
+                  <a:schemeClr val="accent2"/>
+                </a:solidFill>
+              </a:rPr>
+              <a:t>)</a:t>
+            </a:r>
+          </a:p>
+          <a:p>
+            <a:pPr>
+              <a:lnSpc>
+                <a:spcPct val="200000"/>
+              </a:lnSpc>
+            </a:pPr>
+            <a:r>
+              <a:rPr lang="ko-KR" altLang="en-US" sz="1400" dirty="0"/>
+              <a:t>●할아버지가 자동으로 차에 부딪힘 </a:t>
+            </a:r>
+            <a:r>
+              <a:rPr lang="en-US" altLang="ko-KR" sz="1400" dirty="0"/>
+              <a:t>(</a:t>
+            </a:r>
+            <a:r>
+              <a:rPr lang="ko-KR" altLang="en-US" sz="1400" dirty="0" err="1"/>
+              <a:t>미해금</a:t>
+            </a:r>
+            <a:r>
+              <a:rPr lang="en-US" altLang="ko-KR" sz="1400" dirty="0"/>
+              <a:t>)</a:t>
+            </a:r>
+          </a:p>
+          <a:p>
+            <a:pPr>
+              <a:lnSpc>
+                <a:spcPct val="200000"/>
+              </a:lnSpc>
+            </a:pPr>
+            <a:endParaRPr lang="ko-KR" altLang="en-US" sz="1400" dirty="0"/>
+          </a:p>
+        </p:txBody>
+      </p:sp>
+      <p:sp>
+        <p:nvSpPr>
+          <p:cNvPr id="16" name="TextBox 15">
+            <a:extLst>
+              <a:ext uri="{FF2B5EF4-FFF2-40B4-BE49-F238E27FC236}">
+                <a16:creationId xmlns:a16="http://schemas.microsoft.com/office/drawing/2014/main" id="{8DA5081A-E7EE-7033-74CF-87A7164E014C}"/>
+              </a:ext>
+            </a:extLst>
+          </p:cNvPr>
+          <p:cNvSpPr txBox="1"/>
+          <p:nvPr/>
+        </p:nvSpPr>
+        <p:spPr>
+          <a:xfrm>
+            <a:off x="4795024" y="4404732"/>
+            <a:ext cx="2698595" cy="1159727"/>
+          </a:xfrm>
+          <a:prstGeom prst="rect">
+            <a:avLst/>
+          </a:prstGeom>
+          <a:noFill/>
+          <a:ln>
+            <a:solidFill>
+              <a:srgbClr val="FF0000"/>
+            </a:solidFill>
+          </a:ln>
+        </p:spPr>
+        <p:txBody>
+          <a:bodyPr wrap="square" rtlCol="0">
+            <a:spAutoFit/>
+          </a:bodyPr>
+          <a:lstStyle/>
+          <a:p>
+            <a:endParaRPr lang="ko-KR" altLang="en-US" dirty="0"/>
+          </a:p>
+        </p:txBody>
+      </p:sp>
+    </p:spTree>
+    <p:extLst>
+      <p:ext uri="{BB962C8B-B14F-4D97-AF65-F5344CB8AC3E}">
+        <p14:creationId xmlns:p14="http://schemas.microsoft.com/office/powerpoint/2010/main" val="2749591920"/>
+      </p:ext>
+    </p:extLst>
+  </p:cSld>
+  <p:clrMapOvr>
+    <a:masterClrMapping/>
+  </p:clrMapOvr>
+</p:sld>
+</file>
+
+<file path=ppt/slides/slide11.xml><?xml version="1.0" encoding="utf-8"?>
+<p:sld xmlns:a="http://schemas.openxmlformats.org/drawingml/2006/main" xmlns:r="http://schemas.openxmlformats.org/officeDocument/2006/relationships" xmlns:p="http://schemas.openxmlformats.org/presentationml/2006/main">
+  <p:cSld>
+    <p:spTree>
+      <p:nvGrpSpPr>
+        <p:cNvPr id="1" name=""/>
+        <p:cNvGrpSpPr/>
+        <p:nvPr/>
+      </p:nvGrpSpPr>
+      <p:grpSpPr>
+        <a:xfrm>
+          <a:off x="0" y="0"/>
+          <a:ext cx="0" cy="0"/>
+          <a:chOff x="0" y="0"/>
+          <a:chExt cx="0" cy="0"/>
+        </a:xfrm>
+      </p:grpSpPr>
+      <p:pic>
+        <p:nvPicPr>
+          <p:cNvPr id="25" name="그림 24">
+            <a:extLst>
+              <a:ext uri="{FF2B5EF4-FFF2-40B4-BE49-F238E27FC236}">
+                <a16:creationId xmlns:a16="http://schemas.microsoft.com/office/drawing/2014/main" id="{C2E816F4-4257-E9EB-C6C8-4B75A328FE8E}"/>
+              </a:ext>
+            </a:extLst>
+          </p:cNvPr>
+          <p:cNvPicPr>
+            <a:picLocks noChangeAspect="1"/>
+          </p:cNvPicPr>
+          <p:nvPr/>
+        </p:nvPicPr>
+        <p:blipFill>
+          <a:blip r:embed="rId2"/>
+          <a:stretch>
+            <a:fillRect/>
+          </a:stretch>
+        </p:blipFill>
+        <p:spPr>
+          <a:xfrm>
+            <a:off x="4499128" y="1147912"/>
+            <a:ext cx="3162300" cy="5534025"/>
+          </a:xfrm>
+          <a:prstGeom prst="rect">
+            <a:avLst/>
+          </a:prstGeom>
+        </p:spPr>
+      </p:pic>
+      <p:sp>
+        <p:nvSpPr>
+          <p:cNvPr id="2" name="제목 1">
+            <a:extLst>
+              <a:ext uri="{FF2B5EF4-FFF2-40B4-BE49-F238E27FC236}">
+                <a16:creationId xmlns:a16="http://schemas.microsoft.com/office/drawing/2014/main" id="{2F4B5067-141B-FEA8-3288-BEDA5E8D63BD}"/>
+              </a:ext>
+            </a:extLst>
+          </p:cNvPr>
+          <p:cNvSpPr>
+            <a:spLocks noGrp="1"/>
+          </p:cNvSpPr>
+          <p:nvPr>
+            <p:ph type="title"/>
+          </p:nvPr>
+        </p:nvSpPr>
+        <p:spPr>
+          <a:xfrm>
+            <a:off x="0" y="1"/>
+            <a:ext cx="12192000" cy="1069694"/>
+          </a:xfrm>
+        </p:spPr>
+        <p:txBody>
+          <a:bodyPr/>
+          <a:lstStyle/>
+          <a:p>
+            <a:r>
+              <a:rPr lang="en-US" altLang="ko-KR" dirty="0"/>
+              <a:t>	</a:t>
+            </a:r>
+            <a:r>
+              <a:rPr lang="en-US" altLang="ko-KR" sz="3600" dirty="0"/>
+              <a:t>02 Main</a:t>
             </a:r>
             <a:r>
               <a:rPr lang="ko-KR" altLang="en-US" sz="3600" dirty="0"/>
@@ -4007,10 +4252,707 @@
       </p:sp>
       <p:sp>
         <p:nvSpPr>
-          <p:cNvPr id="23" name="직사각형 22">
-            <a:extLst>
-              <a:ext uri="{FF2B5EF4-FFF2-40B4-BE49-F238E27FC236}">
-                <a16:creationId xmlns:a16="http://schemas.microsoft.com/office/drawing/2014/main" id="{FE3F0DED-9F89-714C-5B6E-C9A72B25133A}"/>
+          <p:cNvPr id="6" name="TextBox 5">
+            <a:extLst>
+              <a:ext uri="{FF2B5EF4-FFF2-40B4-BE49-F238E27FC236}">
+                <a16:creationId xmlns:a16="http://schemas.microsoft.com/office/drawing/2014/main" id="{566DE073-E027-5F1E-B460-97939A73D92B}"/>
+              </a:ext>
+            </a:extLst>
+          </p:cNvPr>
+          <p:cNvSpPr txBox="1"/>
+          <p:nvPr/>
+        </p:nvSpPr>
+        <p:spPr>
+          <a:xfrm>
+            <a:off x="5545584" y="1166788"/>
+            <a:ext cx="1100831" cy="435006"/>
+          </a:xfrm>
+          <a:prstGeom prst="rect">
+            <a:avLst/>
+          </a:prstGeom>
+          <a:noFill/>
+          <a:ln>
+            <a:solidFill>
+              <a:srgbClr val="FF0000"/>
+            </a:solidFill>
+          </a:ln>
+        </p:spPr>
+        <p:txBody>
+          <a:bodyPr wrap="square" rtlCol="0">
+            <a:spAutoFit/>
+          </a:bodyPr>
+          <a:lstStyle/>
+          <a:p>
+            <a:endParaRPr lang="ko-KR" altLang="en-US" dirty="0"/>
+          </a:p>
+        </p:txBody>
+      </p:sp>
+      <p:cxnSp>
+        <p:nvCxnSpPr>
+          <p:cNvPr id="9" name="연결선: 꺾임 8">
+            <a:extLst>
+              <a:ext uri="{FF2B5EF4-FFF2-40B4-BE49-F238E27FC236}">
+                <a16:creationId xmlns:a16="http://schemas.microsoft.com/office/drawing/2014/main" id="{6580DF77-E8DB-07E5-F512-9D646E4189CF}"/>
+              </a:ext>
+            </a:extLst>
+          </p:cNvPr>
+          <p:cNvCxnSpPr>
+            <a:cxnSpLocks/>
+            <a:stCxn id="6" idx="3"/>
+            <a:endCxn id="10" idx="1"/>
+          </p:cNvCxnSpPr>
+          <p:nvPr/>
+        </p:nvCxnSpPr>
+        <p:spPr>
+          <a:xfrm>
+            <a:off x="6646415" y="1384291"/>
+            <a:ext cx="1639312" cy="1087465"/>
+          </a:xfrm>
+          <a:prstGeom prst="bentConnector3">
+            <a:avLst>
+              <a:gd name="adj1" fmla="val 33754"/>
+            </a:avLst>
+          </a:prstGeom>
+          <a:ln>
+            <a:solidFill>
+              <a:srgbClr val="FF0000"/>
+            </a:solidFill>
+            <a:tailEnd type="triangle"/>
+          </a:ln>
+        </p:spPr>
+        <p:style>
+          <a:lnRef idx="1">
+            <a:schemeClr val="accent1"/>
+          </a:lnRef>
+          <a:fillRef idx="0">
+            <a:schemeClr val="accent1"/>
+          </a:fillRef>
+          <a:effectRef idx="0">
+            <a:schemeClr val="accent1"/>
+          </a:effectRef>
+          <a:fontRef idx="minor">
+            <a:schemeClr val="tx1"/>
+          </a:fontRef>
+        </p:style>
+      </p:cxnSp>
+      <p:sp>
+        <p:nvSpPr>
+          <p:cNvPr id="10" name="TextBox 9">
+            <a:extLst>
+              <a:ext uri="{FF2B5EF4-FFF2-40B4-BE49-F238E27FC236}">
+                <a16:creationId xmlns:a16="http://schemas.microsoft.com/office/drawing/2014/main" id="{6A819467-CA39-B527-ED5F-0FDE074DC97C}"/>
+              </a:ext>
+            </a:extLst>
+          </p:cNvPr>
+          <p:cNvSpPr txBox="1"/>
+          <p:nvPr/>
+        </p:nvSpPr>
+        <p:spPr>
+          <a:xfrm>
+            <a:off x="8285727" y="2333256"/>
+            <a:ext cx="1908699" cy="276999"/>
+          </a:xfrm>
+          <a:prstGeom prst="rect">
+            <a:avLst/>
+          </a:prstGeom>
+          <a:noFill/>
+        </p:spPr>
+        <p:txBody>
+          <a:bodyPr wrap="square" rtlCol="0">
+            <a:spAutoFit/>
+          </a:bodyPr>
+          <a:lstStyle/>
+          <a:p>
+            <a:r>
+              <a:rPr lang="ko-KR" altLang="en-US" sz="1200" dirty="0"/>
+              <a:t>점수 </a:t>
+            </a:r>
+            <a:r>
+              <a:rPr lang="en-US" altLang="ko-KR" sz="1200" dirty="0"/>
+              <a:t>/ </a:t>
+            </a:r>
+            <a:r>
+              <a:rPr lang="ko-KR" altLang="en-US" sz="1200" dirty="0"/>
+              <a:t>이동한 거리</a:t>
+            </a:r>
+          </a:p>
+        </p:txBody>
+      </p:sp>
+      <p:sp>
+        <p:nvSpPr>
+          <p:cNvPr id="12" name="TextBox 11">
+            <a:extLst>
+              <a:ext uri="{FF2B5EF4-FFF2-40B4-BE49-F238E27FC236}">
+                <a16:creationId xmlns:a16="http://schemas.microsoft.com/office/drawing/2014/main" id="{21E0B2F3-8BBE-9768-CEAF-2225E83B176D}"/>
+              </a:ext>
+            </a:extLst>
+          </p:cNvPr>
+          <p:cNvSpPr txBox="1"/>
+          <p:nvPr/>
+        </p:nvSpPr>
+        <p:spPr>
+          <a:xfrm>
+            <a:off x="5333170" y="1648724"/>
+            <a:ext cx="1494215" cy="435006"/>
+          </a:xfrm>
+          <a:prstGeom prst="rect">
+            <a:avLst/>
+          </a:prstGeom>
+          <a:noFill/>
+          <a:ln>
+            <a:solidFill>
+              <a:srgbClr val="FF0000"/>
+            </a:solidFill>
+          </a:ln>
+        </p:spPr>
+        <p:txBody>
+          <a:bodyPr wrap="square" rtlCol="0">
+            <a:spAutoFit/>
+          </a:bodyPr>
+          <a:lstStyle/>
+          <a:p>
+            <a:endParaRPr lang="ko-KR" altLang="en-US" dirty="0"/>
+          </a:p>
+        </p:txBody>
+      </p:sp>
+      <p:sp>
+        <p:nvSpPr>
+          <p:cNvPr id="16" name="TextBox 15">
+            <a:extLst>
+              <a:ext uri="{FF2B5EF4-FFF2-40B4-BE49-F238E27FC236}">
+                <a16:creationId xmlns:a16="http://schemas.microsoft.com/office/drawing/2014/main" id="{1A896006-1F55-2348-2BEC-45C78E36C0C4}"/>
+              </a:ext>
+            </a:extLst>
+          </p:cNvPr>
+          <p:cNvSpPr txBox="1"/>
+          <p:nvPr/>
+        </p:nvSpPr>
+        <p:spPr>
+          <a:xfrm>
+            <a:off x="8211842" y="3914924"/>
+            <a:ext cx="3039737" cy="646331"/>
+          </a:xfrm>
+          <a:prstGeom prst="rect">
+            <a:avLst/>
+          </a:prstGeom>
+          <a:noFill/>
+        </p:spPr>
+        <p:txBody>
+          <a:bodyPr wrap="square" rtlCol="0">
+            <a:spAutoFit/>
+          </a:bodyPr>
+          <a:lstStyle/>
+          <a:p>
+            <a:r>
+              <a:rPr lang="ko-KR" altLang="en-US" sz="1200" dirty="0"/>
+              <a:t>상단</a:t>
+            </a:r>
+            <a:r>
+              <a:rPr lang="en-US" altLang="ko-KR" sz="1200" dirty="0"/>
+              <a:t>: </a:t>
+            </a:r>
+            <a:r>
+              <a:rPr lang="ko-KR" altLang="en-US" sz="1200" dirty="0"/>
+              <a:t>보스 </a:t>
+            </a:r>
+            <a:r>
+              <a:rPr lang="ko-KR" altLang="en-US" sz="1200" dirty="0" err="1"/>
+              <a:t>체력게이지</a:t>
+            </a:r>
+            <a:endParaRPr lang="en-US" altLang="ko-KR" sz="1200" dirty="0"/>
+          </a:p>
+          <a:p>
+            <a:r>
+              <a:rPr lang="ko-KR" altLang="en-US" sz="1200" dirty="0"/>
+              <a:t>하단</a:t>
+            </a:r>
+            <a:r>
+              <a:rPr lang="en-US" altLang="ko-KR" sz="1200" dirty="0"/>
+              <a:t>: </a:t>
+            </a:r>
+            <a:r>
+              <a:rPr lang="ko-KR" altLang="en-US" sz="1200" dirty="0"/>
+              <a:t>보스 클리어까지 남은 시간</a:t>
+            </a:r>
+            <a:endParaRPr lang="en-US" altLang="ko-KR" sz="1200" dirty="0"/>
+          </a:p>
+          <a:p>
+            <a:r>
+              <a:rPr lang="en-US" altLang="ko-KR" sz="1200" dirty="0"/>
+              <a:t>(</a:t>
+            </a:r>
+            <a:r>
+              <a:rPr lang="ko-KR" altLang="en-US" sz="1200" dirty="0"/>
+              <a:t>시간 초과 시 게임오버 </a:t>
+            </a:r>
+            <a:r>
+              <a:rPr lang="en-US" altLang="ko-KR" sz="1200" dirty="0"/>
+              <a:t>or </a:t>
+            </a:r>
+            <a:r>
+              <a:rPr lang="ko-KR" altLang="en-US" sz="1200" dirty="0"/>
+              <a:t>보스 </a:t>
+            </a:r>
+            <a:r>
+              <a:rPr lang="ko-KR" altLang="en-US" sz="1200" dirty="0" err="1"/>
+              <a:t>도망감</a:t>
+            </a:r>
+            <a:r>
+              <a:rPr lang="en-US" altLang="ko-KR" sz="1200" dirty="0"/>
+              <a:t>)</a:t>
+            </a:r>
+            <a:endParaRPr lang="ko-KR" altLang="en-US" sz="1200" dirty="0"/>
+          </a:p>
+        </p:txBody>
+      </p:sp>
+      <p:sp>
+        <p:nvSpPr>
+          <p:cNvPr id="17" name="TextBox 16">
+            <a:extLst>
+              <a:ext uri="{FF2B5EF4-FFF2-40B4-BE49-F238E27FC236}">
+                <a16:creationId xmlns:a16="http://schemas.microsoft.com/office/drawing/2014/main" id="{0ECB93C1-EB8B-F4F7-E312-EF29FB3EC0ED}"/>
+              </a:ext>
+            </a:extLst>
+          </p:cNvPr>
+          <p:cNvSpPr txBox="1"/>
+          <p:nvPr/>
+        </p:nvSpPr>
+        <p:spPr>
+          <a:xfrm>
+            <a:off x="7376104" y="1167274"/>
+            <a:ext cx="269097" cy="282606"/>
+          </a:xfrm>
+          <a:prstGeom prst="rect">
+            <a:avLst/>
+          </a:prstGeom>
+          <a:noFill/>
+          <a:ln>
+            <a:solidFill>
+              <a:srgbClr val="FF0000"/>
+            </a:solidFill>
+          </a:ln>
+        </p:spPr>
+        <p:txBody>
+          <a:bodyPr wrap="square" rtlCol="0">
+            <a:spAutoFit/>
+          </a:bodyPr>
+          <a:lstStyle/>
+          <a:p>
+            <a:endParaRPr lang="ko-KR" altLang="en-US" dirty="0"/>
+          </a:p>
+        </p:txBody>
+      </p:sp>
+      <p:cxnSp>
+        <p:nvCxnSpPr>
+          <p:cNvPr id="18" name="직선 화살표 연결선 17">
+            <a:extLst>
+              <a:ext uri="{FF2B5EF4-FFF2-40B4-BE49-F238E27FC236}">
+                <a16:creationId xmlns:a16="http://schemas.microsoft.com/office/drawing/2014/main" id="{F180F2DA-BBA4-0E6F-3760-4AD96EABDB5D}"/>
+              </a:ext>
+            </a:extLst>
+          </p:cNvPr>
+          <p:cNvCxnSpPr>
+            <a:cxnSpLocks/>
+          </p:cNvCxnSpPr>
+          <p:nvPr/>
+        </p:nvCxnSpPr>
+        <p:spPr>
+          <a:xfrm flipV="1">
+            <a:off x="7666284" y="1304354"/>
+            <a:ext cx="624299" cy="1719"/>
+          </a:xfrm>
+          <a:prstGeom prst="straightConnector1">
+            <a:avLst/>
+          </a:prstGeom>
+          <a:ln>
+            <a:solidFill>
+              <a:srgbClr val="FF0000"/>
+            </a:solidFill>
+            <a:tailEnd type="triangle"/>
+          </a:ln>
+        </p:spPr>
+        <p:style>
+          <a:lnRef idx="1">
+            <a:schemeClr val="accent1"/>
+          </a:lnRef>
+          <a:fillRef idx="0">
+            <a:schemeClr val="accent1"/>
+          </a:fillRef>
+          <a:effectRef idx="0">
+            <a:schemeClr val="accent1"/>
+          </a:effectRef>
+          <a:fontRef idx="minor">
+            <a:schemeClr val="tx1"/>
+          </a:fontRef>
+        </p:style>
+      </p:cxnSp>
+      <p:sp>
+        <p:nvSpPr>
+          <p:cNvPr id="20" name="TextBox 19">
+            <a:extLst>
+              <a:ext uri="{FF2B5EF4-FFF2-40B4-BE49-F238E27FC236}">
+                <a16:creationId xmlns:a16="http://schemas.microsoft.com/office/drawing/2014/main" id="{6B0A8AB3-7071-3FC4-1C4C-2D47EB71F08E}"/>
+              </a:ext>
+            </a:extLst>
+          </p:cNvPr>
+          <p:cNvSpPr txBox="1"/>
+          <p:nvPr/>
+        </p:nvSpPr>
+        <p:spPr>
+          <a:xfrm>
+            <a:off x="8295439" y="1094730"/>
+            <a:ext cx="1908699" cy="461665"/>
+          </a:xfrm>
+          <a:prstGeom prst="rect">
+            <a:avLst/>
+          </a:prstGeom>
+          <a:noFill/>
+        </p:spPr>
+        <p:txBody>
+          <a:bodyPr wrap="square" rtlCol="0">
+            <a:spAutoFit/>
+          </a:bodyPr>
+          <a:lstStyle/>
+          <a:p>
+            <a:r>
+              <a:rPr lang="ko-KR" altLang="en-US" sz="1200" dirty="0"/>
+              <a:t>일시 정지</a:t>
+            </a:r>
+            <a:endParaRPr lang="en-US" altLang="ko-KR" sz="1200" dirty="0"/>
+          </a:p>
+          <a:p>
+            <a:r>
+              <a:rPr lang="en-US" altLang="ko-KR" sz="1200" dirty="0" err="1"/>
+              <a:t>popup_pause</a:t>
+            </a:r>
+            <a:r>
+              <a:rPr lang="en-US" altLang="ko-KR" sz="1200" dirty="0"/>
+              <a:t> </a:t>
+            </a:r>
+            <a:r>
+              <a:rPr lang="ko-KR" altLang="en-US" sz="1200" dirty="0"/>
+              <a:t>팝업 출력</a:t>
+            </a:r>
+          </a:p>
+        </p:txBody>
+      </p:sp>
+      <p:cxnSp>
+        <p:nvCxnSpPr>
+          <p:cNvPr id="30" name="연결선: 꺾임 29">
+            <a:extLst>
+              <a:ext uri="{FF2B5EF4-FFF2-40B4-BE49-F238E27FC236}">
+                <a16:creationId xmlns:a16="http://schemas.microsoft.com/office/drawing/2014/main" id="{80B105DD-B9F3-9895-56CA-A847DDE2B5D2}"/>
+              </a:ext>
+            </a:extLst>
+          </p:cNvPr>
+          <p:cNvCxnSpPr>
+            <a:cxnSpLocks/>
+            <a:stCxn id="12" idx="2"/>
+            <a:endCxn id="16" idx="1"/>
+          </p:cNvCxnSpPr>
+          <p:nvPr/>
+        </p:nvCxnSpPr>
+        <p:spPr>
+          <a:xfrm rot="16200000" flipH="1">
+            <a:off x="6068880" y="2095128"/>
+            <a:ext cx="2154360" cy="2131564"/>
+          </a:xfrm>
+          <a:prstGeom prst="bentConnector2">
+            <a:avLst/>
+          </a:prstGeom>
+          <a:ln>
+            <a:solidFill>
+              <a:srgbClr val="FF0000"/>
+            </a:solidFill>
+            <a:tailEnd type="triangle"/>
+          </a:ln>
+        </p:spPr>
+        <p:style>
+          <a:lnRef idx="1">
+            <a:schemeClr val="accent1"/>
+          </a:lnRef>
+          <a:fillRef idx="0">
+            <a:schemeClr val="accent1"/>
+          </a:fillRef>
+          <a:effectRef idx="0">
+            <a:schemeClr val="accent1"/>
+          </a:effectRef>
+          <a:fontRef idx="minor">
+            <a:schemeClr val="tx1"/>
+          </a:fontRef>
+        </p:style>
+      </p:cxnSp>
+      <p:sp>
+        <p:nvSpPr>
+          <p:cNvPr id="38" name="TextBox 37">
+            <a:extLst>
+              <a:ext uri="{FF2B5EF4-FFF2-40B4-BE49-F238E27FC236}">
+                <a16:creationId xmlns:a16="http://schemas.microsoft.com/office/drawing/2014/main" id="{0E6A6FC0-8B38-006E-8416-568D1980A3E4}"/>
+              </a:ext>
+            </a:extLst>
+          </p:cNvPr>
+          <p:cNvSpPr txBox="1"/>
+          <p:nvPr/>
+        </p:nvSpPr>
+        <p:spPr>
+          <a:xfrm>
+            <a:off x="4489416" y="1184259"/>
+            <a:ext cx="659633" cy="282606"/>
+          </a:xfrm>
+          <a:prstGeom prst="rect">
+            <a:avLst/>
+          </a:prstGeom>
+          <a:noFill/>
+          <a:ln>
+            <a:solidFill>
+              <a:srgbClr val="FF0000"/>
+            </a:solidFill>
+          </a:ln>
+        </p:spPr>
+        <p:txBody>
+          <a:bodyPr wrap="square" rtlCol="0">
+            <a:spAutoFit/>
+          </a:bodyPr>
+          <a:lstStyle/>
+          <a:p>
+            <a:endParaRPr lang="ko-KR" altLang="en-US" dirty="0"/>
+          </a:p>
+        </p:txBody>
+      </p:sp>
+      <p:cxnSp>
+        <p:nvCxnSpPr>
+          <p:cNvPr id="39" name="직선 화살표 연결선 38">
+            <a:extLst>
+              <a:ext uri="{FF2B5EF4-FFF2-40B4-BE49-F238E27FC236}">
+                <a16:creationId xmlns:a16="http://schemas.microsoft.com/office/drawing/2014/main" id="{797863FE-CE00-96DF-4EC2-BFF1431AE439}"/>
+              </a:ext>
+            </a:extLst>
+          </p:cNvPr>
+          <p:cNvCxnSpPr>
+            <a:cxnSpLocks/>
+            <a:stCxn id="38" idx="1"/>
+            <a:endCxn id="42" idx="3"/>
+          </p:cNvCxnSpPr>
+          <p:nvPr/>
+        </p:nvCxnSpPr>
+        <p:spPr>
+          <a:xfrm flipH="1">
+            <a:off x="3508683" y="1325562"/>
+            <a:ext cx="980733" cy="2804"/>
+          </a:xfrm>
+          <a:prstGeom prst="straightConnector1">
+            <a:avLst/>
+          </a:prstGeom>
+          <a:ln>
+            <a:solidFill>
+              <a:srgbClr val="FF0000"/>
+            </a:solidFill>
+            <a:tailEnd type="triangle"/>
+          </a:ln>
+        </p:spPr>
+        <p:style>
+          <a:lnRef idx="1">
+            <a:schemeClr val="accent1"/>
+          </a:lnRef>
+          <a:fillRef idx="0">
+            <a:schemeClr val="accent1"/>
+          </a:fillRef>
+          <a:effectRef idx="0">
+            <a:schemeClr val="accent1"/>
+          </a:effectRef>
+          <a:fontRef idx="minor">
+            <a:schemeClr val="tx1"/>
+          </a:fontRef>
+        </p:style>
+      </p:cxnSp>
+      <p:sp>
+        <p:nvSpPr>
+          <p:cNvPr id="42" name="TextBox 41">
+            <a:extLst>
+              <a:ext uri="{FF2B5EF4-FFF2-40B4-BE49-F238E27FC236}">
+                <a16:creationId xmlns:a16="http://schemas.microsoft.com/office/drawing/2014/main" id="{23214D35-0205-2A59-C526-04FF67558CB4}"/>
+              </a:ext>
+            </a:extLst>
+          </p:cNvPr>
+          <p:cNvSpPr txBox="1"/>
+          <p:nvPr/>
+        </p:nvSpPr>
+        <p:spPr>
+          <a:xfrm>
+            <a:off x="1599984" y="1189866"/>
+            <a:ext cx="1908699" cy="276999"/>
+          </a:xfrm>
+          <a:prstGeom prst="rect">
+            <a:avLst/>
+          </a:prstGeom>
+          <a:noFill/>
+        </p:spPr>
+        <p:txBody>
+          <a:bodyPr wrap="square" rtlCol="0">
+            <a:spAutoFit/>
+          </a:bodyPr>
+          <a:lstStyle/>
+          <a:p>
+            <a:pPr algn="r"/>
+            <a:r>
+              <a:rPr lang="ko-KR" altLang="en-US" sz="1200" dirty="0"/>
+              <a:t>플레이어 </a:t>
+            </a:r>
+            <a:r>
+              <a:rPr lang="en-US" altLang="ko-KR" sz="1200" dirty="0"/>
+              <a:t>HP</a:t>
+            </a:r>
+            <a:endParaRPr lang="ko-KR" altLang="en-US" sz="1200" dirty="0"/>
+          </a:p>
+        </p:txBody>
+      </p:sp>
+      <p:sp>
+        <p:nvSpPr>
+          <p:cNvPr id="45" name="TextBox 44">
+            <a:extLst>
+              <a:ext uri="{FF2B5EF4-FFF2-40B4-BE49-F238E27FC236}">
+                <a16:creationId xmlns:a16="http://schemas.microsoft.com/office/drawing/2014/main" id="{6AA7F4FB-2C4B-2270-06A4-8C86212598EC}"/>
+              </a:ext>
+            </a:extLst>
+          </p:cNvPr>
+          <p:cNvSpPr txBox="1"/>
+          <p:nvPr/>
+        </p:nvSpPr>
+        <p:spPr>
+          <a:xfrm>
+            <a:off x="5384400" y="6137465"/>
+            <a:ext cx="2131565" cy="435006"/>
+          </a:xfrm>
+          <a:prstGeom prst="rect">
+            <a:avLst/>
+          </a:prstGeom>
+          <a:noFill/>
+          <a:ln>
+            <a:solidFill>
+              <a:srgbClr val="FF0000"/>
+            </a:solidFill>
+          </a:ln>
+        </p:spPr>
+        <p:txBody>
+          <a:bodyPr wrap="square" rtlCol="0">
+            <a:spAutoFit/>
+          </a:bodyPr>
+          <a:lstStyle/>
+          <a:p>
+            <a:endParaRPr lang="ko-KR" altLang="en-US" dirty="0"/>
+          </a:p>
+        </p:txBody>
+      </p:sp>
+      <p:cxnSp>
+        <p:nvCxnSpPr>
+          <p:cNvPr id="46" name="직선 화살표 연결선 45">
+            <a:extLst>
+              <a:ext uri="{FF2B5EF4-FFF2-40B4-BE49-F238E27FC236}">
+                <a16:creationId xmlns:a16="http://schemas.microsoft.com/office/drawing/2014/main" id="{F7798FB7-A985-DD03-02F4-D956D9B5F88F}"/>
+              </a:ext>
+            </a:extLst>
+          </p:cNvPr>
+          <p:cNvCxnSpPr>
+            <a:cxnSpLocks/>
+            <a:stCxn id="45" idx="3"/>
+          </p:cNvCxnSpPr>
+          <p:nvPr/>
+        </p:nvCxnSpPr>
+        <p:spPr>
+          <a:xfrm>
+            <a:off x="7515965" y="6354968"/>
+            <a:ext cx="695878" cy="0"/>
+          </a:xfrm>
+          <a:prstGeom prst="straightConnector1">
+            <a:avLst/>
+          </a:prstGeom>
+          <a:ln>
+            <a:solidFill>
+              <a:srgbClr val="FF0000"/>
+            </a:solidFill>
+            <a:tailEnd type="triangle"/>
+          </a:ln>
+        </p:spPr>
+        <p:style>
+          <a:lnRef idx="1">
+            <a:schemeClr val="accent1"/>
+          </a:lnRef>
+          <a:fillRef idx="0">
+            <a:schemeClr val="accent1"/>
+          </a:fillRef>
+          <a:effectRef idx="0">
+            <a:schemeClr val="accent1"/>
+          </a:effectRef>
+          <a:fontRef idx="minor">
+            <a:schemeClr val="tx1"/>
+          </a:fontRef>
+        </p:style>
+      </p:cxnSp>
+      <p:sp>
+        <p:nvSpPr>
+          <p:cNvPr id="49" name="TextBox 48">
+            <a:extLst>
+              <a:ext uri="{FF2B5EF4-FFF2-40B4-BE49-F238E27FC236}">
+                <a16:creationId xmlns:a16="http://schemas.microsoft.com/office/drawing/2014/main" id="{1D0A1E80-F99A-5ACF-E585-A50BB25CABF4}"/>
+              </a:ext>
+            </a:extLst>
+          </p:cNvPr>
+          <p:cNvSpPr txBox="1"/>
+          <p:nvPr/>
+        </p:nvSpPr>
+        <p:spPr>
+          <a:xfrm>
+            <a:off x="8211842" y="6124135"/>
+            <a:ext cx="3980157" cy="461665"/>
+          </a:xfrm>
+          <a:prstGeom prst="rect">
+            <a:avLst/>
+          </a:prstGeom>
+          <a:noFill/>
+        </p:spPr>
+        <p:txBody>
+          <a:bodyPr wrap="square" rtlCol="0">
+            <a:spAutoFit/>
+          </a:bodyPr>
+          <a:lstStyle/>
+          <a:p>
+            <a:pPr marL="228600" indent="-228600">
+              <a:buAutoNum type="arabicPeriod"/>
+            </a:pPr>
+            <a:r>
+              <a:rPr lang="ko-KR" altLang="en-US" sz="1200" dirty="0"/>
+              <a:t>아이템 획득 시 말풍선으로 간단 설명 출력</a:t>
+            </a:r>
+            <a:r>
+              <a:rPr lang="en-US" altLang="ko-KR" sz="1200" dirty="0"/>
+              <a:t>(3</a:t>
+            </a:r>
+            <a:r>
+              <a:rPr lang="ko-KR" altLang="en-US" sz="1200" dirty="0" err="1"/>
+              <a:t>초정도</a:t>
+            </a:r>
+            <a:r>
+              <a:rPr lang="en-US" altLang="ko-KR" sz="1200" dirty="0"/>
+              <a:t>)</a:t>
+            </a:r>
+          </a:p>
+          <a:p>
+            <a:pPr marL="228600" indent="-228600">
+              <a:buAutoNum type="arabicPeriod"/>
+            </a:pPr>
+            <a:r>
+              <a:rPr lang="ko-KR" altLang="en-US" sz="1200" dirty="0"/>
+              <a:t>아이템 버튼</a:t>
+            </a:r>
+          </a:p>
+        </p:txBody>
+      </p:sp>
+      <p:sp>
+        <p:nvSpPr>
+          <p:cNvPr id="50" name="타원 49">
+            <a:extLst>
+              <a:ext uri="{FF2B5EF4-FFF2-40B4-BE49-F238E27FC236}">
+                <a16:creationId xmlns:a16="http://schemas.microsoft.com/office/drawing/2014/main" id="{497007FF-1D0E-BD2B-56C0-C1592E3C0818}"/>
               </a:ext>
             </a:extLst>
           </p:cNvPr>
@@ -4019,15 +4961,12 @@
         </p:nvSpPr>
         <p:spPr>
           <a:xfrm>
-            <a:off x="4956676" y="4212845"/>
-            <a:ext cx="2014890" cy="507407"/>
-          </a:xfrm>
-          <a:prstGeom prst="rect">
-            <a:avLst/>
-          </a:prstGeom>
-          <a:solidFill>
-            <a:schemeClr val="accent2"/>
-          </a:solidFill>
+            <a:off x="6321155" y="6234918"/>
+            <a:ext cx="246451" cy="240100"/>
+          </a:xfrm>
+          <a:prstGeom prst="ellipse">
+            <a:avLst/>
+          </a:prstGeom>
         </p:spPr>
         <p:style>
           <a:lnRef idx="2">
@@ -4051,8 +4990,1403 @@
           <a:p>
             <a:pPr algn="ctr"/>
             <a:r>
+              <a:rPr lang="en-US" altLang="ko-KR" dirty="0"/>
+              <a:t>1</a:t>
+            </a:r>
+            <a:endParaRPr lang="ko-KR" altLang="en-US" dirty="0"/>
+          </a:p>
+        </p:txBody>
+      </p:sp>
+      <p:sp>
+        <p:nvSpPr>
+          <p:cNvPr id="52" name="타원 51">
+            <a:extLst>
+              <a:ext uri="{FF2B5EF4-FFF2-40B4-BE49-F238E27FC236}">
+                <a16:creationId xmlns:a16="http://schemas.microsoft.com/office/drawing/2014/main" id="{614C1EF6-7D3E-C3E9-3F88-69C3E800AF47}"/>
+              </a:ext>
+            </a:extLst>
+          </p:cNvPr>
+          <p:cNvSpPr/>
+          <p:nvPr/>
+        </p:nvSpPr>
+        <p:spPr>
+          <a:xfrm>
+            <a:off x="7201617" y="6234916"/>
+            <a:ext cx="258053" cy="240101"/>
+          </a:xfrm>
+          <a:prstGeom prst="ellipse">
+            <a:avLst/>
+          </a:prstGeom>
+        </p:spPr>
+        <p:style>
+          <a:lnRef idx="2">
+            <a:schemeClr val="accent1">
+              <a:shade val="15000"/>
+            </a:schemeClr>
+          </a:lnRef>
+          <a:fillRef idx="1">
+            <a:schemeClr val="accent1"/>
+          </a:fillRef>
+          <a:effectRef idx="0">
+            <a:schemeClr val="accent1"/>
+          </a:effectRef>
+          <a:fontRef idx="minor">
+            <a:schemeClr val="lt1"/>
+          </a:fontRef>
+        </p:style>
+        <p:txBody>
+          <a:bodyPr rtlCol="0" anchor="ctr"/>
+          <a:lstStyle/>
+          <a:p>
+            <a:pPr algn="ctr"/>
+            <a:r>
+              <a:rPr lang="en-US" altLang="ko-KR" dirty="0"/>
+              <a:t>2</a:t>
+            </a:r>
+            <a:endParaRPr lang="ko-KR" altLang="en-US" dirty="0"/>
+          </a:p>
+        </p:txBody>
+      </p:sp>
+    </p:spTree>
+    <p:extLst>
+      <p:ext uri="{BB962C8B-B14F-4D97-AF65-F5344CB8AC3E}">
+        <p14:creationId xmlns:p14="http://schemas.microsoft.com/office/powerpoint/2010/main" val="473151601"/>
+      </p:ext>
+    </p:extLst>
+  </p:cSld>
+  <p:clrMapOvr>
+    <a:masterClrMapping/>
+  </p:clrMapOvr>
+</p:sld>
+</file>
+
+<file path=ppt/slides/slide12.xml><?xml version="1.0" encoding="utf-8"?>
+<p:sld xmlns:a="http://schemas.openxmlformats.org/drawingml/2006/main" xmlns:r="http://schemas.openxmlformats.org/officeDocument/2006/relationships" xmlns:p="http://schemas.openxmlformats.org/presentationml/2006/main">
+  <p:cSld>
+    <p:spTree>
+      <p:nvGrpSpPr>
+        <p:cNvPr id="1" name=""/>
+        <p:cNvGrpSpPr/>
+        <p:nvPr/>
+      </p:nvGrpSpPr>
+      <p:grpSpPr>
+        <a:xfrm>
+          <a:off x="0" y="0"/>
+          <a:ext cx="0" cy="0"/>
+          <a:chOff x="0" y="0"/>
+          <a:chExt cx="0" cy="0"/>
+        </a:xfrm>
+      </p:grpSpPr>
+      <p:sp>
+        <p:nvSpPr>
+          <p:cNvPr id="2" name="제목 1">
+            <a:extLst>
+              <a:ext uri="{FF2B5EF4-FFF2-40B4-BE49-F238E27FC236}">
+                <a16:creationId xmlns:a16="http://schemas.microsoft.com/office/drawing/2014/main" id="{2F4B5067-141B-FEA8-3288-BEDA5E8D63BD}"/>
+              </a:ext>
+            </a:extLst>
+          </p:cNvPr>
+          <p:cNvSpPr>
+            <a:spLocks noGrp="1"/>
+          </p:cNvSpPr>
+          <p:nvPr>
+            <p:ph type="title"/>
+          </p:nvPr>
+        </p:nvSpPr>
+        <p:spPr>
+          <a:xfrm>
+            <a:off x="0" y="1"/>
+            <a:ext cx="12192000" cy="1069694"/>
+          </a:xfrm>
+        </p:spPr>
+        <p:txBody>
+          <a:bodyPr/>
+          <a:lstStyle/>
+          <a:p>
+            <a:r>
+              <a:rPr lang="en-US" altLang="ko-KR" strike="sngStrike" dirty="0"/>
+              <a:t>	</a:t>
+            </a:r>
+            <a:r>
+              <a:rPr lang="en-US" altLang="ko-KR" sz="3600" strike="sngStrike" dirty="0"/>
+              <a:t>02 Main</a:t>
+            </a:r>
+            <a:r>
+              <a:rPr lang="ko-KR" altLang="en-US" sz="3600" strike="sngStrike" dirty="0"/>
+              <a:t> </a:t>
+            </a:r>
+            <a:r>
+              <a:rPr lang="en-US" altLang="ko-KR" sz="3600" strike="sngStrike" dirty="0"/>
+              <a:t>I </a:t>
+            </a:r>
+            <a:r>
+              <a:rPr lang="en-US" altLang="ko-KR" sz="1800" strike="sngStrike" dirty="0" err="1"/>
+              <a:t>popup_pause</a:t>
+            </a:r>
+            <a:endParaRPr lang="ko-KR" altLang="en-US" sz="1800" strike="sngStrike" dirty="0"/>
+          </a:p>
+        </p:txBody>
+      </p:sp>
+      <p:pic>
+        <p:nvPicPr>
+          <p:cNvPr id="4" name="그림 3">
+            <a:extLst>
+              <a:ext uri="{FF2B5EF4-FFF2-40B4-BE49-F238E27FC236}">
+                <a16:creationId xmlns:a16="http://schemas.microsoft.com/office/drawing/2014/main" id="{5F52085F-5912-DC47-8751-B279B01CF529}"/>
+              </a:ext>
+            </a:extLst>
+          </p:cNvPr>
+          <p:cNvPicPr>
+            <a:picLocks noChangeAspect="1"/>
+          </p:cNvPicPr>
+          <p:nvPr/>
+        </p:nvPicPr>
+        <p:blipFill>
+          <a:blip r:embed="rId2"/>
+          <a:stretch>
+            <a:fillRect/>
+          </a:stretch>
+        </p:blipFill>
+        <p:spPr>
+          <a:xfrm>
+            <a:off x="4491906" y="1227117"/>
+            <a:ext cx="3208187" cy="5497069"/>
+          </a:xfrm>
+          <a:prstGeom prst="rect">
+            <a:avLst/>
+          </a:prstGeom>
+        </p:spPr>
+      </p:pic>
+    </p:spTree>
+    <p:extLst>
+      <p:ext uri="{BB962C8B-B14F-4D97-AF65-F5344CB8AC3E}">
+        <p14:creationId xmlns:p14="http://schemas.microsoft.com/office/powerpoint/2010/main" val="1769308928"/>
+      </p:ext>
+    </p:extLst>
+  </p:cSld>
+  <p:clrMapOvr>
+    <a:masterClrMapping/>
+  </p:clrMapOvr>
+</p:sld>
+</file>
+
+<file path=ppt/slides/slide13.xml><?xml version="1.0" encoding="utf-8"?>
+<p:sld xmlns:a="http://schemas.openxmlformats.org/drawingml/2006/main" xmlns:r="http://schemas.openxmlformats.org/officeDocument/2006/relationships" xmlns:p="http://schemas.openxmlformats.org/presentationml/2006/main">
+  <p:cSld>
+    <p:spTree>
+      <p:nvGrpSpPr>
+        <p:cNvPr id="1" name=""/>
+        <p:cNvGrpSpPr/>
+        <p:nvPr/>
+      </p:nvGrpSpPr>
+      <p:grpSpPr>
+        <a:xfrm>
+          <a:off x="0" y="0"/>
+          <a:ext cx="0" cy="0"/>
+          <a:chOff x="0" y="0"/>
+          <a:chExt cx="0" cy="0"/>
+        </a:xfrm>
+      </p:grpSpPr>
+      <p:pic>
+        <p:nvPicPr>
+          <p:cNvPr id="5" name="그림 4">
+            <a:extLst>
+              <a:ext uri="{FF2B5EF4-FFF2-40B4-BE49-F238E27FC236}">
+                <a16:creationId xmlns:a16="http://schemas.microsoft.com/office/drawing/2014/main" id="{A0FE822C-BF75-4124-D9BC-5E987D6A9EBF}"/>
+              </a:ext>
+            </a:extLst>
+          </p:cNvPr>
+          <p:cNvPicPr>
+            <a:picLocks noChangeAspect="1"/>
+          </p:cNvPicPr>
+          <p:nvPr/>
+        </p:nvPicPr>
+        <p:blipFill>
+          <a:blip r:embed="rId2"/>
+          <a:stretch>
+            <a:fillRect/>
+          </a:stretch>
+        </p:blipFill>
+        <p:spPr>
+          <a:xfrm>
+            <a:off x="4491905" y="1227117"/>
+            <a:ext cx="3217315" cy="5497069"/>
+          </a:xfrm>
+          <a:prstGeom prst="rect">
+            <a:avLst/>
+          </a:prstGeom>
+        </p:spPr>
+      </p:pic>
+      <p:sp>
+        <p:nvSpPr>
+          <p:cNvPr id="2" name="제목 1">
+            <a:extLst>
+              <a:ext uri="{FF2B5EF4-FFF2-40B4-BE49-F238E27FC236}">
+                <a16:creationId xmlns:a16="http://schemas.microsoft.com/office/drawing/2014/main" id="{2F4B5067-141B-FEA8-3288-BEDA5E8D63BD}"/>
+              </a:ext>
+            </a:extLst>
+          </p:cNvPr>
+          <p:cNvSpPr>
+            <a:spLocks noGrp="1"/>
+          </p:cNvSpPr>
+          <p:nvPr>
+            <p:ph type="title"/>
+          </p:nvPr>
+        </p:nvSpPr>
+        <p:spPr>
+          <a:xfrm>
+            <a:off x="0" y="1"/>
+            <a:ext cx="12192000" cy="1069694"/>
+          </a:xfrm>
+        </p:spPr>
+        <p:txBody>
+          <a:bodyPr/>
+          <a:lstStyle/>
+          <a:p>
+            <a:r>
+              <a:rPr lang="en-US" altLang="ko-KR" strike="sngStrike" dirty="0"/>
+              <a:t>	</a:t>
+            </a:r>
+            <a:r>
+              <a:rPr lang="en-US" altLang="ko-KR" sz="3600" strike="sngStrike" dirty="0"/>
+              <a:t>02 Main</a:t>
+            </a:r>
+            <a:r>
+              <a:rPr lang="ko-KR" altLang="en-US" sz="3600" strike="sngStrike" dirty="0"/>
+              <a:t> </a:t>
+            </a:r>
+            <a:r>
+              <a:rPr lang="en-US" altLang="ko-KR" sz="3600" strike="sngStrike" dirty="0"/>
+              <a:t>I </a:t>
+            </a:r>
+            <a:r>
+              <a:rPr lang="en-US" altLang="ko-KR" sz="1800" strike="sngStrike" dirty="0" err="1"/>
+              <a:t>popup_ingame_result</a:t>
+            </a:r>
+            <a:endParaRPr lang="ko-KR" altLang="en-US" sz="1800" strike="sngStrike" dirty="0"/>
+          </a:p>
+        </p:txBody>
+      </p:sp>
+    </p:spTree>
+    <p:extLst>
+      <p:ext uri="{BB962C8B-B14F-4D97-AF65-F5344CB8AC3E}">
+        <p14:creationId xmlns:p14="http://schemas.microsoft.com/office/powerpoint/2010/main" val="3570107449"/>
+      </p:ext>
+    </p:extLst>
+  </p:cSld>
+  <p:clrMapOvr>
+    <a:masterClrMapping/>
+  </p:clrMapOvr>
+</p:sld>
+</file>
+
+<file path=ppt/slides/slide14.xml><?xml version="1.0" encoding="utf-8"?>
+<p:sld xmlns:a="http://schemas.openxmlformats.org/drawingml/2006/main" xmlns:r="http://schemas.openxmlformats.org/officeDocument/2006/relationships" xmlns:p="http://schemas.openxmlformats.org/presentationml/2006/main">
+  <p:cSld>
+    <p:spTree>
+      <p:nvGrpSpPr>
+        <p:cNvPr id="1" name=""/>
+        <p:cNvGrpSpPr/>
+        <p:nvPr/>
+      </p:nvGrpSpPr>
+      <p:grpSpPr>
+        <a:xfrm>
+          <a:off x="0" y="0"/>
+          <a:ext cx="0" cy="0"/>
+          <a:chOff x="0" y="0"/>
+          <a:chExt cx="0" cy="0"/>
+        </a:xfrm>
+      </p:grpSpPr>
+      <p:sp>
+        <p:nvSpPr>
+          <p:cNvPr id="2" name="제목 1">
+            <a:extLst>
+              <a:ext uri="{FF2B5EF4-FFF2-40B4-BE49-F238E27FC236}">
+                <a16:creationId xmlns:a16="http://schemas.microsoft.com/office/drawing/2014/main" id="{2F4B5067-141B-FEA8-3288-BEDA5E8D63BD}"/>
+              </a:ext>
+            </a:extLst>
+          </p:cNvPr>
+          <p:cNvSpPr>
+            <a:spLocks noGrp="1"/>
+          </p:cNvSpPr>
+          <p:nvPr>
+            <p:ph type="title"/>
+          </p:nvPr>
+        </p:nvSpPr>
+        <p:spPr>
+          <a:xfrm>
+            <a:off x="0" y="1"/>
+            <a:ext cx="12192000" cy="1069694"/>
+          </a:xfrm>
+        </p:spPr>
+        <p:txBody>
+          <a:bodyPr/>
+          <a:lstStyle/>
+          <a:p>
+            <a:r>
+              <a:rPr lang="en-US" altLang="ko-KR" dirty="0"/>
+              <a:t>	</a:t>
+            </a:r>
+            <a:r>
+              <a:rPr lang="en-US" altLang="ko-KR" sz="3600" dirty="0"/>
+              <a:t>02 Main</a:t>
+            </a:r>
+            <a:r>
+              <a:rPr lang="ko-KR" altLang="en-US" sz="3600" dirty="0"/>
+              <a:t> </a:t>
+            </a:r>
+            <a:r>
+              <a:rPr lang="en-US" altLang="ko-KR" sz="3600" dirty="0"/>
+              <a:t>I </a:t>
+            </a:r>
+            <a:r>
+              <a:rPr lang="en-US" altLang="ko-KR" sz="1800" dirty="0" err="1"/>
+              <a:t>ui_ingame_talk</a:t>
+            </a:r>
+            <a:endParaRPr lang="ko-KR" altLang="en-US" sz="1800" dirty="0"/>
+          </a:p>
+        </p:txBody>
+      </p:sp>
+      <p:pic>
+        <p:nvPicPr>
+          <p:cNvPr id="4" name="그림 3">
+            <a:extLst>
+              <a:ext uri="{FF2B5EF4-FFF2-40B4-BE49-F238E27FC236}">
+                <a16:creationId xmlns:a16="http://schemas.microsoft.com/office/drawing/2014/main" id="{6C09C027-6A74-9D68-BC17-2C1B31F5DC04}"/>
+              </a:ext>
+            </a:extLst>
+          </p:cNvPr>
+          <p:cNvPicPr>
+            <a:picLocks noChangeAspect="1"/>
+          </p:cNvPicPr>
+          <p:nvPr/>
+        </p:nvPicPr>
+        <p:blipFill>
+          <a:blip r:embed="rId2"/>
+          <a:stretch>
+            <a:fillRect/>
+          </a:stretch>
+        </p:blipFill>
+        <p:spPr>
+          <a:xfrm>
+            <a:off x="4557712" y="1265547"/>
+            <a:ext cx="3076575" cy="5419725"/>
+          </a:xfrm>
+          <a:prstGeom prst="rect">
+            <a:avLst/>
+          </a:prstGeom>
+        </p:spPr>
+      </p:pic>
+      <p:sp>
+        <p:nvSpPr>
+          <p:cNvPr id="6" name="TextBox 5">
+            <a:extLst>
+              <a:ext uri="{FF2B5EF4-FFF2-40B4-BE49-F238E27FC236}">
+                <a16:creationId xmlns:a16="http://schemas.microsoft.com/office/drawing/2014/main" id="{DE777071-1F6C-E484-38E0-28EAE8381552}"/>
+              </a:ext>
+            </a:extLst>
+          </p:cNvPr>
+          <p:cNvSpPr txBox="1"/>
+          <p:nvPr/>
+        </p:nvSpPr>
+        <p:spPr>
+          <a:xfrm>
+            <a:off x="4557712" y="5564459"/>
+            <a:ext cx="3076575" cy="1120813"/>
+          </a:xfrm>
+          <a:prstGeom prst="rect">
+            <a:avLst/>
+          </a:prstGeom>
+          <a:noFill/>
+          <a:ln>
+            <a:solidFill>
+              <a:srgbClr val="FF0000"/>
+            </a:solidFill>
+          </a:ln>
+        </p:spPr>
+        <p:txBody>
+          <a:bodyPr wrap="square" rtlCol="0">
+            <a:spAutoFit/>
+          </a:bodyPr>
+          <a:lstStyle/>
+          <a:p>
+            <a:endParaRPr lang="ko-KR" altLang="en-US" dirty="0"/>
+          </a:p>
+        </p:txBody>
+      </p:sp>
+      <p:sp>
+        <p:nvSpPr>
+          <p:cNvPr id="7" name="TextBox 6">
+            <a:extLst>
+              <a:ext uri="{FF2B5EF4-FFF2-40B4-BE49-F238E27FC236}">
+                <a16:creationId xmlns:a16="http://schemas.microsoft.com/office/drawing/2014/main" id="{9FD870CB-1DE1-FE91-9B60-107D3D5006C6}"/>
+              </a:ext>
+            </a:extLst>
+          </p:cNvPr>
+          <p:cNvSpPr txBox="1"/>
+          <p:nvPr/>
+        </p:nvSpPr>
+        <p:spPr>
+          <a:xfrm>
+            <a:off x="4635771" y="4451772"/>
+            <a:ext cx="950990" cy="1014761"/>
+          </a:xfrm>
+          <a:prstGeom prst="rect">
+            <a:avLst/>
+          </a:prstGeom>
+          <a:noFill/>
+          <a:ln>
+            <a:solidFill>
+              <a:srgbClr val="FF0000"/>
+            </a:solidFill>
+          </a:ln>
+        </p:spPr>
+        <p:txBody>
+          <a:bodyPr wrap="square" rtlCol="0">
+            <a:spAutoFit/>
+          </a:bodyPr>
+          <a:lstStyle/>
+          <a:p>
+            <a:endParaRPr lang="ko-KR" altLang="en-US" dirty="0"/>
+          </a:p>
+        </p:txBody>
+      </p:sp>
+      <p:sp>
+        <p:nvSpPr>
+          <p:cNvPr id="8" name="TextBox 7">
+            <a:extLst>
+              <a:ext uri="{FF2B5EF4-FFF2-40B4-BE49-F238E27FC236}">
+                <a16:creationId xmlns:a16="http://schemas.microsoft.com/office/drawing/2014/main" id="{EC637A1E-84B4-E9B3-BF89-32BCFC6084AD}"/>
+              </a:ext>
+            </a:extLst>
+          </p:cNvPr>
+          <p:cNvSpPr txBox="1"/>
+          <p:nvPr/>
+        </p:nvSpPr>
+        <p:spPr>
+          <a:xfrm>
+            <a:off x="1761893" y="4774486"/>
+            <a:ext cx="2107580" cy="369332"/>
+          </a:xfrm>
+          <a:prstGeom prst="rect">
+            <a:avLst/>
+          </a:prstGeom>
+          <a:noFill/>
+        </p:spPr>
+        <p:txBody>
+          <a:bodyPr wrap="square" rtlCol="0">
+            <a:spAutoFit/>
+          </a:bodyPr>
+          <a:lstStyle/>
+          <a:p>
+            <a:pPr algn="r"/>
+            <a:r>
+              <a:rPr lang="ko-KR" altLang="en-US" dirty="0"/>
+              <a:t>캐릭터 이미지</a:t>
+            </a:r>
+          </a:p>
+        </p:txBody>
+      </p:sp>
+      <p:cxnSp>
+        <p:nvCxnSpPr>
+          <p:cNvPr id="10" name="직선 화살표 연결선 9">
+            <a:extLst>
+              <a:ext uri="{FF2B5EF4-FFF2-40B4-BE49-F238E27FC236}">
+                <a16:creationId xmlns:a16="http://schemas.microsoft.com/office/drawing/2014/main" id="{F9F6E487-A688-4D5F-DE86-DC8E572681CD}"/>
+              </a:ext>
+            </a:extLst>
+          </p:cNvPr>
+          <p:cNvCxnSpPr>
+            <a:cxnSpLocks/>
+            <a:stCxn id="7" idx="1"/>
+            <a:endCxn id="8" idx="3"/>
+          </p:cNvCxnSpPr>
+          <p:nvPr/>
+        </p:nvCxnSpPr>
+        <p:spPr>
+          <a:xfrm flipH="1" flipV="1">
+            <a:off x="3869473" y="4959152"/>
+            <a:ext cx="766298" cy="1"/>
+          </a:xfrm>
+          <a:prstGeom prst="straightConnector1">
+            <a:avLst/>
+          </a:prstGeom>
+          <a:ln>
+            <a:solidFill>
+              <a:srgbClr val="FF0000"/>
+            </a:solidFill>
+            <a:tailEnd type="triangle"/>
+          </a:ln>
+        </p:spPr>
+        <p:style>
+          <a:lnRef idx="1">
+            <a:schemeClr val="accent1"/>
+          </a:lnRef>
+          <a:fillRef idx="0">
+            <a:schemeClr val="accent1"/>
+          </a:fillRef>
+          <a:effectRef idx="0">
+            <a:schemeClr val="accent1"/>
+          </a:effectRef>
+          <a:fontRef idx="minor">
+            <a:schemeClr val="tx1"/>
+          </a:fontRef>
+        </p:style>
+      </p:cxnSp>
+      <p:cxnSp>
+        <p:nvCxnSpPr>
+          <p:cNvPr id="13" name="직선 화살표 연결선 12">
+            <a:extLst>
+              <a:ext uri="{FF2B5EF4-FFF2-40B4-BE49-F238E27FC236}">
+                <a16:creationId xmlns:a16="http://schemas.microsoft.com/office/drawing/2014/main" id="{92EE432D-7D24-9A0C-E500-C480066EE4AC}"/>
+              </a:ext>
+            </a:extLst>
+          </p:cNvPr>
+          <p:cNvCxnSpPr>
+            <a:stCxn id="6" idx="3"/>
+          </p:cNvCxnSpPr>
+          <p:nvPr/>
+        </p:nvCxnSpPr>
+        <p:spPr>
+          <a:xfrm flipV="1">
+            <a:off x="7634287" y="6124865"/>
+            <a:ext cx="974454" cy="1"/>
+          </a:xfrm>
+          <a:prstGeom prst="straightConnector1">
+            <a:avLst/>
+          </a:prstGeom>
+          <a:ln>
+            <a:solidFill>
+              <a:srgbClr val="FF0000"/>
+            </a:solidFill>
+            <a:tailEnd type="triangle"/>
+          </a:ln>
+        </p:spPr>
+        <p:style>
+          <a:lnRef idx="1">
+            <a:schemeClr val="accent1"/>
+          </a:lnRef>
+          <a:fillRef idx="0">
+            <a:schemeClr val="accent1"/>
+          </a:fillRef>
+          <a:effectRef idx="0">
+            <a:schemeClr val="accent1"/>
+          </a:effectRef>
+          <a:fontRef idx="minor">
+            <a:schemeClr val="tx1"/>
+          </a:fontRef>
+        </p:style>
+      </p:cxnSp>
+      <p:sp>
+        <p:nvSpPr>
+          <p:cNvPr id="14" name="TextBox 13">
+            <a:extLst>
+              <a:ext uri="{FF2B5EF4-FFF2-40B4-BE49-F238E27FC236}">
+                <a16:creationId xmlns:a16="http://schemas.microsoft.com/office/drawing/2014/main" id="{2F72B94E-5B23-8A1E-18D0-A005ED49C85B}"/>
+              </a:ext>
+            </a:extLst>
+          </p:cNvPr>
+          <p:cNvSpPr txBox="1"/>
+          <p:nvPr/>
+        </p:nvSpPr>
+        <p:spPr>
+          <a:xfrm>
+            <a:off x="8608741" y="5940199"/>
+            <a:ext cx="2925511" cy="369332"/>
+          </a:xfrm>
+          <a:prstGeom prst="rect">
+            <a:avLst/>
+          </a:prstGeom>
+          <a:noFill/>
+        </p:spPr>
+        <p:txBody>
+          <a:bodyPr wrap="square" rtlCol="0">
+            <a:spAutoFit/>
+          </a:bodyPr>
+          <a:lstStyle/>
+          <a:p>
+            <a:r>
+              <a:rPr lang="ko-KR" altLang="en-US" dirty="0"/>
+              <a:t>캐릭터 대사 창</a:t>
+            </a:r>
+            <a:endParaRPr lang="en-US" altLang="ko-KR" dirty="0"/>
+          </a:p>
+        </p:txBody>
+      </p:sp>
+      <p:sp>
+        <p:nvSpPr>
+          <p:cNvPr id="16" name="직사각형 15">
+            <a:extLst>
+              <a:ext uri="{FF2B5EF4-FFF2-40B4-BE49-F238E27FC236}">
+                <a16:creationId xmlns:a16="http://schemas.microsoft.com/office/drawing/2014/main" id="{F43EFC5F-50ED-3363-5A94-81C004E8ED2B}"/>
+              </a:ext>
+            </a:extLst>
+          </p:cNvPr>
+          <p:cNvSpPr/>
+          <p:nvPr/>
+        </p:nvSpPr>
+        <p:spPr>
+          <a:xfrm>
+            <a:off x="6802244" y="1265547"/>
+            <a:ext cx="832043" cy="364554"/>
+          </a:xfrm>
+          <a:prstGeom prst="rect">
+            <a:avLst/>
+          </a:prstGeom>
+        </p:spPr>
+        <p:style>
+          <a:lnRef idx="2">
+            <a:schemeClr val="accent1">
+              <a:shade val="15000"/>
+            </a:schemeClr>
+          </a:lnRef>
+          <a:fillRef idx="1">
+            <a:schemeClr val="accent1"/>
+          </a:fillRef>
+          <a:effectRef idx="0">
+            <a:schemeClr val="accent1"/>
+          </a:effectRef>
+          <a:fontRef idx="minor">
+            <a:schemeClr val="lt1"/>
+          </a:fontRef>
+        </p:style>
+        <p:txBody>
+          <a:bodyPr rtlCol="0" anchor="ctr"/>
+          <a:lstStyle/>
+          <a:p>
+            <a:pPr algn="ctr"/>
+            <a:r>
+              <a:rPr lang="en-US" altLang="ko-KR" dirty="0"/>
+              <a:t>Skip</a:t>
+            </a:r>
+            <a:endParaRPr lang="ko-KR" altLang="en-US" dirty="0"/>
+          </a:p>
+        </p:txBody>
+      </p:sp>
+      <p:cxnSp>
+        <p:nvCxnSpPr>
+          <p:cNvPr id="17" name="직선 화살표 연결선 16">
+            <a:extLst>
+              <a:ext uri="{FF2B5EF4-FFF2-40B4-BE49-F238E27FC236}">
+                <a16:creationId xmlns:a16="http://schemas.microsoft.com/office/drawing/2014/main" id="{F62FA85D-F900-69EC-A0B8-4A6EE52BCC25}"/>
+              </a:ext>
+            </a:extLst>
+          </p:cNvPr>
+          <p:cNvCxnSpPr/>
+          <p:nvPr/>
+        </p:nvCxnSpPr>
+        <p:spPr>
+          <a:xfrm flipV="1">
+            <a:off x="7682608" y="1447823"/>
+            <a:ext cx="974454" cy="1"/>
+          </a:xfrm>
+          <a:prstGeom prst="straightConnector1">
+            <a:avLst/>
+          </a:prstGeom>
+          <a:ln>
+            <a:solidFill>
+              <a:srgbClr val="FF0000"/>
+            </a:solidFill>
+            <a:tailEnd type="triangle"/>
+          </a:ln>
+        </p:spPr>
+        <p:style>
+          <a:lnRef idx="1">
+            <a:schemeClr val="accent1"/>
+          </a:lnRef>
+          <a:fillRef idx="0">
+            <a:schemeClr val="accent1"/>
+          </a:fillRef>
+          <a:effectRef idx="0">
+            <a:schemeClr val="accent1"/>
+          </a:effectRef>
+          <a:fontRef idx="minor">
+            <a:schemeClr val="tx1"/>
+          </a:fontRef>
+        </p:style>
+      </p:cxnSp>
+      <p:sp>
+        <p:nvSpPr>
+          <p:cNvPr id="18" name="TextBox 17">
+            <a:extLst>
+              <a:ext uri="{FF2B5EF4-FFF2-40B4-BE49-F238E27FC236}">
+                <a16:creationId xmlns:a16="http://schemas.microsoft.com/office/drawing/2014/main" id="{EFC4226F-B2B0-A583-B223-AE97237CC506}"/>
+              </a:ext>
+            </a:extLst>
+          </p:cNvPr>
+          <p:cNvSpPr txBox="1"/>
+          <p:nvPr/>
+        </p:nvSpPr>
+        <p:spPr>
+          <a:xfrm>
+            <a:off x="8705383" y="1265547"/>
+            <a:ext cx="2925511" cy="369332"/>
+          </a:xfrm>
+          <a:prstGeom prst="rect">
+            <a:avLst/>
+          </a:prstGeom>
+          <a:noFill/>
+        </p:spPr>
+        <p:txBody>
+          <a:bodyPr wrap="square" rtlCol="0">
+            <a:spAutoFit/>
+          </a:bodyPr>
+          <a:lstStyle/>
+          <a:p>
+            <a:r>
+              <a:rPr lang="ko-KR" altLang="en-US" dirty="0" err="1"/>
+              <a:t>스킵</a:t>
+            </a:r>
+            <a:r>
+              <a:rPr lang="ko-KR" altLang="en-US" dirty="0"/>
+              <a:t> 버튼</a:t>
+            </a:r>
+            <a:endParaRPr lang="en-US" altLang="ko-KR" dirty="0"/>
+          </a:p>
+        </p:txBody>
+      </p:sp>
+    </p:spTree>
+    <p:extLst>
+      <p:ext uri="{BB962C8B-B14F-4D97-AF65-F5344CB8AC3E}">
+        <p14:creationId xmlns:p14="http://schemas.microsoft.com/office/powerpoint/2010/main" val="1342370577"/>
+      </p:ext>
+    </p:extLst>
+  </p:cSld>
+  <p:clrMapOvr>
+    <a:masterClrMapping/>
+  </p:clrMapOvr>
+</p:sld>
+</file>
+
+<file path=ppt/slides/slide2.xml><?xml version="1.0" encoding="utf-8"?>
+<p:sld xmlns:a="http://schemas.openxmlformats.org/drawingml/2006/main" xmlns:r="http://schemas.openxmlformats.org/officeDocument/2006/relationships" xmlns:p="http://schemas.openxmlformats.org/presentationml/2006/main">
+  <p:cSld>
+    <p:spTree>
+      <p:nvGrpSpPr>
+        <p:cNvPr id="1" name=""/>
+        <p:cNvGrpSpPr/>
+        <p:nvPr/>
+      </p:nvGrpSpPr>
+      <p:grpSpPr>
+        <a:xfrm>
+          <a:off x="0" y="0"/>
+          <a:ext cx="0" cy="0"/>
+          <a:chOff x="0" y="0"/>
+          <a:chExt cx="0" cy="0"/>
+        </a:xfrm>
+      </p:grpSpPr>
+      <p:sp>
+        <p:nvSpPr>
+          <p:cNvPr id="19" name="TextBox 18">
+            <a:extLst>
+              <a:ext uri="{FF2B5EF4-FFF2-40B4-BE49-F238E27FC236}">
+                <a16:creationId xmlns:a16="http://schemas.microsoft.com/office/drawing/2014/main" id="{C98EFFE8-9A86-CEF3-E80A-B57B536628E2}"/>
+              </a:ext>
+            </a:extLst>
+          </p:cNvPr>
+          <p:cNvSpPr txBox="1"/>
+          <p:nvPr/>
+        </p:nvSpPr>
+        <p:spPr>
+          <a:xfrm>
+            <a:off x="569843" y="1079078"/>
+            <a:ext cx="4015409" cy="1112164"/>
+          </a:xfrm>
+          <a:prstGeom prst="rect">
+            <a:avLst/>
+          </a:prstGeom>
+          <a:noFill/>
+        </p:spPr>
+        <p:txBody>
+          <a:bodyPr wrap="square" rtlCol="0">
+            <a:spAutoFit/>
+          </a:bodyPr>
+          <a:lstStyle/>
+          <a:p>
+            <a:pPr>
+              <a:lnSpc>
+                <a:spcPct val="200000"/>
+              </a:lnSpc>
+            </a:pPr>
+            <a:r>
+              <a:rPr lang="en-US" altLang="ko-KR" dirty="0"/>
+              <a:t>	= scene </a:t>
+            </a:r>
+            <a:r>
+              <a:rPr lang="ko-KR" altLang="en-US" dirty="0"/>
+              <a:t>이름</a:t>
+            </a:r>
+            <a:endParaRPr lang="en-US" altLang="ko-KR" dirty="0"/>
+          </a:p>
+          <a:p>
+            <a:pPr>
+              <a:lnSpc>
+                <a:spcPct val="200000"/>
+              </a:lnSpc>
+            </a:pPr>
+            <a:r>
+              <a:rPr lang="en-US" altLang="ko-KR" dirty="0"/>
+              <a:t>	= </a:t>
+            </a:r>
+            <a:r>
+              <a:rPr lang="ko-KR" altLang="en-US" dirty="0"/>
+              <a:t>포함된 </a:t>
+            </a:r>
+            <a:r>
+              <a:rPr lang="ko-KR" altLang="en-US" dirty="0" err="1"/>
+              <a:t>프리팹</a:t>
+            </a:r>
+            <a:r>
+              <a:rPr lang="ko-KR" altLang="en-US" dirty="0"/>
+              <a:t> 팝업</a:t>
+            </a:r>
+          </a:p>
+        </p:txBody>
+      </p:sp>
+      <p:sp>
+        <p:nvSpPr>
+          <p:cNvPr id="4" name="직사각형 3">
+            <a:extLst>
+              <a:ext uri="{FF2B5EF4-FFF2-40B4-BE49-F238E27FC236}">
+                <a16:creationId xmlns:a16="http://schemas.microsoft.com/office/drawing/2014/main" id="{FC497640-A598-8722-5FE7-C0780C845F29}"/>
+              </a:ext>
+            </a:extLst>
+          </p:cNvPr>
+          <p:cNvSpPr/>
+          <p:nvPr/>
+        </p:nvSpPr>
+        <p:spPr>
+          <a:xfrm>
+            <a:off x="1749933" y="2750392"/>
+            <a:ext cx="1775791" cy="861392"/>
+          </a:xfrm>
+          <a:prstGeom prst="rect">
+            <a:avLst/>
+          </a:prstGeom>
+        </p:spPr>
+        <p:style>
+          <a:lnRef idx="2">
+            <a:schemeClr val="accent1">
+              <a:shade val="15000"/>
+            </a:schemeClr>
+          </a:lnRef>
+          <a:fillRef idx="1">
+            <a:schemeClr val="accent1"/>
+          </a:fillRef>
+          <a:effectRef idx="0">
+            <a:schemeClr val="accent1"/>
+          </a:effectRef>
+          <a:fontRef idx="minor">
+            <a:schemeClr val="lt1"/>
+          </a:fontRef>
+        </p:style>
+        <p:txBody>
+          <a:bodyPr rtlCol="0" anchor="ctr"/>
+          <a:lstStyle/>
+          <a:p>
+            <a:pPr algn="ctr"/>
+            <a:r>
+              <a:rPr lang="en-US" altLang="ko-KR" dirty="0"/>
+              <a:t>Entry</a:t>
+            </a:r>
+          </a:p>
+          <a:p>
+            <a:pPr algn="ctr"/>
+            <a:r>
+              <a:rPr lang="en-US" altLang="ko-KR" dirty="0"/>
+              <a:t>(</a:t>
+            </a:r>
+            <a:r>
+              <a:rPr lang="ko-KR" altLang="en-US" dirty="0"/>
+              <a:t>로그인 화면</a:t>
+            </a:r>
+            <a:r>
+              <a:rPr lang="en-US" altLang="ko-KR" dirty="0"/>
+              <a:t>)</a:t>
+            </a:r>
+            <a:endParaRPr lang="ko-KR" altLang="en-US" dirty="0"/>
+          </a:p>
+        </p:txBody>
+      </p:sp>
+      <p:sp>
+        <p:nvSpPr>
+          <p:cNvPr id="7" name="직사각형 6">
+            <a:extLst>
+              <a:ext uri="{FF2B5EF4-FFF2-40B4-BE49-F238E27FC236}">
+                <a16:creationId xmlns:a16="http://schemas.microsoft.com/office/drawing/2014/main" id="{D8B5E9BC-54B4-C5B6-FF0A-570577872AA0}"/>
+              </a:ext>
+            </a:extLst>
+          </p:cNvPr>
+          <p:cNvSpPr/>
+          <p:nvPr/>
+        </p:nvSpPr>
+        <p:spPr>
+          <a:xfrm>
+            <a:off x="5076227" y="2750392"/>
+            <a:ext cx="1775791" cy="861392"/>
+          </a:xfrm>
+          <a:prstGeom prst="rect">
+            <a:avLst/>
+          </a:prstGeom>
+        </p:spPr>
+        <p:style>
+          <a:lnRef idx="2">
+            <a:schemeClr val="accent1">
+              <a:shade val="15000"/>
+            </a:schemeClr>
+          </a:lnRef>
+          <a:fillRef idx="1">
+            <a:schemeClr val="accent1"/>
+          </a:fillRef>
+          <a:effectRef idx="0">
+            <a:schemeClr val="accent1"/>
+          </a:effectRef>
+          <a:fontRef idx="minor">
+            <a:schemeClr val="lt1"/>
+          </a:fontRef>
+        </p:style>
+        <p:txBody>
+          <a:bodyPr rtlCol="0" anchor="ctr"/>
+          <a:lstStyle/>
+          <a:p>
+            <a:pPr algn="ctr"/>
+            <a:r>
+              <a:rPr lang="en-US" altLang="ko-KR" dirty="0"/>
+              <a:t>Lobby</a:t>
+            </a:r>
+          </a:p>
+          <a:p>
+            <a:pPr algn="ctr"/>
+            <a:r>
+              <a:rPr lang="en-US" altLang="ko-KR" dirty="0"/>
+              <a:t>(</a:t>
+            </a:r>
+            <a:r>
+              <a:rPr lang="ko-KR" altLang="en-US" dirty="0"/>
+              <a:t>로비화면</a:t>
+            </a:r>
+            <a:r>
+              <a:rPr lang="en-US" altLang="ko-KR" dirty="0"/>
+              <a:t>)</a:t>
+            </a:r>
+            <a:endParaRPr lang="ko-KR" altLang="en-US" dirty="0"/>
+          </a:p>
+        </p:txBody>
+      </p:sp>
+      <p:sp>
+        <p:nvSpPr>
+          <p:cNvPr id="8" name="직사각형 7">
+            <a:extLst>
+              <a:ext uri="{FF2B5EF4-FFF2-40B4-BE49-F238E27FC236}">
+                <a16:creationId xmlns:a16="http://schemas.microsoft.com/office/drawing/2014/main" id="{D34A9E5F-E032-A7DE-C07A-DF57723670B7}"/>
+              </a:ext>
+            </a:extLst>
+          </p:cNvPr>
+          <p:cNvSpPr/>
+          <p:nvPr/>
+        </p:nvSpPr>
+        <p:spPr>
+          <a:xfrm>
+            <a:off x="8508535" y="2737140"/>
+            <a:ext cx="1775791" cy="861392"/>
+          </a:xfrm>
+          <a:prstGeom prst="rect">
+            <a:avLst/>
+          </a:prstGeom>
+        </p:spPr>
+        <p:style>
+          <a:lnRef idx="2">
+            <a:schemeClr val="accent1">
+              <a:shade val="15000"/>
+            </a:schemeClr>
+          </a:lnRef>
+          <a:fillRef idx="1">
+            <a:schemeClr val="accent1"/>
+          </a:fillRef>
+          <a:effectRef idx="0">
+            <a:schemeClr val="accent1"/>
+          </a:effectRef>
+          <a:fontRef idx="minor">
+            <a:schemeClr val="lt1"/>
+          </a:fontRef>
+        </p:style>
+        <p:txBody>
+          <a:bodyPr rtlCol="0" anchor="ctr"/>
+          <a:lstStyle/>
+          <a:p>
+            <a:pPr algn="ctr"/>
+            <a:r>
+              <a:rPr lang="en-US" altLang="ko-KR" dirty="0"/>
+              <a:t>Main</a:t>
+            </a:r>
+            <a:endParaRPr lang="ko-KR" altLang="en-US" dirty="0"/>
+          </a:p>
+        </p:txBody>
+      </p:sp>
+      <p:cxnSp>
+        <p:nvCxnSpPr>
+          <p:cNvPr id="12" name="직선 화살표 연결선 11">
+            <a:extLst>
+              <a:ext uri="{FF2B5EF4-FFF2-40B4-BE49-F238E27FC236}">
+                <a16:creationId xmlns:a16="http://schemas.microsoft.com/office/drawing/2014/main" id="{07C980E2-A68B-EAB0-B578-277EBFF385F8}"/>
+              </a:ext>
+            </a:extLst>
+          </p:cNvPr>
+          <p:cNvCxnSpPr/>
+          <p:nvPr/>
+        </p:nvCxnSpPr>
+        <p:spPr>
+          <a:xfrm>
+            <a:off x="3704625" y="3167836"/>
+            <a:ext cx="1020418" cy="13252"/>
+          </a:xfrm>
+          <a:prstGeom prst="straightConnector1">
+            <a:avLst/>
+          </a:prstGeom>
+          <a:ln>
+            <a:tailEnd type="triangle"/>
+          </a:ln>
+        </p:spPr>
+        <p:style>
+          <a:lnRef idx="1">
+            <a:schemeClr val="accent1"/>
+          </a:lnRef>
+          <a:fillRef idx="0">
+            <a:schemeClr val="accent1"/>
+          </a:fillRef>
+          <a:effectRef idx="0">
+            <a:schemeClr val="accent1"/>
+          </a:effectRef>
+          <a:fontRef idx="minor">
+            <a:schemeClr val="tx1"/>
+          </a:fontRef>
+        </p:style>
+      </p:cxnSp>
+      <p:cxnSp>
+        <p:nvCxnSpPr>
+          <p:cNvPr id="13" name="직선 화살표 연결선 12">
+            <a:extLst>
+              <a:ext uri="{FF2B5EF4-FFF2-40B4-BE49-F238E27FC236}">
+                <a16:creationId xmlns:a16="http://schemas.microsoft.com/office/drawing/2014/main" id="{54A7F669-BCEF-262C-813D-8BEAA60DF611}"/>
+              </a:ext>
+            </a:extLst>
+          </p:cNvPr>
+          <p:cNvCxnSpPr/>
+          <p:nvPr/>
+        </p:nvCxnSpPr>
+        <p:spPr>
+          <a:xfrm>
+            <a:off x="7279254" y="3181088"/>
+            <a:ext cx="1020418" cy="13252"/>
+          </a:xfrm>
+          <a:prstGeom prst="straightConnector1">
+            <a:avLst/>
+          </a:prstGeom>
+          <a:ln>
+            <a:tailEnd type="triangle"/>
+          </a:ln>
+        </p:spPr>
+        <p:style>
+          <a:lnRef idx="1">
+            <a:schemeClr val="accent1"/>
+          </a:lnRef>
+          <a:fillRef idx="0">
+            <a:schemeClr val="accent1"/>
+          </a:fillRef>
+          <a:effectRef idx="0">
+            <a:schemeClr val="accent1"/>
+          </a:effectRef>
+          <a:fontRef idx="minor">
+            <a:schemeClr val="tx1"/>
+          </a:fontRef>
+        </p:style>
+      </p:cxnSp>
+      <p:sp>
+        <p:nvSpPr>
+          <p:cNvPr id="15" name="TextBox 14">
+            <a:extLst>
+              <a:ext uri="{FF2B5EF4-FFF2-40B4-BE49-F238E27FC236}">
+                <a16:creationId xmlns:a16="http://schemas.microsoft.com/office/drawing/2014/main" id="{BC398F23-4932-5262-3917-643FF8029182}"/>
+              </a:ext>
+            </a:extLst>
+          </p:cNvPr>
+          <p:cNvSpPr txBox="1"/>
+          <p:nvPr/>
+        </p:nvSpPr>
+        <p:spPr>
+          <a:xfrm>
+            <a:off x="7000958" y="2883563"/>
+            <a:ext cx="1577011" cy="246221"/>
+          </a:xfrm>
+          <a:prstGeom prst="rect">
+            <a:avLst/>
+          </a:prstGeom>
+          <a:noFill/>
+        </p:spPr>
+        <p:txBody>
+          <a:bodyPr wrap="square" rtlCol="0">
+            <a:spAutoFit/>
+          </a:bodyPr>
+          <a:lstStyle/>
+          <a:p>
+            <a:pPr algn="ctr"/>
+            <a:r>
+              <a:rPr lang="ko-KR" altLang="en-US" sz="1000" dirty="0"/>
+              <a:t>플레이 버튼</a:t>
+            </a:r>
+          </a:p>
+        </p:txBody>
+      </p:sp>
+      <p:sp>
+        <p:nvSpPr>
+          <p:cNvPr id="16" name="직사각형 15">
+            <a:extLst>
+              <a:ext uri="{FF2B5EF4-FFF2-40B4-BE49-F238E27FC236}">
+                <a16:creationId xmlns:a16="http://schemas.microsoft.com/office/drawing/2014/main" id="{AF1897B2-01C6-26C8-D475-20C6D8B1FEC5}"/>
+              </a:ext>
+            </a:extLst>
+          </p:cNvPr>
+          <p:cNvSpPr/>
+          <p:nvPr/>
+        </p:nvSpPr>
+        <p:spPr>
+          <a:xfrm>
+            <a:off x="901147" y="1293916"/>
+            <a:ext cx="569843" cy="357809"/>
+          </a:xfrm>
+          <a:prstGeom prst="rect">
+            <a:avLst/>
+          </a:prstGeom>
+        </p:spPr>
+        <p:style>
+          <a:lnRef idx="2">
+            <a:schemeClr val="accent1">
+              <a:shade val="15000"/>
+            </a:schemeClr>
+          </a:lnRef>
+          <a:fillRef idx="1">
+            <a:schemeClr val="accent1"/>
+          </a:fillRef>
+          <a:effectRef idx="0">
+            <a:schemeClr val="accent1"/>
+          </a:effectRef>
+          <a:fontRef idx="minor">
+            <a:schemeClr val="lt1"/>
+          </a:fontRef>
+        </p:style>
+        <p:txBody>
+          <a:bodyPr rtlCol="0" anchor="ctr"/>
+          <a:lstStyle/>
+          <a:p>
+            <a:pPr algn="ctr"/>
+            <a:endParaRPr lang="ko-KR" altLang="en-US"/>
+          </a:p>
+        </p:txBody>
+      </p:sp>
+      <p:sp>
+        <p:nvSpPr>
+          <p:cNvPr id="17" name="직사각형 16">
+            <a:extLst>
+              <a:ext uri="{FF2B5EF4-FFF2-40B4-BE49-F238E27FC236}">
+                <a16:creationId xmlns:a16="http://schemas.microsoft.com/office/drawing/2014/main" id="{B8E85932-3B58-4681-00C7-3D0A88FFBD91}"/>
+              </a:ext>
+            </a:extLst>
+          </p:cNvPr>
+          <p:cNvSpPr/>
+          <p:nvPr/>
+        </p:nvSpPr>
+        <p:spPr>
+          <a:xfrm>
+            <a:off x="901147" y="1737336"/>
+            <a:ext cx="569843" cy="357809"/>
+          </a:xfrm>
+          <a:prstGeom prst="rect">
+            <a:avLst/>
+          </a:prstGeom>
+          <a:solidFill>
+            <a:schemeClr val="accent2"/>
+          </a:solidFill>
+        </p:spPr>
+        <p:style>
+          <a:lnRef idx="2">
+            <a:schemeClr val="accent1">
+              <a:shade val="15000"/>
+            </a:schemeClr>
+          </a:lnRef>
+          <a:fillRef idx="1">
+            <a:schemeClr val="accent1"/>
+          </a:fillRef>
+          <a:effectRef idx="0">
+            <a:schemeClr val="accent1"/>
+          </a:effectRef>
+          <a:fontRef idx="minor">
+            <a:schemeClr val="lt1"/>
+          </a:fontRef>
+        </p:style>
+        <p:txBody>
+          <a:bodyPr rtlCol="0" anchor="ctr"/>
+          <a:lstStyle/>
+          <a:p>
+            <a:pPr algn="ctr"/>
+            <a:endParaRPr lang="ko-KR" altLang="en-US"/>
+          </a:p>
+        </p:txBody>
+      </p:sp>
+      <p:sp>
+        <p:nvSpPr>
+          <p:cNvPr id="18" name="TextBox 17">
+            <a:extLst>
+              <a:ext uri="{FF2B5EF4-FFF2-40B4-BE49-F238E27FC236}">
+                <a16:creationId xmlns:a16="http://schemas.microsoft.com/office/drawing/2014/main" id="{1066AF5A-60E8-C6E1-0A3B-55808A707828}"/>
+              </a:ext>
+            </a:extLst>
+          </p:cNvPr>
+          <p:cNvSpPr txBox="1"/>
+          <p:nvPr/>
+        </p:nvSpPr>
+        <p:spPr>
+          <a:xfrm>
+            <a:off x="450574" y="1166191"/>
+            <a:ext cx="3684104" cy="369332"/>
+          </a:xfrm>
+          <a:prstGeom prst="rect">
+            <a:avLst/>
+          </a:prstGeom>
+          <a:noFill/>
+        </p:spPr>
+        <p:txBody>
+          <a:bodyPr wrap="square" rtlCol="0">
+            <a:spAutoFit/>
+          </a:bodyPr>
+          <a:lstStyle/>
+          <a:p>
+            <a:r>
+              <a:rPr lang="en-US" altLang="ko-KR" dirty="0"/>
+              <a:t>	</a:t>
+            </a:r>
+            <a:endParaRPr lang="ko-KR" altLang="en-US" dirty="0"/>
+          </a:p>
+        </p:txBody>
+      </p:sp>
+      <p:sp>
+        <p:nvSpPr>
+          <p:cNvPr id="22" name="제목 1">
+            <a:extLst>
+              <a:ext uri="{FF2B5EF4-FFF2-40B4-BE49-F238E27FC236}">
+                <a16:creationId xmlns:a16="http://schemas.microsoft.com/office/drawing/2014/main" id="{9C64C31E-6E98-9498-F20B-DF86D3E33A05}"/>
+              </a:ext>
+            </a:extLst>
+          </p:cNvPr>
+          <p:cNvSpPr txBox="1">
+            <a:spLocks/>
+          </p:cNvSpPr>
+          <p:nvPr/>
+        </p:nvSpPr>
+        <p:spPr>
+          <a:xfrm>
+            <a:off x="0" y="1"/>
+            <a:ext cx="12192000" cy="1069694"/>
+          </a:xfrm>
+          <a:prstGeom prst="rect">
+            <a:avLst/>
+          </a:prstGeom>
+        </p:spPr>
+        <p:txBody>
+          <a:bodyPr vert="horz" lIns="91440" tIns="45720" rIns="91440" bIns="45720" rtlCol="0" anchor="ctr">
+            <a:normAutofit/>
+          </a:bodyPr>
+          <a:lstStyle>
+            <a:lvl1pPr algn="l" defTabSz="914400" rtl="0" eaLnBrk="1" latinLnBrk="1" hangingPunct="1">
+              <a:lnSpc>
+                <a:spcPct val="90000"/>
+              </a:lnSpc>
+              <a:spcBef>
+                <a:spcPct val="0"/>
+              </a:spcBef>
+              <a:buNone/>
+              <a:defRPr sz="4400" kern="1200">
+                <a:solidFill>
+                  <a:schemeClr val="tx1"/>
+                </a:solidFill>
+                <a:latin typeface="+mj-lt"/>
+                <a:ea typeface="+mj-ea"/>
+                <a:cs typeface="+mj-cs"/>
+              </a:defRPr>
+            </a:lvl1pPr>
+          </a:lstStyle>
+          <a:p>
+            <a:r>
+              <a:rPr lang="en-US" altLang="ko-KR" dirty="0"/>
+              <a:t>	</a:t>
+            </a:r>
+            <a:r>
+              <a:rPr lang="en-US" altLang="ko-KR" sz="3600" dirty="0"/>
+              <a:t>01 Scene Flow</a:t>
+            </a:r>
+            <a:r>
+              <a:rPr lang="ko-KR" altLang="en-US" sz="3600" dirty="0"/>
+              <a:t> </a:t>
+            </a:r>
+            <a:r>
+              <a:rPr lang="en-US" altLang="ko-KR" sz="3600" dirty="0"/>
+              <a:t>I </a:t>
+            </a:r>
+            <a:r>
+              <a:rPr lang="en-US" altLang="ko-KR" sz="1800" dirty="0" err="1"/>
+              <a:t>Uihud</a:t>
+            </a:r>
+            <a:endParaRPr lang="ko-KR" altLang="en-US" sz="1800" dirty="0"/>
+          </a:p>
+        </p:txBody>
+      </p:sp>
+      <p:sp>
+        <p:nvSpPr>
+          <p:cNvPr id="23" name="직사각형 22">
+            <a:extLst>
+              <a:ext uri="{FF2B5EF4-FFF2-40B4-BE49-F238E27FC236}">
+                <a16:creationId xmlns:a16="http://schemas.microsoft.com/office/drawing/2014/main" id="{FE3F0DED-9F89-714C-5B6E-C9A72B25133A}"/>
+              </a:ext>
+            </a:extLst>
+          </p:cNvPr>
+          <p:cNvSpPr/>
+          <p:nvPr/>
+        </p:nvSpPr>
+        <p:spPr>
+          <a:xfrm>
+            <a:off x="4956676" y="4212845"/>
+            <a:ext cx="2014890" cy="507407"/>
+          </a:xfrm>
+          <a:prstGeom prst="rect">
+            <a:avLst/>
+          </a:prstGeom>
+          <a:solidFill>
+            <a:schemeClr val="accent2"/>
+          </a:solidFill>
+        </p:spPr>
+        <p:style>
+          <a:lnRef idx="2">
+            <a:schemeClr val="accent1">
+              <a:shade val="15000"/>
+            </a:schemeClr>
+          </a:lnRef>
+          <a:fillRef idx="1">
+            <a:schemeClr val="accent1"/>
+          </a:fillRef>
+          <a:effectRef idx="0">
+            <a:schemeClr val="accent1"/>
+          </a:effectRef>
+          <a:fontRef idx="minor">
+            <a:schemeClr val="lt1"/>
+          </a:fontRef>
+        </p:style>
+        <p:txBody>
+          <a:bodyPr rtlCol="0" anchor="ctr"/>
+          <a:lstStyle/>
+          <a:p>
+            <a:pPr algn="ctr"/>
+            <a:r>
               <a:rPr lang="en-US" altLang="ko-KR" sz="1400" dirty="0" err="1"/>
-              <a:t>Character_popup</a:t>
+              <a:t>ui_lobby_tap_truck</a:t>
             </a:r>
             <a:endParaRPr lang="ko-KR" altLang="en-US" sz="1400" dirty="0"/>
           </a:p>
@@ -4765,15 +7099,11 @@
             </a:r>
             <a:r>
               <a:rPr lang="en-US" altLang="ko-KR" sz="1200" dirty="0" err="1"/>
-              <a:t>Setting_popup</a:t>
-            </a:r>
-            <a:r>
-              <a:rPr lang="en-US" altLang="ko-KR" sz="1200" dirty="0"/>
-              <a:t> </a:t>
+              <a:t>setting_popup</a:t>
             </a:r>
             <a:r>
               <a:rPr lang="ko-KR" altLang="en-US" sz="1200" dirty="0"/>
-              <a:t>출력</a:t>
+              <a:t> 출력</a:t>
             </a:r>
             <a:endParaRPr lang="en-US" altLang="ko-KR" sz="1200" dirty="0"/>
           </a:p>
@@ -4833,18 +7163,6 @@
             <a:r>
               <a:rPr lang="en-US" altLang="ko-KR" sz="3600" dirty="0"/>
               <a:t>01 Lobby</a:t>
-            </a:r>
-            <a:r>
-              <a:rPr lang="ko-KR" altLang="en-US" sz="3600" dirty="0"/>
-              <a:t> </a:t>
-            </a:r>
-            <a:r>
-              <a:rPr lang="en-US" altLang="ko-KR" sz="3600" dirty="0"/>
-              <a:t>I </a:t>
-            </a:r>
-            <a:r>
-              <a:rPr lang="en-US" altLang="ko-KR" sz="1800" dirty="0" err="1"/>
-              <a:t>Uihud</a:t>
             </a:r>
             <a:endParaRPr lang="ko-KR" altLang="en-US" sz="1800" dirty="0"/>
           </a:p>
@@ -5241,92 +7559,122 @@
           <a:chExt cx="0" cy="0"/>
         </a:xfrm>
       </p:grpSpPr>
+      <p:sp>
+        <p:nvSpPr>
+          <p:cNvPr id="14" name="제목 1">
+            <a:extLst>
+              <a:ext uri="{FF2B5EF4-FFF2-40B4-BE49-F238E27FC236}">
+                <a16:creationId xmlns:a16="http://schemas.microsoft.com/office/drawing/2014/main" id="{7AD69CB8-C237-196A-5D6D-847501E27DA7}"/>
+              </a:ext>
+            </a:extLst>
+          </p:cNvPr>
+          <p:cNvSpPr txBox="1">
+            <a:spLocks/>
+          </p:cNvSpPr>
+          <p:nvPr/>
+        </p:nvSpPr>
+        <p:spPr>
+          <a:xfrm>
+            <a:off x="0" y="1"/>
+            <a:ext cx="12192000" cy="1069694"/>
+          </a:xfrm>
+          <a:prstGeom prst="rect">
+            <a:avLst/>
+          </a:prstGeom>
+        </p:spPr>
+        <p:txBody>
+          <a:bodyPr vert="horz" lIns="91440" tIns="45720" rIns="91440" bIns="45720" rtlCol="0" anchor="ctr">
+            <a:normAutofit/>
+          </a:bodyPr>
+          <a:lstStyle>
+            <a:lvl1pPr algn="l" defTabSz="914400" rtl="0" eaLnBrk="1" latinLnBrk="1" hangingPunct="1">
+              <a:lnSpc>
+                <a:spcPct val="90000"/>
+              </a:lnSpc>
+              <a:spcBef>
+                <a:spcPct val="0"/>
+              </a:spcBef>
+              <a:buNone/>
+              <a:defRPr sz="4400" kern="1200">
+                <a:solidFill>
+                  <a:schemeClr val="tx1"/>
+                </a:solidFill>
+                <a:latin typeface="+mj-lt"/>
+                <a:ea typeface="+mj-ea"/>
+                <a:cs typeface="+mj-cs"/>
+              </a:defRPr>
+            </a:lvl1pPr>
+          </a:lstStyle>
+          <a:p>
+            <a:r>
+              <a:rPr lang="en-US" altLang="ko-KR" strike="sngStrike" dirty="0"/>
+              <a:t>	</a:t>
+            </a:r>
+            <a:r>
+              <a:rPr lang="en-US" altLang="ko-KR" sz="3600" strike="sngStrike" dirty="0"/>
+              <a:t>01 Lobby I </a:t>
+            </a:r>
+            <a:r>
+              <a:rPr lang="en-US" altLang="ko-KR" sz="1800" strike="sngStrike" dirty="0" err="1"/>
+              <a:t>setting_popup</a:t>
+            </a:r>
+            <a:endParaRPr lang="ko-KR" altLang="en-US" sz="1800" strike="sngStrike" dirty="0"/>
+          </a:p>
+        </p:txBody>
+      </p:sp>
       <p:pic>
         <p:nvPicPr>
-          <p:cNvPr id="25" name="그림 24">
-            <a:extLst>
-              <a:ext uri="{FF2B5EF4-FFF2-40B4-BE49-F238E27FC236}">
-                <a16:creationId xmlns:a16="http://schemas.microsoft.com/office/drawing/2014/main" id="{C2E816F4-4257-E9EB-C6C8-4B75A328FE8E}"/>
+          <p:cNvPr id="1026" name="Picture 2">
+            <a:extLst>
+              <a:ext uri="{FF2B5EF4-FFF2-40B4-BE49-F238E27FC236}">
+                <a16:creationId xmlns:a16="http://schemas.microsoft.com/office/drawing/2014/main" id="{FDA00D51-7EE3-DAB9-A3A3-96BA7164D2F4}"/>
               </a:ext>
             </a:extLst>
           </p:cNvPr>
           <p:cNvPicPr>
-            <a:picLocks noChangeAspect="1"/>
+            <a:picLocks noChangeAspect="1" noChangeArrowheads="1"/>
           </p:cNvPicPr>
           <p:nvPr/>
         </p:nvPicPr>
         <p:blipFill>
-          <a:blip r:embed="rId2"/>
+          <a:blip r:embed="rId2">
+            <a:extLst>
+              <a:ext uri="{28A0092B-C50C-407E-A947-70E740481C1C}">
+                <a14:useLocalDpi xmlns:a14="http://schemas.microsoft.com/office/drawing/2010/main" val="0"/>
+              </a:ext>
+            </a:extLst>
+          </a:blip>
+          <a:srcRect/>
           <a:stretch>
             <a:fillRect/>
           </a:stretch>
         </p:blipFill>
-        <p:spPr>
-          <a:xfrm>
-            <a:off x="4499128" y="1147912"/>
-            <a:ext cx="3162300" cy="5534025"/>
+        <p:spPr bwMode="auto">
+          <a:xfrm>
+            <a:off x="2951356" y="1793487"/>
+            <a:ext cx="6289288" cy="3930805"/>
           </a:xfrm>
           <a:prstGeom prst="rect">
             <a:avLst/>
           </a:prstGeom>
+          <a:noFill/>
+          <a:extLst>
+            <a:ext uri="{909E8E84-426E-40DD-AFC4-6F175D3DCCD1}">
+              <a14:hiddenFill xmlns:a14="http://schemas.microsoft.com/office/drawing/2010/main">
+                <a:solidFill>
+                  <a:srgbClr val="FFFFFF"/>
+                </a:solidFill>
+              </a14:hiddenFill>
+            </a:ext>
+          </a:extLst>
         </p:spPr>
       </p:pic>
       <p:sp>
         <p:nvSpPr>
-          <p:cNvPr id="2" name="제목 1">
-            <a:extLst>
-              <a:ext uri="{FF2B5EF4-FFF2-40B4-BE49-F238E27FC236}">
-                <a16:creationId xmlns:a16="http://schemas.microsoft.com/office/drawing/2014/main" id="{2F4B5067-141B-FEA8-3288-BEDA5E8D63BD}"/>
-              </a:ext>
-            </a:extLst>
-          </p:cNvPr>
-          <p:cNvSpPr>
-            <a:spLocks noGrp="1"/>
-          </p:cNvSpPr>
-          <p:nvPr>
-            <p:ph type="title"/>
-          </p:nvPr>
-        </p:nvSpPr>
-        <p:spPr>
-          <a:xfrm>
-            <a:off x="0" y="1"/>
-            <a:ext cx="12192000" cy="1069694"/>
-          </a:xfrm>
-        </p:spPr>
-        <p:txBody>
-          <a:bodyPr/>
-          <a:lstStyle/>
-          <a:p>
-            <a:r>
-              <a:rPr lang="en-US" altLang="ko-KR" dirty="0"/>
-              <a:t>	</a:t>
-            </a:r>
-            <a:r>
-              <a:rPr lang="en-US" altLang="ko-KR" sz="3600" dirty="0"/>
-              <a:t>02 Main</a:t>
-            </a:r>
-            <a:r>
-              <a:rPr lang="ko-KR" altLang="en-US" sz="3600" dirty="0"/>
-              <a:t> </a:t>
-            </a:r>
-            <a:r>
-              <a:rPr lang="en-US" altLang="ko-KR" sz="3600" dirty="0"/>
-              <a:t>I </a:t>
-            </a:r>
-            <a:r>
-              <a:rPr lang="en-US" altLang="ko-KR" sz="1800" dirty="0" err="1"/>
-              <a:t>Uihud</a:t>
-            </a:r>
-            <a:endParaRPr lang="ko-KR" altLang="en-US" sz="1800" dirty="0"/>
-          </a:p>
-        </p:txBody>
-      </p:sp>
-      <p:sp>
-        <p:nvSpPr>
-          <p:cNvPr id="6" name="TextBox 5">
-            <a:extLst>
-              <a:ext uri="{FF2B5EF4-FFF2-40B4-BE49-F238E27FC236}">
-                <a16:creationId xmlns:a16="http://schemas.microsoft.com/office/drawing/2014/main" id="{566DE073-E027-5F1E-B460-97939A73D92B}"/>
+          <p:cNvPr id="3" name="TextBox 2">
+            <a:extLst>
+              <a:ext uri="{FF2B5EF4-FFF2-40B4-BE49-F238E27FC236}">
+                <a16:creationId xmlns:a16="http://schemas.microsoft.com/office/drawing/2014/main" id="{D3C3F0E4-32FA-A508-9ACC-840EDFE239EB}"/>
               </a:ext>
             </a:extLst>
           </p:cNvPr>
@@ -5335,18 +7683,13 @@
         </p:nvSpPr>
         <p:spPr>
           <a:xfrm>
-            <a:off x="5545584" y="1166788"/>
-            <a:ext cx="1100831" cy="435006"/>
+            <a:off x="312234" y="1793487"/>
+            <a:ext cx="2152186" cy="646331"/>
           </a:xfrm>
           <a:prstGeom prst="rect">
             <a:avLst/>
           </a:prstGeom>
           <a:noFill/>
-          <a:ln>
-            <a:solidFill>
-              <a:srgbClr val="FF0000"/>
-            </a:solidFill>
-          </a:ln>
         </p:spPr>
         <p:txBody>
           <a:bodyPr wrap="square" rtlCol="0">
@@ -5354,774 +7697,32 @@
           </a:bodyPr>
           <a:lstStyle/>
           <a:p>
-            <a:endParaRPr lang="ko-KR" altLang="en-US" dirty="0"/>
-          </a:p>
-        </p:txBody>
-      </p:sp>
-      <p:cxnSp>
-        <p:nvCxnSpPr>
-          <p:cNvPr id="9" name="연결선: 꺾임 8">
-            <a:extLst>
-              <a:ext uri="{FF2B5EF4-FFF2-40B4-BE49-F238E27FC236}">
-                <a16:creationId xmlns:a16="http://schemas.microsoft.com/office/drawing/2014/main" id="{6580DF77-E8DB-07E5-F512-9D646E4189CF}"/>
-              </a:ext>
-            </a:extLst>
-          </p:cNvPr>
-          <p:cNvCxnSpPr>
-            <a:cxnSpLocks/>
-            <a:stCxn id="6" idx="3"/>
-            <a:endCxn id="10" idx="1"/>
-          </p:cNvCxnSpPr>
-          <p:nvPr/>
-        </p:nvCxnSpPr>
-        <p:spPr>
-          <a:xfrm>
-            <a:off x="6646415" y="1384291"/>
-            <a:ext cx="1639312" cy="1087465"/>
-          </a:xfrm>
-          <a:prstGeom prst="bentConnector3">
-            <a:avLst>
-              <a:gd name="adj1" fmla="val 33754"/>
-            </a:avLst>
-          </a:prstGeom>
-          <a:ln>
-            <a:solidFill>
-              <a:srgbClr val="FF0000"/>
-            </a:solidFill>
-            <a:tailEnd type="triangle"/>
-          </a:ln>
-        </p:spPr>
-        <p:style>
-          <a:lnRef idx="1">
-            <a:schemeClr val="accent1"/>
-          </a:lnRef>
-          <a:fillRef idx="0">
-            <a:schemeClr val="accent1"/>
-          </a:fillRef>
-          <a:effectRef idx="0">
-            <a:schemeClr val="accent1"/>
-          </a:effectRef>
-          <a:fontRef idx="minor">
-            <a:schemeClr val="tx1"/>
-          </a:fontRef>
-        </p:style>
-      </p:cxnSp>
-      <p:sp>
-        <p:nvSpPr>
-          <p:cNvPr id="10" name="TextBox 9">
-            <a:extLst>
-              <a:ext uri="{FF2B5EF4-FFF2-40B4-BE49-F238E27FC236}">
-                <a16:creationId xmlns:a16="http://schemas.microsoft.com/office/drawing/2014/main" id="{6A819467-CA39-B527-ED5F-0FDE074DC97C}"/>
-              </a:ext>
-            </a:extLst>
-          </p:cNvPr>
-          <p:cNvSpPr txBox="1"/>
-          <p:nvPr/>
-        </p:nvSpPr>
-        <p:spPr>
-          <a:xfrm>
-            <a:off x="8285727" y="2333256"/>
-            <a:ext cx="1908699" cy="276999"/>
-          </a:xfrm>
-          <a:prstGeom prst="rect">
-            <a:avLst/>
-          </a:prstGeom>
-          <a:noFill/>
-        </p:spPr>
-        <p:txBody>
-          <a:bodyPr wrap="square" rtlCol="0">
-            <a:spAutoFit/>
-          </a:bodyPr>
-          <a:lstStyle/>
-          <a:p>
-            <a:r>
-              <a:rPr lang="ko-KR" altLang="en-US" sz="1200" dirty="0"/>
-              <a:t>점수 </a:t>
-            </a:r>
-            <a:r>
-              <a:rPr lang="en-US" altLang="ko-KR" sz="1200" dirty="0"/>
-              <a:t>/ </a:t>
-            </a:r>
-            <a:r>
-              <a:rPr lang="ko-KR" altLang="en-US" sz="1200" dirty="0"/>
-              <a:t>이동한 거리</a:t>
-            </a:r>
-          </a:p>
-        </p:txBody>
-      </p:sp>
-      <p:sp>
-        <p:nvSpPr>
-          <p:cNvPr id="12" name="TextBox 11">
-            <a:extLst>
-              <a:ext uri="{FF2B5EF4-FFF2-40B4-BE49-F238E27FC236}">
-                <a16:creationId xmlns:a16="http://schemas.microsoft.com/office/drawing/2014/main" id="{21E0B2F3-8BBE-9768-CEAF-2225E83B176D}"/>
-              </a:ext>
-            </a:extLst>
-          </p:cNvPr>
-          <p:cNvSpPr txBox="1"/>
-          <p:nvPr/>
-        </p:nvSpPr>
-        <p:spPr>
-          <a:xfrm>
-            <a:off x="5333170" y="1648724"/>
-            <a:ext cx="1494215" cy="435006"/>
-          </a:xfrm>
-          <a:prstGeom prst="rect">
-            <a:avLst/>
-          </a:prstGeom>
-          <a:noFill/>
-          <a:ln>
-            <a:solidFill>
-              <a:srgbClr val="FF0000"/>
-            </a:solidFill>
-          </a:ln>
-        </p:spPr>
-        <p:txBody>
-          <a:bodyPr wrap="square" rtlCol="0">
-            <a:spAutoFit/>
-          </a:bodyPr>
-          <a:lstStyle/>
-          <a:p>
-            <a:endParaRPr lang="ko-KR" altLang="en-US" dirty="0"/>
-          </a:p>
-        </p:txBody>
-      </p:sp>
-      <p:sp>
-        <p:nvSpPr>
-          <p:cNvPr id="16" name="TextBox 15">
-            <a:extLst>
-              <a:ext uri="{FF2B5EF4-FFF2-40B4-BE49-F238E27FC236}">
-                <a16:creationId xmlns:a16="http://schemas.microsoft.com/office/drawing/2014/main" id="{1A896006-1F55-2348-2BEC-45C78E36C0C4}"/>
-              </a:ext>
-            </a:extLst>
-          </p:cNvPr>
-          <p:cNvSpPr txBox="1"/>
-          <p:nvPr/>
-        </p:nvSpPr>
-        <p:spPr>
-          <a:xfrm>
-            <a:off x="8211842" y="3914924"/>
-            <a:ext cx="3039737" cy="646331"/>
-          </a:xfrm>
-          <a:prstGeom prst="rect">
-            <a:avLst/>
-          </a:prstGeom>
-          <a:noFill/>
-        </p:spPr>
-        <p:txBody>
-          <a:bodyPr wrap="square" rtlCol="0">
-            <a:spAutoFit/>
-          </a:bodyPr>
-          <a:lstStyle/>
-          <a:p>
-            <a:r>
-              <a:rPr lang="ko-KR" altLang="en-US" sz="1200" dirty="0"/>
-              <a:t>상단</a:t>
-            </a:r>
-            <a:r>
-              <a:rPr lang="en-US" altLang="ko-KR" sz="1200" dirty="0"/>
-              <a:t>: </a:t>
-            </a:r>
-            <a:r>
-              <a:rPr lang="ko-KR" altLang="en-US" sz="1200" dirty="0"/>
-              <a:t>보스 </a:t>
-            </a:r>
-            <a:r>
-              <a:rPr lang="ko-KR" altLang="en-US" sz="1200" dirty="0" err="1"/>
-              <a:t>체력게이지</a:t>
-            </a:r>
-            <a:endParaRPr lang="en-US" altLang="ko-KR" sz="1200" dirty="0"/>
-          </a:p>
-          <a:p>
-            <a:r>
-              <a:rPr lang="ko-KR" altLang="en-US" sz="1200" dirty="0"/>
-              <a:t>하단</a:t>
-            </a:r>
-            <a:r>
-              <a:rPr lang="en-US" altLang="ko-KR" sz="1200" dirty="0"/>
-              <a:t>: </a:t>
-            </a:r>
-            <a:r>
-              <a:rPr lang="ko-KR" altLang="en-US" sz="1200" dirty="0"/>
-              <a:t>보스 클리어까지 남은 시간</a:t>
-            </a:r>
-            <a:endParaRPr lang="en-US" altLang="ko-KR" sz="1200" dirty="0"/>
-          </a:p>
-          <a:p>
-            <a:r>
-              <a:rPr lang="en-US" altLang="ko-KR" sz="1200" dirty="0"/>
-              <a:t>(</a:t>
-            </a:r>
-            <a:r>
-              <a:rPr lang="ko-KR" altLang="en-US" sz="1200" dirty="0"/>
-              <a:t>시간 초과 시 게임오버 </a:t>
-            </a:r>
-            <a:r>
-              <a:rPr lang="en-US" altLang="ko-KR" sz="1200" dirty="0"/>
-              <a:t>or </a:t>
-            </a:r>
-            <a:r>
-              <a:rPr lang="ko-KR" altLang="en-US" sz="1200" dirty="0"/>
-              <a:t>보스 </a:t>
-            </a:r>
-            <a:r>
-              <a:rPr lang="ko-KR" altLang="en-US" sz="1200" dirty="0" err="1"/>
-              <a:t>도망감</a:t>
-            </a:r>
-            <a:r>
-              <a:rPr lang="en-US" altLang="ko-KR" sz="1200" dirty="0"/>
-              <a:t>)</a:t>
-            </a:r>
-            <a:endParaRPr lang="ko-KR" altLang="en-US" sz="1200" dirty="0"/>
-          </a:p>
-        </p:txBody>
-      </p:sp>
-      <p:sp>
-        <p:nvSpPr>
-          <p:cNvPr id="17" name="TextBox 16">
-            <a:extLst>
-              <a:ext uri="{FF2B5EF4-FFF2-40B4-BE49-F238E27FC236}">
-                <a16:creationId xmlns:a16="http://schemas.microsoft.com/office/drawing/2014/main" id="{0ECB93C1-EB8B-F4F7-E312-EF29FB3EC0ED}"/>
-              </a:ext>
-            </a:extLst>
-          </p:cNvPr>
-          <p:cNvSpPr txBox="1"/>
-          <p:nvPr/>
-        </p:nvSpPr>
-        <p:spPr>
-          <a:xfrm>
-            <a:off x="7376104" y="1167274"/>
-            <a:ext cx="269097" cy="282606"/>
-          </a:xfrm>
-          <a:prstGeom prst="rect">
-            <a:avLst/>
-          </a:prstGeom>
-          <a:noFill/>
-          <a:ln>
-            <a:solidFill>
-              <a:srgbClr val="FF0000"/>
-            </a:solidFill>
-          </a:ln>
-        </p:spPr>
-        <p:txBody>
-          <a:bodyPr wrap="square" rtlCol="0">
-            <a:spAutoFit/>
-          </a:bodyPr>
-          <a:lstStyle/>
-          <a:p>
-            <a:endParaRPr lang="ko-KR" altLang="en-US" dirty="0"/>
-          </a:p>
-        </p:txBody>
-      </p:sp>
-      <p:cxnSp>
-        <p:nvCxnSpPr>
-          <p:cNvPr id="18" name="직선 화살표 연결선 17">
-            <a:extLst>
-              <a:ext uri="{FF2B5EF4-FFF2-40B4-BE49-F238E27FC236}">
-                <a16:creationId xmlns:a16="http://schemas.microsoft.com/office/drawing/2014/main" id="{F180F2DA-BBA4-0E6F-3760-4AD96EABDB5D}"/>
-              </a:ext>
-            </a:extLst>
-          </p:cNvPr>
-          <p:cNvCxnSpPr>
-            <a:cxnSpLocks/>
-          </p:cNvCxnSpPr>
-          <p:nvPr/>
-        </p:nvCxnSpPr>
-        <p:spPr>
-          <a:xfrm flipV="1">
-            <a:off x="7666284" y="1304354"/>
-            <a:ext cx="624299" cy="1719"/>
-          </a:xfrm>
-          <a:prstGeom prst="straightConnector1">
-            <a:avLst/>
-          </a:prstGeom>
-          <a:ln>
-            <a:solidFill>
-              <a:srgbClr val="FF0000"/>
-            </a:solidFill>
-            <a:tailEnd type="triangle"/>
-          </a:ln>
-        </p:spPr>
-        <p:style>
-          <a:lnRef idx="1">
-            <a:schemeClr val="accent1"/>
-          </a:lnRef>
-          <a:fillRef idx="0">
-            <a:schemeClr val="accent1"/>
-          </a:fillRef>
-          <a:effectRef idx="0">
-            <a:schemeClr val="accent1"/>
-          </a:effectRef>
-          <a:fontRef idx="minor">
-            <a:schemeClr val="tx1"/>
-          </a:fontRef>
-        </p:style>
-      </p:cxnSp>
-      <p:sp>
-        <p:nvSpPr>
-          <p:cNvPr id="20" name="TextBox 19">
-            <a:extLst>
-              <a:ext uri="{FF2B5EF4-FFF2-40B4-BE49-F238E27FC236}">
-                <a16:creationId xmlns:a16="http://schemas.microsoft.com/office/drawing/2014/main" id="{6B0A8AB3-7071-3FC4-1C4C-2D47EB71F08E}"/>
-              </a:ext>
-            </a:extLst>
-          </p:cNvPr>
-          <p:cNvSpPr txBox="1"/>
-          <p:nvPr/>
-        </p:nvSpPr>
-        <p:spPr>
-          <a:xfrm>
-            <a:off x="8295439" y="1094730"/>
-            <a:ext cx="1908699" cy="461665"/>
-          </a:xfrm>
-          <a:prstGeom prst="rect">
-            <a:avLst/>
-          </a:prstGeom>
-          <a:noFill/>
-        </p:spPr>
-        <p:txBody>
-          <a:bodyPr wrap="square" rtlCol="0">
-            <a:spAutoFit/>
-          </a:bodyPr>
-          <a:lstStyle/>
-          <a:p>
-            <a:r>
-              <a:rPr lang="ko-KR" altLang="en-US" sz="1200" dirty="0"/>
-              <a:t>일시 정지</a:t>
-            </a:r>
-            <a:endParaRPr lang="en-US" altLang="ko-KR" sz="1200" dirty="0"/>
-          </a:p>
-          <a:p>
-            <a:r>
-              <a:rPr lang="en-US" altLang="ko-KR" sz="1200" dirty="0" err="1"/>
-              <a:t>popup_pause</a:t>
-            </a:r>
-            <a:r>
-              <a:rPr lang="en-US" altLang="ko-KR" sz="1200" dirty="0"/>
-              <a:t> </a:t>
-            </a:r>
-            <a:r>
-              <a:rPr lang="ko-KR" altLang="en-US" sz="1200" dirty="0"/>
-              <a:t>팝업 출력</a:t>
-            </a:r>
-          </a:p>
-        </p:txBody>
-      </p:sp>
-      <p:cxnSp>
-        <p:nvCxnSpPr>
-          <p:cNvPr id="30" name="연결선: 꺾임 29">
-            <a:extLst>
-              <a:ext uri="{FF2B5EF4-FFF2-40B4-BE49-F238E27FC236}">
-                <a16:creationId xmlns:a16="http://schemas.microsoft.com/office/drawing/2014/main" id="{80B105DD-B9F3-9895-56CA-A847DDE2B5D2}"/>
-              </a:ext>
-            </a:extLst>
-          </p:cNvPr>
-          <p:cNvCxnSpPr>
-            <a:cxnSpLocks/>
-            <a:stCxn id="12" idx="2"/>
-            <a:endCxn id="16" idx="1"/>
-          </p:cNvCxnSpPr>
-          <p:nvPr/>
-        </p:nvCxnSpPr>
-        <p:spPr>
-          <a:xfrm rot="16200000" flipH="1">
-            <a:off x="6068880" y="2095128"/>
-            <a:ext cx="2154360" cy="2131564"/>
-          </a:xfrm>
-          <a:prstGeom prst="bentConnector2">
-            <a:avLst/>
-          </a:prstGeom>
-          <a:ln>
-            <a:solidFill>
-              <a:srgbClr val="FF0000"/>
-            </a:solidFill>
-            <a:tailEnd type="triangle"/>
-          </a:ln>
-        </p:spPr>
-        <p:style>
-          <a:lnRef idx="1">
-            <a:schemeClr val="accent1"/>
-          </a:lnRef>
-          <a:fillRef idx="0">
-            <a:schemeClr val="accent1"/>
-          </a:fillRef>
-          <a:effectRef idx="0">
-            <a:schemeClr val="accent1"/>
-          </a:effectRef>
-          <a:fontRef idx="minor">
-            <a:schemeClr val="tx1"/>
-          </a:fontRef>
-        </p:style>
-      </p:cxnSp>
-      <p:sp>
-        <p:nvSpPr>
-          <p:cNvPr id="38" name="TextBox 37">
-            <a:extLst>
-              <a:ext uri="{FF2B5EF4-FFF2-40B4-BE49-F238E27FC236}">
-                <a16:creationId xmlns:a16="http://schemas.microsoft.com/office/drawing/2014/main" id="{0E6A6FC0-8B38-006E-8416-568D1980A3E4}"/>
-              </a:ext>
-            </a:extLst>
-          </p:cNvPr>
-          <p:cNvSpPr txBox="1"/>
-          <p:nvPr/>
-        </p:nvSpPr>
-        <p:spPr>
-          <a:xfrm>
-            <a:off x="4489416" y="1184259"/>
-            <a:ext cx="659633" cy="282606"/>
-          </a:xfrm>
-          <a:prstGeom prst="rect">
-            <a:avLst/>
-          </a:prstGeom>
-          <a:noFill/>
-          <a:ln>
-            <a:solidFill>
-              <a:srgbClr val="FF0000"/>
-            </a:solidFill>
-          </a:ln>
-        </p:spPr>
-        <p:txBody>
-          <a:bodyPr wrap="square" rtlCol="0">
-            <a:spAutoFit/>
-          </a:bodyPr>
-          <a:lstStyle/>
-          <a:p>
-            <a:endParaRPr lang="ko-KR" altLang="en-US" dirty="0"/>
-          </a:p>
-        </p:txBody>
-      </p:sp>
-      <p:cxnSp>
-        <p:nvCxnSpPr>
-          <p:cNvPr id="39" name="직선 화살표 연결선 38">
-            <a:extLst>
-              <a:ext uri="{FF2B5EF4-FFF2-40B4-BE49-F238E27FC236}">
-                <a16:creationId xmlns:a16="http://schemas.microsoft.com/office/drawing/2014/main" id="{797863FE-CE00-96DF-4EC2-BFF1431AE439}"/>
-              </a:ext>
-            </a:extLst>
-          </p:cNvPr>
-          <p:cNvCxnSpPr>
-            <a:cxnSpLocks/>
-            <a:stCxn id="38" idx="1"/>
-            <a:endCxn id="42" idx="3"/>
-          </p:cNvCxnSpPr>
-          <p:nvPr/>
-        </p:nvCxnSpPr>
-        <p:spPr>
-          <a:xfrm flipH="1">
-            <a:off x="3508683" y="1325562"/>
-            <a:ext cx="980733" cy="2804"/>
-          </a:xfrm>
-          <a:prstGeom prst="straightConnector1">
-            <a:avLst/>
-          </a:prstGeom>
-          <a:ln>
-            <a:solidFill>
-              <a:srgbClr val="FF0000"/>
-            </a:solidFill>
-            <a:tailEnd type="triangle"/>
-          </a:ln>
-        </p:spPr>
-        <p:style>
-          <a:lnRef idx="1">
-            <a:schemeClr val="accent1"/>
-          </a:lnRef>
-          <a:fillRef idx="0">
-            <a:schemeClr val="accent1"/>
-          </a:fillRef>
-          <a:effectRef idx="0">
-            <a:schemeClr val="accent1"/>
-          </a:effectRef>
-          <a:fontRef idx="minor">
-            <a:schemeClr val="tx1"/>
-          </a:fontRef>
-        </p:style>
-      </p:cxnSp>
-      <p:sp>
-        <p:nvSpPr>
-          <p:cNvPr id="42" name="TextBox 41">
-            <a:extLst>
-              <a:ext uri="{FF2B5EF4-FFF2-40B4-BE49-F238E27FC236}">
-                <a16:creationId xmlns:a16="http://schemas.microsoft.com/office/drawing/2014/main" id="{23214D35-0205-2A59-C526-04FF67558CB4}"/>
-              </a:ext>
-            </a:extLst>
-          </p:cNvPr>
-          <p:cNvSpPr txBox="1"/>
-          <p:nvPr/>
-        </p:nvSpPr>
-        <p:spPr>
-          <a:xfrm>
-            <a:off x="1599984" y="1189866"/>
-            <a:ext cx="1908699" cy="276999"/>
-          </a:xfrm>
-          <a:prstGeom prst="rect">
-            <a:avLst/>
-          </a:prstGeom>
-          <a:noFill/>
-        </p:spPr>
-        <p:txBody>
-          <a:bodyPr wrap="square" rtlCol="0">
-            <a:spAutoFit/>
-          </a:bodyPr>
-          <a:lstStyle/>
-          <a:p>
-            <a:pPr algn="r"/>
-            <a:r>
-              <a:rPr lang="ko-KR" altLang="en-US" sz="1200" dirty="0"/>
-              <a:t>플레이어 </a:t>
-            </a:r>
-            <a:r>
-              <a:rPr lang="en-US" altLang="ko-KR" sz="1200" dirty="0"/>
-              <a:t>HP</a:t>
-            </a:r>
-            <a:endParaRPr lang="ko-KR" altLang="en-US" sz="1200" dirty="0"/>
-          </a:p>
-        </p:txBody>
-      </p:sp>
-      <p:sp>
-        <p:nvSpPr>
-          <p:cNvPr id="45" name="TextBox 44">
-            <a:extLst>
-              <a:ext uri="{FF2B5EF4-FFF2-40B4-BE49-F238E27FC236}">
-                <a16:creationId xmlns:a16="http://schemas.microsoft.com/office/drawing/2014/main" id="{6AA7F4FB-2C4B-2270-06A4-8C86212598EC}"/>
-              </a:ext>
-            </a:extLst>
-          </p:cNvPr>
-          <p:cNvSpPr txBox="1"/>
-          <p:nvPr/>
-        </p:nvSpPr>
-        <p:spPr>
-          <a:xfrm>
-            <a:off x="5384400" y="6137465"/>
-            <a:ext cx="2131565" cy="435006"/>
-          </a:xfrm>
-          <a:prstGeom prst="rect">
-            <a:avLst/>
-          </a:prstGeom>
-          <a:noFill/>
-          <a:ln>
-            <a:solidFill>
-              <a:srgbClr val="FF0000"/>
-            </a:solidFill>
-          </a:ln>
-        </p:spPr>
-        <p:txBody>
-          <a:bodyPr wrap="square" rtlCol="0">
-            <a:spAutoFit/>
-          </a:bodyPr>
-          <a:lstStyle/>
-          <a:p>
-            <a:endParaRPr lang="ko-KR" altLang="en-US" dirty="0"/>
-          </a:p>
-        </p:txBody>
-      </p:sp>
-      <p:cxnSp>
-        <p:nvCxnSpPr>
-          <p:cNvPr id="46" name="직선 화살표 연결선 45">
-            <a:extLst>
-              <a:ext uri="{FF2B5EF4-FFF2-40B4-BE49-F238E27FC236}">
-                <a16:creationId xmlns:a16="http://schemas.microsoft.com/office/drawing/2014/main" id="{F7798FB7-A985-DD03-02F4-D956D9B5F88F}"/>
-              </a:ext>
-            </a:extLst>
-          </p:cNvPr>
-          <p:cNvCxnSpPr>
-            <a:cxnSpLocks/>
-            <a:stCxn id="45" idx="3"/>
-          </p:cNvCxnSpPr>
-          <p:nvPr/>
-        </p:nvCxnSpPr>
-        <p:spPr>
-          <a:xfrm>
-            <a:off x="7515965" y="6354968"/>
-            <a:ext cx="695878" cy="0"/>
-          </a:xfrm>
-          <a:prstGeom prst="straightConnector1">
-            <a:avLst/>
-          </a:prstGeom>
-          <a:ln>
-            <a:solidFill>
-              <a:srgbClr val="FF0000"/>
-            </a:solidFill>
-            <a:tailEnd type="triangle"/>
-          </a:ln>
-        </p:spPr>
-        <p:style>
-          <a:lnRef idx="1">
-            <a:schemeClr val="accent1"/>
-          </a:lnRef>
-          <a:fillRef idx="0">
-            <a:schemeClr val="accent1"/>
-          </a:fillRef>
-          <a:effectRef idx="0">
-            <a:schemeClr val="accent1"/>
-          </a:effectRef>
-          <a:fontRef idx="minor">
-            <a:schemeClr val="tx1"/>
-          </a:fontRef>
-        </p:style>
-      </p:cxnSp>
-      <p:sp>
-        <p:nvSpPr>
-          <p:cNvPr id="49" name="TextBox 48">
-            <a:extLst>
-              <a:ext uri="{FF2B5EF4-FFF2-40B4-BE49-F238E27FC236}">
-                <a16:creationId xmlns:a16="http://schemas.microsoft.com/office/drawing/2014/main" id="{1D0A1E80-F99A-5ACF-E585-A50BB25CABF4}"/>
-              </a:ext>
-            </a:extLst>
-          </p:cNvPr>
-          <p:cNvSpPr txBox="1"/>
-          <p:nvPr/>
-        </p:nvSpPr>
-        <p:spPr>
-          <a:xfrm>
-            <a:off x="8211842" y="6124135"/>
-            <a:ext cx="3980157" cy="461665"/>
-          </a:xfrm>
-          <a:prstGeom prst="rect">
-            <a:avLst/>
-          </a:prstGeom>
-          <a:noFill/>
-        </p:spPr>
-        <p:txBody>
-          <a:bodyPr wrap="square" rtlCol="0">
-            <a:spAutoFit/>
-          </a:bodyPr>
-          <a:lstStyle/>
-          <a:p>
-            <a:pPr marL="228600" indent="-228600">
-              <a:buAutoNum type="arabicPeriod"/>
-            </a:pPr>
-            <a:r>
-              <a:rPr lang="ko-KR" altLang="en-US" sz="1200" dirty="0"/>
-              <a:t>아이템 획득 시 말풍선으로 간단 설명 출력</a:t>
-            </a:r>
-            <a:r>
-              <a:rPr lang="en-US" altLang="ko-KR" sz="1200" dirty="0"/>
-              <a:t>(3</a:t>
-            </a:r>
-            <a:r>
-              <a:rPr lang="ko-KR" altLang="en-US" sz="1200" dirty="0" err="1"/>
-              <a:t>초정도</a:t>
-            </a:r>
-            <a:r>
-              <a:rPr lang="en-US" altLang="ko-KR" sz="1200" dirty="0"/>
-              <a:t>)</a:t>
-            </a:r>
-          </a:p>
-          <a:p>
-            <a:pPr marL="228600" indent="-228600">
-              <a:buAutoNum type="arabicPeriod"/>
-            </a:pPr>
-            <a:r>
-              <a:rPr lang="ko-KR" altLang="en-US" sz="1200" dirty="0"/>
-              <a:t>아이템 버튼</a:t>
-            </a:r>
-          </a:p>
-        </p:txBody>
-      </p:sp>
-      <p:sp>
-        <p:nvSpPr>
-          <p:cNvPr id="50" name="타원 49">
-            <a:extLst>
-              <a:ext uri="{FF2B5EF4-FFF2-40B4-BE49-F238E27FC236}">
-                <a16:creationId xmlns:a16="http://schemas.microsoft.com/office/drawing/2014/main" id="{497007FF-1D0E-BD2B-56C0-C1592E3C0818}"/>
-              </a:ext>
-            </a:extLst>
-          </p:cNvPr>
-          <p:cNvSpPr/>
-          <p:nvPr/>
-        </p:nvSpPr>
-        <p:spPr>
-          <a:xfrm>
-            <a:off x="6321155" y="6234918"/>
-            <a:ext cx="246451" cy="240100"/>
-          </a:xfrm>
-          <a:prstGeom prst="ellipse">
-            <a:avLst/>
-          </a:prstGeom>
-        </p:spPr>
-        <p:style>
-          <a:lnRef idx="2">
-            <a:schemeClr val="accent1">
-              <a:shade val="15000"/>
-            </a:schemeClr>
-          </a:lnRef>
-          <a:fillRef idx="1">
-            <a:schemeClr val="accent1"/>
-          </a:fillRef>
-          <a:effectRef idx="0">
-            <a:schemeClr val="accent1"/>
-          </a:effectRef>
-          <a:fontRef idx="minor">
-            <a:schemeClr val="lt1"/>
-          </a:fontRef>
-        </p:style>
-        <p:txBody>
-          <a:bodyPr rtlCol="0" anchor="ctr"/>
-          <a:lstStyle/>
-          <a:p>
-            <a:pPr algn="ctr"/>
             <a:r>
               <a:rPr lang="en-US" altLang="ko-KR" dirty="0"/>
-              <a:t>1</a:t>
-            </a:r>
-            <a:endParaRPr lang="ko-KR" altLang="en-US" dirty="0"/>
-          </a:p>
-        </p:txBody>
-      </p:sp>
-      <p:sp>
-        <p:nvSpPr>
-          <p:cNvPr id="52" name="타원 51">
-            <a:extLst>
-              <a:ext uri="{FF2B5EF4-FFF2-40B4-BE49-F238E27FC236}">
-                <a16:creationId xmlns:a16="http://schemas.microsoft.com/office/drawing/2014/main" id="{614C1EF6-7D3E-C3E9-3F88-69C3E800AF47}"/>
-              </a:ext>
-            </a:extLst>
-          </p:cNvPr>
-          <p:cNvSpPr/>
-          <p:nvPr/>
-        </p:nvSpPr>
-        <p:spPr>
-          <a:xfrm>
-            <a:off x="7201617" y="6234916"/>
-            <a:ext cx="258053" cy="240101"/>
-          </a:xfrm>
-          <a:prstGeom prst="ellipse">
-            <a:avLst/>
-          </a:prstGeom>
-        </p:spPr>
-        <p:style>
-          <a:lnRef idx="2">
-            <a:schemeClr val="accent1">
-              <a:shade val="15000"/>
-            </a:schemeClr>
-          </a:lnRef>
-          <a:fillRef idx="1">
-            <a:schemeClr val="accent1"/>
-          </a:fillRef>
-          <a:effectRef idx="0">
-            <a:schemeClr val="accent1"/>
-          </a:effectRef>
-          <a:fontRef idx="minor">
-            <a:schemeClr val="lt1"/>
-          </a:fontRef>
-        </p:style>
-        <p:txBody>
-          <a:bodyPr rtlCol="0" anchor="ctr"/>
-          <a:lstStyle/>
-          <a:p>
-            <a:pPr algn="ctr"/>
+              <a:t>**</a:t>
+            </a:r>
+            <a:r>
+              <a:rPr lang="ko-KR" altLang="en-US" dirty="0"/>
+              <a:t>사운드 제거 버튼</a:t>
+            </a:r>
+            <a:endParaRPr lang="en-US" altLang="ko-KR" dirty="0"/>
+          </a:p>
+          <a:p>
             <a:r>
               <a:rPr lang="en-US" altLang="ko-KR" dirty="0"/>
-              <a:t>2</a:t>
-            </a:r>
-            <a:endParaRPr lang="ko-KR" altLang="en-US" dirty="0"/>
+              <a:t>**</a:t>
+            </a:r>
+            <a:r>
+              <a:rPr lang="ko-KR" altLang="en-US" dirty="0"/>
+              <a:t>공지버튼</a:t>
+            </a:r>
           </a:p>
         </p:txBody>
       </p:sp>
     </p:spTree>
     <p:extLst>
       <p:ext uri="{BB962C8B-B14F-4D97-AF65-F5344CB8AC3E}">
-        <p14:creationId xmlns:p14="http://schemas.microsoft.com/office/powerpoint/2010/main" val="473151601"/>
+        <p14:creationId xmlns:p14="http://schemas.microsoft.com/office/powerpoint/2010/main" val="3128610046"/>
       </p:ext>
     </p:extLst>
   </p:cSld>
@@ -6150,60 +7751,73 @@
       </p:grpSpPr>
       <p:sp>
         <p:nvSpPr>
-          <p:cNvPr id="2" name="제목 1">
-            <a:extLst>
-              <a:ext uri="{FF2B5EF4-FFF2-40B4-BE49-F238E27FC236}">
-                <a16:creationId xmlns:a16="http://schemas.microsoft.com/office/drawing/2014/main" id="{2F4B5067-141B-FEA8-3288-BEDA5E8D63BD}"/>
-              </a:ext>
-            </a:extLst>
-          </p:cNvPr>
-          <p:cNvSpPr>
-            <a:spLocks noGrp="1"/>
+          <p:cNvPr id="14" name="제목 1">
+            <a:extLst>
+              <a:ext uri="{FF2B5EF4-FFF2-40B4-BE49-F238E27FC236}">
+                <a16:creationId xmlns:a16="http://schemas.microsoft.com/office/drawing/2014/main" id="{7AD69CB8-C237-196A-5D6D-847501E27DA7}"/>
+              </a:ext>
+            </a:extLst>
+          </p:cNvPr>
+          <p:cNvSpPr txBox="1">
+            <a:spLocks/>
           </p:cNvSpPr>
-          <p:nvPr>
-            <p:ph type="title"/>
-          </p:nvPr>
+          <p:nvPr/>
         </p:nvSpPr>
         <p:spPr>
           <a:xfrm>
             <a:off x="0" y="1"/>
             <a:ext cx="12192000" cy="1069694"/>
           </a:xfrm>
-        </p:spPr>
-        <p:txBody>
-          <a:bodyPr/>
-          <a:lstStyle/>
-          <a:p>
-            <a:r>
-              <a:rPr lang="en-US" altLang="ko-KR" strike="sngStrike" dirty="0"/>
+          <a:prstGeom prst="rect">
+            <a:avLst/>
+          </a:prstGeom>
+        </p:spPr>
+        <p:txBody>
+          <a:bodyPr vert="horz" lIns="91440" tIns="45720" rIns="91440" bIns="45720" rtlCol="0" anchor="ctr">
+            <a:normAutofit/>
+          </a:bodyPr>
+          <a:lstStyle>
+            <a:lvl1pPr algn="l" defTabSz="914400" rtl="0" eaLnBrk="1" latinLnBrk="1" hangingPunct="1">
+              <a:lnSpc>
+                <a:spcPct val="90000"/>
+              </a:lnSpc>
+              <a:spcBef>
+                <a:spcPct val="0"/>
+              </a:spcBef>
+              <a:buNone/>
+              <a:defRPr sz="4400" kern="1200">
+                <a:solidFill>
+                  <a:schemeClr val="tx1"/>
+                </a:solidFill>
+                <a:latin typeface="+mj-lt"/>
+                <a:ea typeface="+mj-ea"/>
+                <a:cs typeface="+mj-cs"/>
+              </a:defRPr>
+            </a:lvl1pPr>
+          </a:lstStyle>
+          <a:p>
+            <a:r>
+              <a:rPr lang="en-US" altLang="ko-KR" dirty="0"/>
               <a:t>	</a:t>
             </a:r>
             <a:r>
-              <a:rPr lang="en-US" altLang="ko-KR" sz="3600" strike="sngStrike" dirty="0"/>
-              <a:t>02 Main</a:t>
-            </a:r>
-            <a:r>
-              <a:rPr lang="ko-KR" altLang="en-US" sz="3600" strike="sngStrike" dirty="0"/>
-              <a:t> </a:t>
-            </a:r>
-            <a:r>
-              <a:rPr lang="en-US" altLang="ko-KR" sz="3600" strike="sngStrike" dirty="0"/>
-              <a:t>I </a:t>
-            </a:r>
-            <a:r>
-              <a:rPr lang="en-US" altLang="ko-KR" sz="1800" strike="sngStrike" dirty="0" err="1"/>
-              <a:t>popup_pause</a:t>
-            </a:r>
-            <a:endParaRPr lang="ko-KR" altLang="en-US" sz="1800" strike="sngStrike" dirty="0"/>
+              <a:rPr lang="en-US" altLang="ko-KR" sz="3600" dirty="0"/>
+              <a:t>01 Lobby I </a:t>
+            </a:r>
+            <a:r>
+              <a:rPr lang="en-US" altLang="ko-KR" sz="1800" dirty="0" err="1"/>
+              <a:t>ui_lobby_tap_truck</a:t>
+            </a:r>
+            <a:endParaRPr lang="ko-KR" altLang="en-US" sz="1800" dirty="0"/>
           </a:p>
         </p:txBody>
       </p:sp>
       <p:pic>
         <p:nvPicPr>
-          <p:cNvPr id="4" name="그림 3">
-            <a:extLst>
-              <a:ext uri="{FF2B5EF4-FFF2-40B4-BE49-F238E27FC236}">
-                <a16:creationId xmlns:a16="http://schemas.microsoft.com/office/drawing/2014/main" id="{5F52085F-5912-DC47-8751-B279B01CF529}"/>
+          <p:cNvPr id="19" name="그림 18">
+            <a:extLst>
+              <a:ext uri="{FF2B5EF4-FFF2-40B4-BE49-F238E27FC236}">
+                <a16:creationId xmlns:a16="http://schemas.microsoft.com/office/drawing/2014/main" id="{984676DB-36A5-2A62-3591-2AC885954327}"/>
               </a:ext>
             </a:extLst>
           </p:cNvPr>
@@ -6220,8 +7834,120 @@
         </p:blipFill>
         <p:spPr>
           <a:xfrm>
-            <a:off x="4491906" y="1227117"/>
-            <a:ext cx="3208187" cy="5497069"/>
+            <a:off x="1561272" y="1066967"/>
+            <a:ext cx="3240155" cy="5596631"/>
+          </a:xfrm>
+          <a:prstGeom prst="rect">
+            <a:avLst/>
+          </a:prstGeom>
+        </p:spPr>
+      </p:pic>
+      <p:sp>
+        <p:nvSpPr>
+          <p:cNvPr id="36" name="TextBox 35">
+            <a:extLst>
+              <a:ext uri="{FF2B5EF4-FFF2-40B4-BE49-F238E27FC236}">
+                <a16:creationId xmlns:a16="http://schemas.microsoft.com/office/drawing/2014/main" id="{0AA6F3A1-B763-1F83-8F67-A27EC9A51CF4}"/>
+              </a:ext>
+            </a:extLst>
+          </p:cNvPr>
+          <p:cNvSpPr txBox="1"/>
+          <p:nvPr/>
+        </p:nvSpPr>
+        <p:spPr>
+          <a:xfrm>
+            <a:off x="2059551" y="6225022"/>
+            <a:ext cx="812880" cy="438576"/>
+          </a:xfrm>
+          <a:prstGeom prst="rect">
+            <a:avLst/>
+          </a:prstGeom>
+          <a:noFill/>
+          <a:ln>
+            <a:solidFill>
+              <a:srgbClr val="FF0000"/>
+            </a:solidFill>
+          </a:ln>
+        </p:spPr>
+        <p:txBody>
+          <a:bodyPr wrap="square" rtlCol="0">
+            <a:spAutoFit/>
+          </a:bodyPr>
+          <a:lstStyle/>
+          <a:p>
+            <a:endParaRPr lang="ko-KR" altLang="en-US" dirty="0"/>
+          </a:p>
+        </p:txBody>
+      </p:sp>
+      <p:cxnSp>
+        <p:nvCxnSpPr>
+          <p:cNvPr id="4" name="연결선: 꺾임 3">
+            <a:extLst>
+              <a:ext uri="{FF2B5EF4-FFF2-40B4-BE49-F238E27FC236}">
+                <a16:creationId xmlns:a16="http://schemas.microsoft.com/office/drawing/2014/main" id="{ABF94C3F-1E13-A048-6803-211F6E18D9D7}"/>
+              </a:ext>
+            </a:extLst>
+          </p:cNvPr>
+          <p:cNvCxnSpPr>
+            <a:cxnSpLocks/>
+            <a:stCxn id="36" idx="0"/>
+          </p:cNvCxnSpPr>
+          <p:nvPr/>
+        </p:nvCxnSpPr>
+        <p:spPr>
+          <a:xfrm rot="5400000" flipH="1" flipV="1">
+            <a:off x="3971221" y="4112258"/>
+            <a:ext cx="607535" cy="3617994"/>
+          </a:xfrm>
+          <a:prstGeom prst="bentConnector2">
+            <a:avLst/>
+          </a:prstGeom>
+          <a:ln>
+            <a:solidFill>
+              <a:srgbClr val="FF0000"/>
+            </a:solidFill>
+            <a:tailEnd type="triangle"/>
+          </a:ln>
+        </p:spPr>
+        <p:style>
+          <a:lnRef idx="1">
+            <a:schemeClr val="accent1"/>
+          </a:lnRef>
+          <a:fillRef idx="0">
+            <a:schemeClr val="accent1"/>
+          </a:fillRef>
+          <a:effectRef idx="0">
+            <a:schemeClr val="accent1"/>
+          </a:effectRef>
+          <a:fontRef idx="minor">
+            <a:schemeClr val="tx1"/>
+          </a:fontRef>
+        </p:style>
+      </p:cxnSp>
+      <p:pic>
+        <p:nvPicPr>
+          <p:cNvPr id="13" name="그림 12">
+            <a:extLst>
+              <a:ext uri="{FF2B5EF4-FFF2-40B4-BE49-F238E27FC236}">
+                <a16:creationId xmlns:a16="http://schemas.microsoft.com/office/drawing/2014/main" id="{F0ABA406-6B0F-BD87-4D2D-6F40435B11A9}"/>
+              </a:ext>
+            </a:extLst>
+          </p:cNvPr>
+          <p:cNvPicPr>
+            <a:picLocks noChangeAspect="1"/>
+          </p:cNvPicPr>
+          <p:nvPr/>
+        </p:nvPicPr>
+        <p:blipFill>
+          <a:blip r:embed="rId3"/>
+          <a:stretch>
+            <a:fillRect/>
+          </a:stretch>
+        </p:blipFill>
+        <p:spPr>
+          <a:xfrm>
+            <a:off x="6148041" y="1043848"/>
+            <a:ext cx="3190875" cy="5619750"/>
           </a:xfrm>
           <a:prstGeom prst="rect">
             <a:avLst/>
@@ -6231,7 +7957,7 @@
     </p:spTree>
     <p:extLst>
       <p:ext uri="{BB962C8B-B14F-4D97-AF65-F5344CB8AC3E}">
-        <p14:creationId xmlns:p14="http://schemas.microsoft.com/office/powerpoint/2010/main" val="1769308928"/>
+        <p14:creationId xmlns:p14="http://schemas.microsoft.com/office/powerpoint/2010/main" val="2783967312"/>
       </p:ext>
     </p:extLst>
   </p:cSld>
@@ -6258,12 +7984,75 @@
           <a:chExt cx="0" cy="0"/>
         </a:xfrm>
       </p:grpSpPr>
+      <p:sp>
+        <p:nvSpPr>
+          <p:cNvPr id="14" name="제목 1">
+            <a:extLst>
+              <a:ext uri="{FF2B5EF4-FFF2-40B4-BE49-F238E27FC236}">
+                <a16:creationId xmlns:a16="http://schemas.microsoft.com/office/drawing/2014/main" id="{7AD69CB8-C237-196A-5D6D-847501E27DA7}"/>
+              </a:ext>
+            </a:extLst>
+          </p:cNvPr>
+          <p:cNvSpPr txBox="1">
+            <a:spLocks/>
+          </p:cNvSpPr>
+          <p:nvPr/>
+        </p:nvSpPr>
+        <p:spPr>
+          <a:xfrm>
+            <a:off x="0" y="1"/>
+            <a:ext cx="12192000" cy="1069694"/>
+          </a:xfrm>
+          <a:prstGeom prst="rect">
+            <a:avLst/>
+          </a:prstGeom>
+        </p:spPr>
+        <p:txBody>
+          <a:bodyPr vert="horz" lIns="91440" tIns="45720" rIns="91440" bIns="45720" rtlCol="0" anchor="ctr">
+            <a:normAutofit/>
+          </a:bodyPr>
+          <a:lstStyle>
+            <a:lvl1pPr algn="l" defTabSz="914400" rtl="0" eaLnBrk="1" latinLnBrk="1" hangingPunct="1">
+              <a:lnSpc>
+                <a:spcPct val="90000"/>
+              </a:lnSpc>
+              <a:spcBef>
+                <a:spcPct val="0"/>
+              </a:spcBef>
+              <a:buNone/>
+              <a:defRPr sz="4400" kern="1200">
+                <a:solidFill>
+                  <a:schemeClr val="tx1"/>
+                </a:solidFill>
+                <a:latin typeface="+mj-lt"/>
+                <a:ea typeface="+mj-ea"/>
+                <a:cs typeface="+mj-cs"/>
+              </a:defRPr>
+            </a:lvl1pPr>
+          </a:lstStyle>
+          <a:p>
+            <a:r>
+              <a:rPr lang="en-US" altLang="ko-KR" dirty="0"/>
+              <a:t>	</a:t>
+            </a:r>
+            <a:r>
+              <a:rPr lang="en-US" altLang="ko-KR" sz="3600" dirty="0"/>
+              <a:t>01 Lobby I </a:t>
+            </a:r>
+            <a:r>
+              <a:rPr lang="en-US" altLang="ko-KR" sz="1800" dirty="0" err="1"/>
+              <a:t>ui_lobby_tap_truck</a:t>
+            </a:r>
+            <a:endParaRPr lang="ko-KR" altLang="en-US" sz="1800" dirty="0"/>
+          </a:p>
+        </p:txBody>
+      </p:sp>
       <p:pic>
         <p:nvPicPr>
-          <p:cNvPr id="5" name="그림 4">
-            <a:extLst>
-              <a:ext uri="{FF2B5EF4-FFF2-40B4-BE49-F238E27FC236}">
-                <a16:creationId xmlns:a16="http://schemas.microsoft.com/office/drawing/2014/main" id="{A0FE822C-BF75-4124-D9BC-5E987D6A9EBF}"/>
+          <p:cNvPr id="13" name="그림 12">
+            <a:extLst>
+              <a:ext uri="{FF2B5EF4-FFF2-40B4-BE49-F238E27FC236}">
+                <a16:creationId xmlns:a16="http://schemas.microsoft.com/office/drawing/2014/main" id="{F0ABA406-6B0F-BD87-4D2D-6F40435B11A9}"/>
               </a:ext>
             </a:extLst>
           </p:cNvPr>
@@ -6280,8 +8069,8 @@
         </p:blipFill>
         <p:spPr>
           <a:xfrm>
-            <a:off x="4491905" y="1227117"/>
-            <a:ext cx="3217315" cy="5497069"/>
+            <a:off x="4036742" y="1064119"/>
+            <a:ext cx="3190875" cy="5619750"/>
           </a:xfrm>
           <a:prstGeom prst="rect">
             <a:avLst/>
@@ -6290,58 +8079,1045 @@
       </p:pic>
       <p:sp>
         <p:nvSpPr>
-          <p:cNvPr id="2" name="제목 1">
-            <a:extLst>
-              <a:ext uri="{FF2B5EF4-FFF2-40B4-BE49-F238E27FC236}">
-                <a16:creationId xmlns:a16="http://schemas.microsoft.com/office/drawing/2014/main" id="{2F4B5067-141B-FEA8-3288-BEDA5E8D63BD}"/>
-              </a:ext>
-            </a:extLst>
-          </p:cNvPr>
-          <p:cNvSpPr>
-            <a:spLocks noGrp="1"/>
-          </p:cNvSpPr>
-          <p:nvPr>
-            <p:ph type="title"/>
-          </p:nvPr>
-        </p:nvSpPr>
-        <p:spPr>
-          <a:xfrm>
-            <a:off x="0" y="1"/>
-            <a:ext cx="12192000" cy="1069694"/>
-          </a:xfrm>
-        </p:spPr>
-        <p:txBody>
-          <a:bodyPr/>
-          <a:lstStyle/>
-          <a:p>
-            <a:r>
-              <a:rPr lang="en-US" altLang="ko-KR" strike="sngStrike" dirty="0"/>
-              <a:t>	</a:t>
-            </a:r>
-            <a:r>
-              <a:rPr lang="en-US" altLang="ko-KR" sz="3600" strike="sngStrike" dirty="0"/>
-              <a:t>02 Main</a:t>
-            </a:r>
-            <a:r>
-              <a:rPr lang="ko-KR" altLang="en-US" sz="3600" strike="sngStrike" dirty="0"/>
-              <a:t> </a:t>
-            </a:r>
-            <a:r>
-              <a:rPr lang="en-US" altLang="ko-KR" sz="3600" strike="sngStrike" dirty="0"/>
-              <a:t>I </a:t>
-            </a:r>
-            <a:r>
-              <a:rPr lang="en-US" altLang="ko-KR" sz="1800" strike="sngStrike" dirty="0" err="1"/>
-              <a:t>popup_ingame_result</a:t>
-            </a:r>
-            <a:endParaRPr lang="ko-KR" altLang="en-US" sz="1800" strike="sngStrike" dirty="0"/>
-          </a:p>
-        </p:txBody>
-      </p:sp>
+          <p:cNvPr id="2" name="TextBox 1">
+            <a:extLst>
+              <a:ext uri="{FF2B5EF4-FFF2-40B4-BE49-F238E27FC236}">
+                <a16:creationId xmlns:a16="http://schemas.microsoft.com/office/drawing/2014/main" id="{C4DEFD03-9A1A-D9D1-D3D8-677EA97B0E06}"/>
+              </a:ext>
+            </a:extLst>
+          </p:cNvPr>
+          <p:cNvSpPr txBox="1"/>
+          <p:nvPr/>
+        </p:nvSpPr>
+        <p:spPr>
+          <a:xfrm>
+            <a:off x="4256047" y="3317487"/>
+            <a:ext cx="2810108" cy="468352"/>
+          </a:xfrm>
+          <a:prstGeom prst="rect">
+            <a:avLst/>
+          </a:prstGeom>
+          <a:noFill/>
+          <a:ln>
+            <a:solidFill>
+              <a:srgbClr val="FF0000"/>
+            </a:solidFill>
+          </a:ln>
+        </p:spPr>
+        <p:txBody>
+          <a:bodyPr wrap="square" rtlCol="0">
+            <a:spAutoFit/>
+          </a:bodyPr>
+          <a:lstStyle/>
+          <a:p>
+            <a:endParaRPr lang="ko-KR" altLang="en-US" dirty="0"/>
+          </a:p>
+        </p:txBody>
+      </p:sp>
+      <p:cxnSp>
+        <p:nvCxnSpPr>
+          <p:cNvPr id="5" name="연결선: 꺾임 4">
+            <a:extLst>
+              <a:ext uri="{FF2B5EF4-FFF2-40B4-BE49-F238E27FC236}">
+                <a16:creationId xmlns:a16="http://schemas.microsoft.com/office/drawing/2014/main" id="{9EB9B90E-3823-F471-8C78-D3D5150DD762}"/>
+              </a:ext>
+            </a:extLst>
+          </p:cNvPr>
+          <p:cNvCxnSpPr>
+            <a:cxnSpLocks/>
+            <a:stCxn id="2" idx="3"/>
+            <a:endCxn id="8" idx="1"/>
+          </p:cNvCxnSpPr>
+          <p:nvPr/>
+        </p:nvCxnSpPr>
+        <p:spPr>
+          <a:xfrm>
+            <a:off x="7066155" y="3551663"/>
+            <a:ext cx="745784" cy="833563"/>
+          </a:xfrm>
+          <a:prstGeom prst="bentConnector3">
+            <a:avLst>
+              <a:gd name="adj1" fmla="val 50000"/>
+            </a:avLst>
+          </a:prstGeom>
+          <a:ln>
+            <a:solidFill>
+              <a:srgbClr val="FF0000"/>
+            </a:solidFill>
+            <a:tailEnd type="triangle"/>
+          </a:ln>
+        </p:spPr>
+        <p:style>
+          <a:lnRef idx="1">
+            <a:schemeClr val="accent1"/>
+          </a:lnRef>
+          <a:fillRef idx="0">
+            <a:schemeClr val="accent1"/>
+          </a:fillRef>
+          <a:effectRef idx="0">
+            <a:schemeClr val="accent1"/>
+          </a:effectRef>
+          <a:fontRef idx="minor">
+            <a:schemeClr val="tx1"/>
+          </a:fontRef>
+        </p:style>
+      </p:cxnSp>
+      <p:sp>
+        <p:nvSpPr>
+          <p:cNvPr id="8" name="TextBox 7">
+            <a:extLst>
+              <a:ext uri="{FF2B5EF4-FFF2-40B4-BE49-F238E27FC236}">
+                <a16:creationId xmlns:a16="http://schemas.microsoft.com/office/drawing/2014/main" id="{68F2136D-E62B-C6EE-2ECF-21CFC47CC7A9}"/>
+              </a:ext>
+            </a:extLst>
+          </p:cNvPr>
+          <p:cNvSpPr txBox="1"/>
+          <p:nvPr/>
+        </p:nvSpPr>
+        <p:spPr>
+          <a:xfrm>
+            <a:off x="7811939" y="3423424"/>
+            <a:ext cx="4380061" cy="1923604"/>
+          </a:xfrm>
+          <a:prstGeom prst="rect">
+            <a:avLst/>
+          </a:prstGeom>
+          <a:noFill/>
+        </p:spPr>
+        <p:txBody>
+          <a:bodyPr wrap="square" rtlCol="0">
+            <a:spAutoFit/>
+          </a:bodyPr>
+          <a:lstStyle/>
+          <a:p>
+            <a:r>
+              <a:rPr lang="en-US" altLang="ko-KR" sz="1400" dirty="0"/>
+              <a:t>**</a:t>
+            </a:r>
+            <a:r>
+              <a:rPr lang="ko-KR" altLang="en-US" sz="1400" dirty="0"/>
+              <a:t>강화 카테고리</a:t>
+            </a:r>
+            <a:endParaRPr lang="en-US" altLang="ko-KR" sz="1400" dirty="0"/>
+          </a:p>
+          <a:p>
+            <a:endParaRPr lang="en-US" altLang="ko-KR" sz="1400" dirty="0"/>
+          </a:p>
+          <a:p>
+            <a:pPr marL="342900" indent="-342900">
+              <a:lnSpc>
+                <a:spcPct val="150000"/>
+              </a:lnSpc>
+              <a:buAutoNum type="arabicPeriod"/>
+            </a:pPr>
+            <a:r>
+              <a:rPr lang="ko-KR" altLang="en-US" sz="1400" dirty="0"/>
+              <a:t>캐릭터 </a:t>
+            </a:r>
+            <a:r>
+              <a:rPr lang="ko-KR" altLang="en-US" sz="1400" dirty="0" err="1"/>
+              <a:t>레벨업</a:t>
+            </a:r>
+            <a:endParaRPr lang="en-US" altLang="ko-KR" sz="1400" dirty="0"/>
+          </a:p>
+          <a:p>
+            <a:pPr marL="342900" indent="-342900">
+              <a:lnSpc>
+                <a:spcPct val="150000"/>
+              </a:lnSpc>
+              <a:buAutoNum type="arabicPeriod"/>
+            </a:pPr>
+            <a:r>
+              <a:rPr lang="ko-KR" altLang="en-US" sz="1400" dirty="0"/>
+              <a:t>캐릭터 스킬 정보</a:t>
+            </a:r>
+            <a:r>
+              <a:rPr lang="en-US" altLang="ko-KR" sz="1400" dirty="0"/>
+              <a:t>, </a:t>
+            </a:r>
+            <a:r>
+              <a:rPr lang="ko-KR" altLang="en-US" sz="1400" dirty="0"/>
+              <a:t>강화</a:t>
+            </a:r>
+            <a:endParaRPr lang="en-US" altLang="ko-KR" sz="1400" dirty="0"/>
+          </a:p>
+          <a:p>
+            <a:pPr marL="342900" indent="-342900">
+              <a:lnSpc>
+                <a:spcPct val="150000"/>
+              </a:lnSpc>
+              <a:buAutoNum type="arabicPeriod"/>
+            </a:pPr>
+            <a:r>
+              <a:rPr lang="ko-KR" altLang="en-US" sz="1400" dirty="0"/>
+              <a:t>캐릭터 등급 강화</a:t>
+            </a:r>
+            <a:endParaRPr lang="en-US" altLang="ko-KR" sz="1400" dirty="0"/>
+          </a:p>
+          <a:p>
+            <a:pPr marL="342900" indent="-342900">
+              <a:buAutoNum type="arabicPeriod"/>
+            </a:pPr>
+            <a:endParaRPr lang="en-US" altLang="ko-KR" sz="1400" dirty="0"/>
+          </a:p>
+          <a:p>
+            <a:r>
+              <a:rPr lang="ko-KR" altLang="en-US" sz="1400" dirty="0"/>
+              <a:t>선택하는 카테고리 별로 하단에 출력되는 내용 변경</a:t>
+            </a:r>
+            <a:endParaRPr lang="en-US" altLang="ko-KR" sz="1400" dirty="0"/>
+          </a:p>
+        </p:txBody>
+      </p:sp>
+      <p:sp>
+        <p:nvSpPr>
+          <p:cNvPr id="11" name="직사각형 10">
+            <a:extLst>
+              <a:ext uri="{FF2B5EF4-FFF2-40B4-BE49-F238E27FC236}">
+                <a16:creationId xmlns:a16="http://schemas.microsoft.com/office/drawing/2014/main" id="{26F831C0-EE02-E808-58EC-E8D9570ADCFC}"/>
+              </a:ext>
+            </a:extLst>
+          </p:cNvPr>
+          <p:cNvSpPr/>
+          <p:nvPr/>
+        </p:nvSpPr>
+        <p:spPr>
+          <a:xfrm>
+            <a:off x="4272772" y="3873994"/>
+            <a:ext cx="2718809" cy="1735069"/>
+          </a:xfrm>
+          <a:prstGeom prst="rect">
+            <a:avLst/>
+          </a:prstGeom>
+        </p:spPr>
+        <p:style>
+          <a:lnRef idx="2">
+            <a:schemeClr val="accent1">
+              <a:shade val="15000"/>
+            </a:schemeClr>
+          </a:lnRef>
+          <a:fillRef idx="1">
+            <a:schemeClr val="accent1"/>
+          </a:fillRef>
+          <a:effectRef idx="0">
+            <a:schemeClr val="accent1"/>
+          </a:effectRef>
+          <a:fontRef idx="minor">
+            <a:schemeClr val="lt1"/>
+          </a:fontRef>
+        </p:style>
+        <p:txBody>
+          <a:bodyPr rtlCol="0" anchor="ctr"/>
+          <a:lstStyle/>
+          <a:p>
+            <a:pPr algn="ctr"/>
+            <a:r>
+              <a:rPr lang="ko-KR" altLang="en-US" dirty="0"/>
+              <a:t>내용</a:t>
+            </a:r>
+          </a:p>
+        </p:txBody>
+      </p:sp>
+      <p:sp>
+        <p:nvSpPr>
+          <p:cNvPr id="15" name="TextBox 14">
+            <a:extLst>
+              <a:ext uri="{FF2B5EF4-FFF2-40B4-BE49-F238E27FC236}">
+                <a16:creationId xmlns:a16="http://schemas.microsoft.com/office/drawing/2014/main" id="{A93B38A3-3CB9-2098-9F97-E15867075956}"/>
+              </a:ext>
+            </a:extLst>
+          </p:cNvPr>
+          <p:cNvSpPr txBox="1"/>
+          <p:nvPr/>
+        </p:nvSpPr>
+        <p:spPr>
+          <a:xfrm>
+            <a:off x="5632177" y="1655956"/>
+            <a:ext cx="1433977" cy="1573376"/>
+          </a:xfrm>
+          <a:prstGeom prst="rect">
+            <a:avLst/>
+          </a:prstGeom>
+          <a:noFill/>
+          <a:ln>
+            <a:solidFill>
+              <a:srgbClr val="FF0000"/>
+            </a:solidFill>
+          </a:ln>
+        </p:spPr>
+        <p:txBody>
+          <a:bodyPr wrap="square" rtlCol="0">
+            <a:spAutoFit/>
+          </a:bodyPr>
+          <a:lstStyle/>
+          <a:p>
+            <a:endParaRPr lang="ko-KR" altLang="en-US" dirty="0"/>
+          </a:p>
+        </p:txBody>
+      </p:sp>
+      <p:cxnSp>
+        <p:nvCxnSpPr>
+          <p:cNvPr id="16" name="연결선: 꺾임 15">
+            <a:extLst>
+              <a:ext uri="{FF2B5EF4-FFF2-40B4-BE49-F238E27FC236}">
+                <a16:creationId xmlns:a16="http://schemas.microsoft.com/office/drawing/2014/main" id="{2D1CD689-BA5E-BB44-D4C5-64E5905AE9F8}"/>
+              </a:ext>
+            </a:extLst>
+          </p:cNvPr>
+          <p:cNvCxnSpPr>
+            <a:cxnSpLocks/>
+            <a:stCxn id="15" idx="3"/>
+            <a:endCxn id="17" idx="1"/>
+          </p:cNvCxnSpPr>
+          <p:nvPr/>
+        </p:nvCxnSpPr>
+        <p:spPr>
+          <a:xfrm flipV="1">
+            <a:off x="7066154" y="1875061"/>
+            <a:ext cx="1967961" cy="567583"/>
+          </a:xfrm>
+          <a:prstGeom prst="bentConnector3">
+            <a:avLst/>
+          </a:prstGeom>
+          <a:ln>
+            <a:solidFill>
+              <a:srgbClr val="FF0000"/>
+            </a:solidFill>
+            <a:tailEnd type="triangle"/>
+          </a:ln>
+        </p:spPr>
+        <p:style>
+          <a:lnRef idx="1">
+            <a:schemeClr val="accent1"/>
+          </a:lnRef>
+          <a:fillRef idx="0">
+            <a:schemeClr val="accent1"/>
+          </a:fillRef>
+          <a:effectRef idx="0">
+            <a:schemeClr val="accent1"/>
+          </a:effectRef>
+          <a:fontRef idx="minor">
+            <a:schemeClr val="tx1"/>
+          </a:fontRef>
+        </p:style>
+      </p:cxnSp>
+      <p:sp>
+        <p:nvSpPr>
+          <p:cNvPr id="17" name="TextBox 16">
+            <a:extLst>
+              <a:ext uri="{FF2B5EF4-FFF2-40B4-BE49-F238E27FC236}">
+                <a16:creationId xmlns:a16="http://schemas.microsoft.com/office/drawing/2014/main" id="{ED3B3F0E-5C06-E73B-0A20-3E9768E61BC8}"/>
+              </a:ext>
+            </a:extLst>
+          </p:cNvPr>
+          <p:cNvSpPr txBox="1"/>
+          <p:nvPr/>
+        </p:nvSpPr>
+        <p:spPr>
+          <a:xfrm>
+            <a:off x="9034115" y="1203370"/>
+            <a:ext cx="2929053" cy="1343381"/>
+          </a:xfrm>
+          <a:prstGeom prst="rect">
+            <a:avLst/>
+          </a:prstGeom>
+          <a:noFill/>
+        </p:spPr>
+        <p:txBody>
+          <a:bodyPr wrap="square" rtlCol="0">
+            <a:spAutoFit/>
+          </a:bodyPr>
+          <a:lstStyle/>
+          <a:p>
+            <a:pPr>
+              <a:lnSpc>
+                <a:spcPct val="150000"/>
+              </a:lnSpc>
+            </a:pPr>
+            <a:r>
+              <a:rPr lang="en-US" altLang="ko-KR" sz="1400" dirty="0"/>
+              <a:t>1. </a:t>
+            </a:r>
+            <a:r>
+              <a:rPr lang="ko-KR" altLang="en-US" sz="1400" dirty="0"/>
+              <a:t>캐릭터 명</a:t>
+            </a:r>
+            <a:endParaRPr lang="en-US" altLang="ko-KR" sz="1400" dirty="0"/>
+          </a:p>
+          <a:p>
+            <a:pPr>
+              <a:lnSpc>
+                <a:spcPct val="150000"/>
+              </a:lnSpc>
+            </a:pPr>
+            <a:r>
+              <a:rPr lang="en-US" altLang="ko-KR" sz="1400" dirty="0"/>
+              <a:t>2. </a:t>
+            </a:r>
+            <a:r>
+              <a:rPr lang="ko-KR" altLang="en-US" sz="1400" dirty="0"/>
+              <a:t>현재 </a:t>
+            </a:r>
+            <a:r>
+              <a:rPr lang="ko-KR" altLang="en-US" sz="1400" dirty="0" err="1"/>
+              <a:t>스탯</a:t>
+            </a:r>
+            <a:r>
+              <a:rPr lang="ko-KR" altLang="en-US" sz="1400" dirty="0"/>
+              <a:t> 정보</a:t>
+            </a:r>
+            <a:endParaRPr lang="en-US" altLang="ko-KR" sz="1400" dirty="0"/>
+          </a:p>
+          <a:p>
+            <a:pPr>
+              <a:lnSpc>
+                <a:spcPct val="150000"/>
+              </a:lnSpc>
+            </a:pPr>
+            <a:r>
+              <a:rPr lang="en-US" altLang="ko-KR" sz="1400" dirty="0"/>
+              <a:t>3. </a:t>
+            </a:r>
+            <a:r>
+              <a:rPr lang="ko-KR" altLang="en-US" sz="1400" dirty="0"/>
+              <a:t>보유 스킬</a:t>
+            </a:r>
+            <a:br>
+              <a:rPr lang="en-US" altLang="ko-KR" sz="1400" dirty="0"/>
+            </a:br>
+            <a:r>
+              <a:rPr lang="en-US" altLang="ko-KR" sz="1400" dirty="0"/>
+              <a:t>(</a:t>
+            </a:r>
+            <a:r>
+              <a:rPr lang="ko-KR" altLang="en-US" sz="1400" dirty="0" err="1"/>
+              <a:t>스킬아이콘</a:t>
+            </a:r>
+            <a:r>
+              <a:rPr lang="en-US" altLang="ko-KR" sz="1400" dirty="0"/>
+              <a:t>, </a:t>
+            </a:r>
+            <a:r>
+              <a:rPr lang="ko-KR" altLang="en-US" sz="1400" dirty="0" err="1"/>
+              <a:t>스킬이름</a:t>
+            </a:r>
+            <a:r>
+              <a:rPr lang="en-US" altLang="ko-KR" sz="1400" dirty="0"/>
+              <a:t>)</a:t>
+            </a:r>
+          </a:p>
+        </p:txBody>
+      </p:sp>
+      <p:sp>
+        <p:nvSpPr>
+          <p:cNvPr id="22" name="TextBox 21">
+            <a:extLst>
+              <a:ext uri="{FF2B5EF4-FFF2-40B4-BE49-F238E27FC236}">
+                <a16:creationId xmlns:a16="http://schemas.microsoft.com/office/drawing/2014/main" id="{D186388E-F3FB-5F87-1DF9-882D6EB515F5}"/>
+              </a:ext>
+            </a:extLst>
+          </p:cNvPr>
+          <p:cNvSpPr txBox="1"/>
+          <p:nvPr/>
+        </p:nvSpPr>
+        <p:spPr>
+          <a:xfrm>
+            <a:off x="4164749" y="1669296"/>
+            <a:ext cx="1081668" cy="1347108"/>
+          </a:xfrm>
+          <a:prstGeom prst="rect">
+            <a:avLst/>
+          </a:prstGeom>
+          <a:noFill/>
+          <a:ln>
+            <a:solidFill>
+              <a:srgbClr val="FF0000"/>
+            </a:solidFill>
+          </a:ln>
+        </p:spPr>
+        <p:txBody>
+          <a:bodyPr wrap="square" rtlCol="0">
+            <a:spAutoFit/>
+          </a:bodyPr>
+          <a:lstStyle/>
+          <a:p>
+            <a:endParaRPr lang="ko-KR" altLang="en-US" dirty="0"/>
+          </a:p>
+        </p:txBody>
+      </p:sp>
+      <p:cxnSp>
+        <p:nvCxnSpPr>
+          <p:cNvPr id="32" name="연결선: 꺾임 31">
+            <a:extLst>
+              <a:ext uri="{FF2B5EF4-FFF2-40B4-BE49-F238E27FC236}">
+                <a16:creationId xmlns:a16="http://schemas.microsoft.com/office/drawing/2014/main" id="{E0B7697E-6C26-0B7A-97FD-DC5DE3D0706C}"/>
+              </a:ext>
+            </a:extLst>
+          </p:cNvPr>
+          <p:cNvCxnSpPr>
+            <a:cxnSpLocks/>
+            <a:stCxn id="22" idx="1"/>
+            <a:endCxn id="33" idx="3"/>
+          </p:cNvCxnSpPr>
+          <p:nvPr/>
+        </p:nvCxnSpPr>
+        <p:spPr>
+          <a:xfrm rot="10800000" flipV="1">
+            <a:off x="3051811" y="2342849"/>
+            <a:ext cx="1112939" cy="1796939"/>
+          </a:xfrm>
+          <a:prstGeom prst="bentConnector3">
+            <a:avLst/>
+          </a:prstGeom>
+          <a:ln>
+            <a:solidFill>
+              <a:srgbClr val="FF0000"/>
+            </a:solidFill>
+            <a:tailEnd type="triangle"/>
+          </a:ln>
+        </p:spPr>
+        <p:style>
+          <a:lnRef idx="1">
+            <a:schemeClr val="accent1"/>
+          </a:lnRef>
+          <a:fillRef idx="0">
+            <a:schemeClr val="accent1"/>
+          </a:fillRef>
+          <a:effectRef idx="0">
+            <a:schemeClr val="accent1"/>
+          </a:effectRef>
+          <a:fontRef idx="minor">
+            <a:schemeClr val="tx1"/>
+          </a:fontRef>
+        </p:style>
+      </p:cxnSp>
+      <p:sp>
+        <p:nvSpPr>
+          <p:cNvPr id="33" name="TextBox 32">
+            <a:extLst>
+              <a:ext uri="{FF2B5EF4-FFF2-40B4-BE49-F238E27FC236}">
+                <a16:creationId xmlns:a16="http://schemas.microsoft.com/office/drawing/2014/main" id="{8037FE59-2D3D-F8AB-5D7A-372492B5E827}"/>
+              </a:ext>
+            </a:extLst>
+          </p:cNvPr>
+          <p:cNvSpPr txBox="1"/>
+          <p:nvPr/>
+        </p:nvSpPr>
+        <p:spPr>
+          <a:xfrm>
+            <a:off x="0" y="3016404"/>
+            <a:ext cx="3051810" cy="2246769"/>
+          </a:xfrm>
+          <a:prstGeom prst="rect">
+            <a:avLst/>
+          </a:prstGeom>
+          <a:noFill/>
+        </p:spPr>
+        <p:txBody>
+          <a:bodyPr wrap="square" rtlCol="0">
+            <a:spAutoFit/>
+          </a:bodyPr>
+          <a:lstStyle/>
+          <a:p>
+            <a:pPr marL="342900" indent="-342900">
+              <a:lnSpc>
+                <a:spcPct val="150000"/>
+              </a:lnSpc>
+              <a:buAutoNum type="arabicPeriod"/>
+            </a:pPr>
+            <a:r>
+              <a:rPr lang="ko-KR" altLang="en-US" sz="1400" dirty="0"/>
+              <a:t>현재 선택된 캐릭터 아이콘</a:t>
+            </a:r>
+            <a:br>
+              <a:rPr lang="en-US" altLang="ko-KR" sz="1400" dirty="0"/>
+            </a:br>
+            <a:r>
+              <a:rPr lang="en-US" altLang="ko-KR" sz="1400" dirty="0"/>
+              <a:t>(</a:t>
+            </a:r>
+            <a:r>
+              <a:rPr lang="ko-KR" altLang="en-US" sz="1400" dirty="0"/>
+              <a:t>등급 </a:t>
+            </a:r>
+            <a:r>
+              <a:rPr lang="en-US" altLang="ko-KR" sz="1400" dirty="0"/>
+              <a:t>1</a:t>
+            </a:r>
+            <a:r>
+              <a:rPr lang="ko-KR" altLang="en-US" sz="1400" dirty="0"/>
+              <a:t>성 </a:t>
+            </a:r>
+            <a:r>
+              <a:rPr lang="en-US" altLang="ko-KR" sz="1400" dirty="0"/>
+              <a:t>~ 3</a:t>
+            </a:r>
+            <a:r>
+              <a:rPr lang="ko-KR" altLang="en-US" sz="1400" dirty="0"/>
+              <a:t>성</a:t>
+            </a:r>
+            <a:r>
+              <a:rPr lang="en-US" altLang="ko-KR" sz="1400" dirty="0"/>
+              <a:t>)</a:t>
+            </a:r>
+          </a:p>
+          <a:p>
+            <a:pPr marL="342900" indent="-342900">
+              <a:lnSpc>
+                <a:spcPct val="150000"/>
+              </a:lnSpc>
+              <a:buAutoNum type="arabicPeriod"/>
+            </a:pPr>
+            <a:r>
+              <a:rPr lang="ko-KR" altLang="en-US" sz="1400" dirty="0"/>
+              <a:t>캐릭터 변경 버튼</a:t>
+            </a:r>
+            <a:br>
+              <a:rPr lang="en-US" altLang="ko-KR" sz="1400" dirty="0"/>
+            </a:br>
+            <a:r>
+              <a:rPr lang="en-US" altLang="ko-KR" sz="1400" dirty="0"/>
+              <a:t>(</a:t>
+            </a:r>
+            <a:r>
+              <a:rPr lang="ko-KR" altLang="en-US" sz="1400" dirty="0"/>
+              <a:t>클릭 시 캐릭터 변경 팝업 출력</a:t>
+            </a:r>
+            <a:r>
+              <a:rPr lang="en-US" altLang="ko-KR" sz="1400" dirty="0"/>
+              <a:t>)</a:t>
+            </a:r>
+          </a:p>
+          <a:p>
+            <a:pPr marL="342900" indent="-342900">
+              <a:lnSpc>
+                <a:spcPct val="150000"/>
+              </a:lnSpc>
+              <a:buAutoNum type="arabicPeriod"/>
+            </a:pPr>
+            <a:r>
+              <a:rPr lang="ko-KR" altLang="en-US" sz="1400" dirty="0"/>
+              <a:t>등급 표기 </a:t>
+            </a:r>
+            <a:r>
+              <a:rPr lang="en-US" altLang="ko-KR" sz="1400" dirty="0"/>
+              <a:t>(1</a:t>
+            </a:r>
+            <a:r>
+              <a:rPr lang="ko-KR" altLang="en-US" sz="1400" dirty="0" err="1"/>
+              <a:t>성이여도</a:t>
+            </a:r>
+            <a:r>
+              <a:rPr lang="ko-KR" altLang="en-US" sz="1400" dirty="0"/>
+              <a:t> 남은 등급은 </a:t>
+            </a:r>
+            <a:r>
+              <a:rPr lang="ko-KR" altLang="en-US" sz="1400" dirty="0" err="1"/>
+              <a:t>블러처리</a:t>
+            </a:r>
+            <a:r>
+              <a:rPr lang="en-US" altLang="ko-KR" sz="1400" dirty="0"/>
+              <a:t>)</a:t>
+            </a:r>
+          </a:p>
+          <a:p>
+            <a:endParaRPr lang="en-US" altLang="ko-KR" sz="1400" dirty="0"/>
+          </a:p>
+        </p:txBody>
+      </p:sp>
+      <p:sp>
+        <p:nvSpPr>
+          <p:cNvPr id="41" name="직사각형 40">
+            <a:extLst>
+              <a:ext uri="{FF2B5EF4-FFF2-40B4-BE49-F238E27FC236}">
+                <a16:creationId xmlns:a16="http://schemas.microsoft.com/office/drawing/2014/main" id="{AD2BF65B-86D0-6D01-1B42-929D7BBCF1F6}"/>
+              </a:ext>
+            </a:extLst>
+          </p:cNvPr>
+          <p:cNvSpPr/>
+          <p:nvPr/>
+        </p:nvSpPr>
+        <p:spPr>
+          <a:xfrm>
+            <a:off x="11186300" y="5072651"/>
+            <a:ext cx="434340" cy="240244"/>
+          </a:xfrm>
+          <a:prstGeom prst="rect">
+            <a:avLst/>
+          </a:prstGeom>
+        </p:spPr>
+        <p:style>
+          <a:lnRef idx="2">
+            <a:schemeClr val="accent1">
+              <a:shade val="15000"/>
+            </a:schemeClr>
+          </a:lnRef>
+          <a:fillRef idx="1">
+            <a:schemeClr val="accent1"/>
+          </a:fillRef>
+          <a:effectRef idx="0">
+            <a:schemeClr val="accent1"/>
+          </a:effectRef>
+          <a:fontRef idx="minor">
+            <a:schemeClr val="lt1"/>
+          </a:fontRef>
+        </p:style>
+        <p:txBody>
+          <a:bodyPr rtlCol="0" anchor="ctr"/>
+          <a:lstStyle/>
+          <a:p>
+            <a:pPr algn="ctr"/>
+            <a:r>
+              <a:rPr lang="ko-KR" altLang="en-US" sz="900" dirty="0"/>
+              <a:t>내용</a:t>
+            </a:r>
+          </a:p>
+        </p:txBody>
+      </p:sp>
+      <p:sp>
+        <p:nvSpPr>
+          <p:cNvPr id="42" name="곱하기 기호 41">
+            <a:extLst>
+              <a:ext uri="{FF2B5EF4-FFF2-40B4-BE49-F238E27FC236}">
+                <a16:creationId xmlns:a16="http://schemas.microsoft.com/office/drawing/2014/main" id="{39C1C979-7614-9AB3-7D4B-8277CAF751BE}"/>
+              </a:ext>
+            </a:extLst>
+          </p:cNvPr>
+          <p:cNvSpPr/>
+          <p:nvPr/>
+        </p:nvSpPr>
+        <p:spPr>
+          <a:xfrm>
+            <a:off x="6877167" y="1349785"/>
+            <a:ext cx="228831" cy="239751"/>
+          </a:xfrm>
+          <a:prstGeom prst="mathMultiply">
+            <a:avLst/>
+          </a:prstGeom>
+        </p:spPr>
+        <p:style>
+          <a:lnRef idx="2">
+            <a:schemeClr val="accent1">
+              <a:shade val="15000"/>
+            </a:schemeClr>
+          </a:lnRef>
+          <a:fillRef idx="1">
+            <a:schemeClr val="accent1"/>
+          </a:fillRef>
+          <a:effectRef idx="0">
+            <a:schemeClr val="accent1"/>
+          </a:effectRef>
+          <a:fontRef idx="minor">
+            <a:schemeClr val="lt1"/>
+          </a:fontRef>
+        </p:style>
+        <p:txBody>
+          <a:bodyPr rtlCol="0" anchor="ctr"/>
+          <a:lstStyle/>
+          <a:p>
+            <a:pPr algn="ctr"/>
+            <a:endParaRPr lang="ko-KR" altLang="en-US"/>
+          </a:p>
+        </p:txBody>
+      </p:sp>
+      <p:sp>
+        <p:nvSpPr>
+          <p:cNvPr id="43" name="TextBox 42">
+            <a:extLst>
+              <a:ext uri="{FF2B5EF4-FFF2-40B4-BE49-F238E27FC236}">
+                <a16:creationId xmlns:a16="http://schemas.microsoft.com/office/drawing/2014/main" id="{E8E9FDEA-F6F8-1A52-4621-7AE861E1D8EA}"/>
+              </a:ext>
+            </a:extLst>
+          </p:cNvPr>
+          <p:cNvSpPr txBox="1"/>
+          <p:nvPr/>
+        </p:nvSpPr>
+        <p:spPr>
+          <a:xfrm>
+            <a:off x="4326674" y="5622436"/>
+            <a:ext cx="1750741" cy="367990"/>
+          </a:xfrm>
+          <a:prstGeom prst="rect">
+            <a:avLst/>
+          </a:prstGeom>
+          <a:noFill/>
+          <a:ln>
+            <a:solidFill>
+              <a:srgbClr val="FF0000"/>
+            </a:solidFill>
+          </a:ln>
+        </p:spPr>
+        <p:txBody>
+          <a:bodyPr wrap="square" rtlCol="0">
+            <a:spAutoFit/>
+          </a:bodyPr>
+          <a:lstStyle/>
+          <a:p>
+            <a:endParaRPr lang="ko-KR" altLang="en-US" dirty="0"/>
+          </a:p>
+        </p:txBody>
+      </p:sp>
+      <p:cxnSp>
+        <p:nvCxnSpPr>
+          <p:cNvPr id="44" name="직선 화살표 연결선 43">
+            <a:extLst>
+              <a:ext uri="{FF2B5EF4-FFF2-40B4-BE49-F238E27FC236}">
+                <a16:creationId xmlns:a16="http://schemas.microsoft.com/office/drawing/2014/main" id="{BECE9160-D3E4-29A9-D8D9-2F959946CC6E}"/>
+              </a:ext>
+            </a:extLst>
+          </p:cNvPr>
+          <p:cNvCxnSpPr>
+            <a:cxnSpLocks/>
+            <a:stCxn id="43" idx="1"/>
+            <a:endCxn id="45" idx="3"/>
+          </p:cNvCxnSpPr>
+          <p:nvPr/>
+        </p:nvCxnSpPr>
+        <p:spPr>
+          <a:xfrm flipH="1" flipV="1">
+            <a:off x="2489256" y="5797598"/>
+            <a:ext cx="1837418" cy="8833"/>
+          </a:xfrm>
+          <a:prstGeom prst="straightConnector1">
+            <a:avLst/>
+          </a:prstGeom>
+          <a:ln>
+            <a:solidFill>
+              <a:srgbClr val="FF0000"/>
+            </a:solidFill>
+            <a:tailEnd type="triangle"/>
+          </a:ln>
+        </p:spPr>
+        <p:style>
+          <a:lnRef idx="1">
+            <a:schemeClr val="accent1"/>
+          </a:lnRef>
+          <a:fillRef idx="0">
+            <a:schemeClr val="accent1"/>
+          </a:fillRef>
+          <a:effectRef idx="0">
+            <a:schemeClr val="accent1"/>
+          </a:effectRef>
+          <a:fontRef idx="minor">
+            <a:schemeClr val="tx1"/>
+          </a:fontRef>
+        </p:style>
+      </p:cxnSp>
+      <p:sp>
+        <p:nvSpPr>
+          <p:cNvPr id="45" name="TextBox 44">
+            <a:extLst>
+              <a:ext uri="{FF2B5EF4-FFF2-40B4-BE49-F238E27FC236}">
+                <a16:creationId xmlns:a16="http://schemas.microsoft.com/office/drawing/2014/main" id="{49F1FE79-5AEC-5422-AC77-F842F771C657}"/>
+              </a:ext>
+            </a:extLst>
+          </p:cNvPr>
+          <p:cNvSpPr txBox="1"/>
+          <p:nvPr/>
+        </p:nvSpPr>
+        <p:spPr>
+          <a:xfrm>
+            <a:off x="-21395" y="5643709"/>
+            <a:ext cx="2510651" cy="307777"/>
+          </a:xfrm>
+          <a:prstGeom prst="rect">
+            <a:avLst/>
+          </a:prstGeom>
+          <a:noFill/>
+        </p:spPr>
+        <p:txBody>
+          <a:bodyPr wrap="square" rtlCol="0">
+            <a:spAutoFit/>
+          </a:bodyPr>
+          <a:lstStyle/>
+          <a:p>
+            <a:pPr algn="r"/>
+            <a:r>
+              <a:rPr lang="ko-KR" altLang="en-US" sz="1400" dirty="0" err="1"/>
+              <a:t>레벨업</a:t>
+            </a:r>
+            <a:r>
+              <a:rPr lang="ko-KR" altLang="en-US" sz="1400" dirty="0"/>
+              <a:t> 비용</a:t>
+            </a:r>
+          </a:p>
+        </p:txBody>
+      </p:sp>
+      <p:sp>
+        <p:nvSpPr>
+          <p:cNvPr id="46" name="TextBox 45">
+            <a:extLst>
+              <a:ext uri="{FF2B5EF4-FFF2-40B4-BE49-F238E27FC236}">
+                <a16:creationId xmlns:a16="http://schemas.microsoft.com/office/drawing/2014/main" id="{208995DC-BCA8-659D-1D0C-1BFD047AC13D}"/>
+              </a:ext>
+            </a:extLst>
+          </p:cNvPr>
+          <p:cNvSpPr txBox="1"/>
+          <p:nvPr/>
+        </p:nvSpPr>
+        <p:spPr>
+          <a:xfrm>
+            <a:off x="6092189" y="5630329"/>
+            <a:ext cx="958773" cy="367983"/>
+          </a:xfrm>
+          <a:prstGeom prst="rect">
+            <a:avLst/>
+          </a:prstGeom>
+          <a:noFill/>
+          <a:ln>
+            <a:solidFill>
+              <a:srgbClr val="FF0000"/>
+            </a:solidFill>
+          </a:ln>
+        </p:spPr>
+        <p:txBody>
+          <a:bodyPr wrap="square" rtlCol="0">
+            <a:spAutoFit/>
+          </a:bodyPr>
+          <a:lstStyle/>
+          <a:p>
+            <a:endParaRPr lang="ko-KR" altLang="en-US" dirty="0"/>
+          </a:p>
+        </p:txBody>
+      </p:sp>
+      <p:sp>
+        <p:nvSpPr>
+          <p:cNvPr id="48" name="TextBox 47">
+            <a:extLst>
+              <a:ext uri="{FF2B5EF4-FFF2-40B4-BE49-F238E27FC236}">
+                <a16:creationId xmlns:a16="http://schemas.microsoft.com/office/drawing/2014/main" id="{F9C55568-C25C-AA30-80F4-58FA15B22766}"/>
+              </a:ext>
+            </a:extLst>
+          </p:cNvPr>
+          <p:cNvSpPr txBox="1"/>
+          <p:nvPr/>
+        </p:nvSpPr>
+        <p:spPr>
+          <a:xfrm>
+            <a:off x="7811939" y="6163497"/>
+            <a:ext cx="2510651" cy="307777"/>
+          </a:xfrm>
+          <a:prstGeom prst="rect">
+            <a:avLst/>
+          </a:prstGeom>
+          <a:noFill/>
+        </p:spPr>
+        <p:txBody>
+          <a:bodyPr wrap="square" rtlCol="0">
+            <a:spAutoFit/>
+          </a:bodyPr>
+          <a:lstStyle/>
+          <a:p>
+            <a:r>
+              <a:rPr lang="ko-KR" altLang="en-US" sz="1400" dirty="0" err="1"/>
+              <a:t>레벨업</a:t>
+            </a:r>
+            <a:r>
+              <a:rPr lang="ko-KR" altLang="en-US" sz="1400" dirty="0"/>
+              <a:t> 버튼</a:t>
+            </a:r>
+          </a:p>
+        </p:txBody>
+      </p:sp>
+      <p:cxnSp>
+        <p:nvCxnSpPr>
+          <p:cNvPr id="55" name="연결선: 꺾임 54">
+            <a:extLst>
+              <a:ext uri="{FF2B5EF4-FFF2-40B4-BE49-F238E27FC236}">
+                <a16:creationId xmlns:a16="http://schemas.microsoft.com/office/drawing/2014/main" id="{8F816188-5B46-6FA6-C9D6-4303D082AAF4}"/>
+              </a:ext>
+            </a:extLst>
+          </p:cNvPr>
+          <p:cNvCxnSpPr>
+            <a:cxnSpLocks/>
+            <a:stCxn id="46" idx="3"/>
+            <a:endCxn id="48" idx="1"/>
+          </p:cNvCxnSpPr>
+          <p:nvPr/>
+        </p:nvCxnSpPr>
+        <p:spPr>
+          <a:xfrm>
+            <a:off x="7050962" y="5814321"/>
+            <a:ext cx="760977" cy="503065"/>
+          </a:xfrm>
+          <a:prstGeom prst="bentConnector3">
+            <a:avLst>
+              <a:gd name="adj1" fmla="val 50000"/>
+            </a:avLst>
+          </a:prstGeom>
+          <a:ln>
+            <a:solidFill>
+              <a:srgbClr val="FF0000"/>
+            </a:solidFill>
+            <a:tailEnd type="triangle"/>
+          </a:ln>
+        </p:spPr>
+        <p:style>
+          <a:lnRef idx="1">
+            <a:schemeClr val="accent1"/>
+          </a:lnRef>
+          <a:fillRef idx="0">
+            <a:schemeClr val="accent1"/>
+          </a:fillRef>
+          <a:effectRef idx="0">
+            <a:schemeClr val="accent1"/>
+          </a:effectRef>
+          <a:fontRef idx="minor">
+            <a:schemeClr val="tx1"/>
+          </a:fontRef>
+        </p:style>
+      </p:cxnSp>
+      <p:pic>
+        <p:nvPicPr>
+          <p:cNvPr id="1026" name="Picture 2">
+            <a:extLst>
+              <a:ext uri="{FF2B5EF4-FFF2-40B4-BE49-F238E27FC236}">
+                <a16:creationId xmlns:a16="http://schemas.microsoft.com/office/drawing/2014/main" id="{506F63E3-5922-C653-4255-B86709506D69}"/>
+              </a:ext>
+            </a:extLst>
+          </p:cNvPr>
+          <p:cNvPicPr>
+            <a:picLocks noChangeAspect="1" noChangeArrowheads="1"/>
+          </p:cNvPicPr>
+          <p:nvPr/>
+        </p:nvPicPr>
+        <p:blipFill>
+          <a:blip r:embed="rId3">
+            <a:extLst>
+              <a:ext uri="{28A0092B-C50C-407E-A947-70E740481C1C}">
+                <a14:useLocalDpi xmlns:a14="http://schemas.microsoft.com/office/drawing/2010/main" val="0"/>
+              </a:ext>
+            </a:extLst>
+          </a:blip>
+          <a:srcRect/>
+          <a:stretch>
+            <a:fillRect/>
+          </a:stretch>
+        </p:blipFill>
+        <p:spPr bwMode="auto">
+          <a:xfrm>
+            <a:off x="282892" y="5014315"/>
+            <a:ext cx="2486025" cy="552450"/>
+          </a:xfrm>
+          <a:prstGeom prst="rect">
+            <a:avLst/>
+          </a:prstGeom>
+          <a:noFill/>
+          <a:extLst>
+            <a:ext uri="{909E8E84-426E-40DD-AFC4-6F175D3DCCD1}">
+              <a14:hiddenFill xmlns:a14="http://schemas.microsoft.com/office/drawing/2010/main">
+                <a:solidFill>
+                  <a:srgbClr val="FFFFFF"/>
+                </a:solidFill>
+              </a14:hiddenFill>
+            </a:ext>
+          </a:extLst>
+        </p:spPr>
+      </p:pic>
     </p:spTree>
     <p:extLst>
       <p:ext uri="{BB962C8B-B14F-4D97-AF65-F5344CB8AC3E}">
-        <p14:creationId xmlns:p14="http://schemas.microsoft.com/office/powerpoint/2010/main" val="3570107449"/>
+        <p14:creationId xmlns:p14="http://schemas.microsoft.com/office/powerpoint/2010/main" val="186038220"/>
       </p:ext>
     </p:extLst>
   </p:cSld>
@@ -6368,62 +9144,12 @@
           <a:chExt cx="0" cy="0"/>
         </a:xfrm>
       </p:grpSpPr>
-      <p:sp>
-        <p:nvSpPr>
-          <p:cNvPr id="2" name="제목 1">
-            <a:extLst>
-              <a:ext uri="{FF2B5EF4-FFF2-40B4-BE49-F238E27FC236}">
-                <a16:creationId xmlns:a16="http://schemas.microsoft.com/office/drawing/2014/main" id="{2F4B5067-141B-FEA8-3288-BEDA5E8D63BD}"/>
-              </a:ext>
-            </a:extLst>
-          </p:cNvPr>
-          <p:cNvSpPr>
-            <a:spLocks noGrp="1"/>
-          </p:cNvSpPr>
-          <p:nvPr>
-            <p:ph type="title"/>
-          </p:nvPr>
-        </p:nvSpPr>
-        <p:spPr>
-          <a:xfrm>
-            <a:off x="0" y="1"/>
-            <a:ext cx="12192000" cy="1069694"/>
-          </a:xfrm>
-        </p:spPr>
-        <p:txBody>
-          <a:bodyPr/>
-          <a:lstStyle/>
-          <a:p>
-            <a:r>
-              <a:rPr lang="en-US" altLang="ko-KR" dirty="0"/>
-              <a:t>	</a:t>
-            </a:r>
-            <a:r>
-              <a:rPr lang="en-US" altLang="ko-KR" sz="3600" dirty="0"/>
-              <a:t>02 Main</a:t>
-            </a:r>
-            <a:r>
-              <a:rPr lang="ko-KR" altLang="en-US" sz="3600" dirty="0"/>
-              <a:t> </a:t>
-            </a:r>
-            <a:r>
-              <a:rPr lang="en-US" altLang="ko-KR" sz="3600" dirty="0"/>
-              <a:t>I </a:t>
-            </a:r>
-            <a:r>
-              <a:rPr lang="en-US" altLang="ko-KR" sz="1800" dirty="0" err="1"/>
-              <a:t>ui_ingame_talk</a:t>
-            </a:r>
-            <a:endParaRPr lang="ko-KR" altLang="en-US" sz="1800" dirty="0"/>
-          </a:p>
-        </p:txBody>
-      </p:sp>
       <p:pic>
         <p:nvPicPr>
-          <p:cNvPr id="4" name="그림 3">
-            <a:extLst>
-              <a:ext uri="{FF2B5EF4-FFF2-40B4-BE49-F238E27FC236}">
-                <a16:creationId xmlns:a16="http://schemas.microsoft.com/office/drawing/2014/main" id="{6C09C027-6A74-9D68-BC17-2C1B31F5DC04}"/>
+          <p:cNvPr id="16" name="그림 15">
+            <a:extLst>
+              <a:ext uri="{FF2B5EF4-FFF2-40B4-BE49-F238E27FC236}">
+                <a16:creationId xmlns:a16="http://schemas.microsoft.com/office/drawing/2014/main" id="{1E3EA991-0245-7025-006A-59131BBA8277}"/>
               </a:ext>
             </a:extLst>
           </p:cNvPr>
@@ -6440,8 +9166,8 @@
         </p:blipFill>
         <p:spPr>
           <a:xfrm>
-            <a:off x="4557712" y="1265547"/>
-            <a:ext cx="3076575" cy="5419725"/>
+            <a:off x="4505325" y="1069695"/>
+            <a:ext cx="3228975" cy="5695950"/>
           </a:xfrm>
           <a:prstGeom prst="rect">
             <a:avLst/>
@@ -6450,10 +9176,85 @@
       </p:pic>
       <p:sp>
         <p:nvSpPr>
-          <p:cNvPr id="6" name="TextBox 5">
-            <a:extLst>
-              <a:ext uri="{FF2B5EF4-FFF2-40B4-BE49-F238E27FC236}">
-                <a16:creationId xmlns:a16="http://schemas.microsoft.com/office/drawing/2014/main" id="{DE777071-1F6C-E484-38E0-28EAE8381552}"/>
+          <p:cNvPr id="14" name="제목 1">
+            <a:extLst>
+              <a:ext uri="{FF2B5EF4-FFF2-40B4-BE49-F238E27FC236}">
+                <a16:creationId xmlns:a16="http://schemas.microsoft.com/office/drawing/2014/main" id="{7AD69CB8-C237-196A-5D6D-847501E27DA7}"/>
+              </a:ext>
+            </a:extLst>
+          </p:cNvPr>
+          <p:cNvSpPr txBox="1">
+            <a:spLocks/>
+          </p:cNvSpPr>
+          <p:nvPr/>
+        </p:nvSpPr>
+        <p:spPr>
+          <a:xfrm>
+            <a:off x="0" y="1"/>
+            <a:ext cx="12192000" cy="1069694"/>
+          </a:xfrm>
+          <a:prstGeom prst="rect">
+            <a:avLst/>
+          </a:prstGeom>
+        </p:spPr>
+        <p:txBody>
+          <a:bodyPr vert="horz" lIns="91440" tIns="45720" rIns="91440" bIns="45720" rtlCol="0" anchor="ctr">
+            <a:normAutofit/>
+          </a:bodyPr>
+          <a:lstStyle>
+            <a:lvl1pPr algn="l" defTabSz="914400" rtl="0" eaLnBrk="1" latinLnBrk="1" hangingPunct="1">
+              <a:lnSpc>
+                <a:spcPct val="90000"/>
+              </a:lnSpc>
+              <a:spcBef>
+                <a:spcPct val="0"/>
+              </a:spcBef>
+              <a:buNone/>
+              <a:defRPr sz="4400" kern="1200">
+                <a:solidFill>
+                  <a:schemeClr val="tx1"/>
+                </a:solidFill>
+                <a:latin typeface="+mj-lt"/>
+                <a:ea typeface="+mj-ea"/>
+                <a:cs typeface="+mj-cs"/>
+              </a:defRPr>
+            </a:lvl1pPr>
+          </a:lstStyle>
+          <a:p>
+            <a:r>
+              <a:rPr lang="en-US" altLang="ko-KR" dirty="0"/>
+              <a:t>	</a:t>
+            </a:r>
+            <a:r>
+              <a:rPr lang="en-US" altLang="ko-KR" sz="3600" dirty="0"/>
+              <a:t>01 Lobby I </a:t>
+            </a:r>
+            <a:r>
+              <a:rPr lang="en-US" altLang="ko-KR" sz="1800" dirty="0" err="1"/>
+              <a:t>ui_lobby_tap_truck</a:t>
+            </a:r>
+            <a:r>
+              <a:rPr lang="en-US" altLang="ko-KR" sz="1800" dirty="0"/>
+              <a:t> (</a:t>
+            </a:r>
+            <a:r>
+              <a:rPr lang="en-US" altLang="ko-KR" sz="1800" dirty="0" err="1"/>
+              <a:t>view_stat</a:t>
+            </a:r>
+            <a:r>
+              <a:rPr lang="en-US" altLang="ko-KR" sz="1800" dirty="0"/>
+              <a:t>)</a:t>
+            </a:r>
+            <a:endParaRPr lang="ko-KR" altLang="en-US" sz="1800" dirty="0"/>
+          </a:p>
+        </p:txBody>
+      </p:sp>
+      <p:sp>
+        <p:nvSpPr>
+          <p:cNvPr id="5" name="TextBox 4">
+            <a:extLst>
+              <a:ext uri="{FF2B5EF4-FFF2-40B4-BE49-F238E27FC236}">
+                <a16:creationId xmlns:a16="http://schemas.microsoft.com/office/drawing/2014/main" id="{A4BD724B-3336-4BF2-04CB-70B39BE4EE4B}"/>
               </a:ext>
             </a:extLst>
           </p:cNvPr>
@@ -6462,8 +9263,8 @@
         </p:nvSpPr>
         <p:spPr>
           <a:xfrm>
-            <a:off x="4557712" y="5564459"/>
-            <a:ext cx="3076575" cy="1120813"/>
+            <a:off x="4761571" y="3757961"/>
+            <a:ext cx="2665141" cy="1650380"/>
           </a:xfrm>
           <a:prstGeom prst="rect">
             <a:avLst/>
@@ -6485,12 +9286,59 @@
           </a:p>
         </p:txBody>
       </p:sp>
-      <p:sp>
-        <p:nvSpPr>
-          <p:cNvPr id="7" name="TextBox 6">
-            <a:extLst>
-              <a:ext uri="{FF2B5EF4-FFF2-40B4-BE49-F238E27FC236}">
-                <a16:creationId xmlns:a16="http://schemas.microsoft.com/office/drawing/2014/main" id="{9FD870CB-1DE1-FE91-9B60-107D3D5006C6}"/>
+      <p:cxnSp>
+        <p:nvCxnSpPr>
+          <p:cNvPr id="6" name="연결선: 꺾임 5">
+            <a:extLst>
+              <a:ext uri="{FF2B5EF4-FFF2-40B4-BE49-F238E27FC236}">
+                <a16:creationId xmlns:a16="http://schemas.microsoft.com/office/drawing/2014/main" id="{CE13AA39-2750-1AE9-3D78-8C2AA0FEB05D}"/>
+              </a:ext>
+            </a:extLst>
+          </p:cNvPr>
+          <p:cNvCxnSpPr>
+            <a:cxnSpLocks/>
+            <a:stCxn id="5" idx="1"/>
+          </p:cNvCxnSpPr>
+          <p:nvPr/>
+        </p:nvCxnSpPr>
+        <p:spPr>
+          <a:xfrm rot="10800000">
+            <a:off x="2520177" y="3757961"/>
+            <a:ext cx="2241395" cy="825190"/>
+          </a:xfrm>
+          <a:prstGeom prst="bentConnector3">
+            <a:avLst>
+              <a:gd name="adj1" fmla="val 50000"/>
+            </a:avLst>
+          </a:prstGeom>
+          <a:ln>
+            <a:solidFill>
+              <a:srgbClr val="FF0000"/>
+            </a:solidFill>
+            <a:tailEnd type="triangle"/>
+          </a:ln>
+        </p:spPr>
+        <p:style>
+          <a:lnRef idx="1">
+            <a:schemeClr val="accent1"/>
+          </a:lnRef>
+          <a:fillRef idx="0">
+            <a:schemeClr val="accent1"/>
+          </a:fillRef>
+          <a:effectRef idx="0">
+            <a:schemeClr val="accent1"/>
+          </a:effectRef>
+          <a:fontRef idx="minor">
+            <a:schemeClr val="tx1"/>
+          </a:fontRef>
+        </p:style>
+      </p:cxnSp>
+      <p:sp>
+        <p:nvSpPr>
+          <p:cNvPr id="11" name="TextBox 10">
+            <a:extLst>
+              <a:ext uri="{FF2B5EF4-FFF2-40B4-BE49-F238E27FC236}">
+                <a16:creationId xmlns:a16="http://schemas.microsoft.com/office/drawing/2014/main" id="{A58445B7-8807-B095-C381-A976923D9954}"/>
               </a:ext>
             </a:extLst>
           </p:cNvPr>
@@ -6499,8 +9347,254 @@
         </p:nvSpPr>
         <p:spPr>
           <a:xfrm>
-            <a:off x="4635771" y="4451772"/>
-            <a:ext cx="950990" cy="1014761"/>
+            <a:off x="0" y="3496351"/>
+            <a:ext cx="2510651" cy="523220"/>
+          </a:xfrm>
+          <a:prstGeom prst="rect">
+            <a:avLst/>
+          </a:prstGeom>
+          <a:noFill/>
+        </p:spPr>
+        <p:txBody>
+          <a:bodyPr wrap="square" rtlCol="0">
+            <a:spAutoFit/>
+          </a:bodyPr>
+          <a:lstStyle/>
+          <a:p>
+            <a:r>
+              <a:rPr lang="en-US" altLang="ko-KR" sz="1400" dirty="0"/>
+              <a:t>1. </a:t>
+            </a:r>
+            <a:r>
+              <a:rPr lang="ko-KR" altLang="en-US" sz="1400" dirty="0" err="1"/>
+              <a:t>스탯</a:t>
+            </a:r>
+            <a:r>
+              <a:rPr lang="ko-KR" altLang="en-US" sz="1400" dirty="0"/>
+              <a:t> 아이콘</a:t>
+            </a:r>
+            <a:endParaRPr lang="en-US" altLang="ko-KR" sz="1400" dirty="0"/>
+          </a:p>
+          <a:p>
+            <a:r>
+              <a:rPr lang="en-US" altLang="ko-KR" sz="1400" dirty="0"/>
+              <a:t>2. </a:t>
+            </a:r>
+            <a:r>
+              <a:rPr lang="ko-KR" altLang="en-US" sz="1400" dirty="0" err="1"/>
+              <a:t>레벨업</a:t>
+            </a:r>
+            <a:r>
+              <a:rPr lang="ko-KR" altLang="en-US" sz="1400" dirty="0"/>
+              <a:t> 시 </a:t>
+            </a:r>
+            <a:r>
+              <a:rPr lang="ko-KR" altLang="en-US" sz="1400" dirty="0" err="1"/>
+              <a:t>스탯</a:t>
+            </a:r>
+            <a:r>
+              <a:rPr lang="ko-KR" altLang="en-US" sz="1400" dirty="0"/>
+              <a:t> 변화 정보</a:t>
+            </a:r>
+            <a:endParaRPr lang="en-US" altLang="ko-KR" sz="1400" dirty="0"/>
+          </a:p>
+        </p:txBody>
+      </p:sp>
+    </p:spTree>
+    <p:extLst>
+      <p:ext uri="{BB962C8B-B14F-4D97-AF65-F5344CB8AC3E}">
+        <p14:creationId xmlns:p14="http://schemas.microsoft.com/office/powerpoint/2010/main" val="2658378573"/>
+      </p:ext>
+    </p:extLst>
+  </p:cSld>
+  <p:clrMapOvr>
+    <a:masterClrMapping/>
+  </p:clrMapOvr>
+</p:sld>
+</file>
+
+<file path=ppt/slides/slide9.xml><?xml version="1.0" encoding="utf-8"?>
+<p:sld xmlns:a="http://schemas.openxmlformats.org/drawingml/2006/main" xmlns:r="http://schemas.openxmlformats.org/officeDocument/2006/relationships" xmlns:p="http://schemas.openxmlformats.org/presentationml/2006/main">
+  <p:cSld>
+    <p:spTree>
+      <p:nvGrpSpPr>
+        <p:cNvPr id="1" name=""/>
+        <p:cNvGrpSpPr/>
+        <p:nvPr/>
+      </p:nvGrpSpPr>
+      <p:grpSpPr>
+        <a:xfrm>
+          <a:off x="0" y="0"/>
+          <a:ext cx="0" cy="0"/>
+          <a:chOff x="0" y="0"/>
+          <a:chExt cx="0" cy="0"/>
+        </a:xfrm>
+      </p:grpSpPr>
+      <p:sp>
+        <p:nvSpPr>
+          <p:cNvPr id="14" name="제목 1">
+            <a:extLst>
+              <a:ext uri="{FF2B5EF4-FFF2-40B4-BE49-F238E27FC236}">
+                <a16:creationId xmlns:a16="http://schemas.microsoft.com/office/drawing/2014/main" id="{7AD69CB8-C237-196A-5D6D-847501E27DA7}"/>
+              </a:ext>
+            </a:extLst>
+          </p:cNvPr>
+          <p:cNvSpPr txBox="1">
+            <a:spLocks/>
+          </p:cNvSpPr>
+          <p:nvPr/>
+        </p:nvSpPr>
+        <p:spPr>
+          <a:xfrm>
+            <a:off x="0" y="1"/>
+            <a:ext cx="12192000" cy="1069694"/>
+          </a:xfrm>
+          <a:prstGeom prst="rect">
+            <a:avLst/>
+          </a:prstGeom>
+        </p:spPr>
+        <p:txBody>
+          <a:bodyPr vert="horz" lIns="91440" tIns="45720" rIns="91440" bIns="45720" rtlCol="0" anchor="ctr">
+            <a:normAutofit/>
+          </a:bodyPr>
+          <a:lstStyle>
+            <a:lvl1pPr algn="l" defTabSz="914400" rtl="0" eaLnBrk="1" latinLnBrk="1" hangingPunct="1">
+              <a:lnSpc>
+                <a:spcPct val="90000"/>
+              </a:lnSpc>
+              <a:spcBef>
+                <a:spcPct val="0"/>
+              </a:spcBef>
+              <a:buNone/>
+              <a:defRPr sz="4400" kern="1200">
+                <a:solidFill>
+                  <a:schemeClr val="tx1"/>
+                </a:solidFill>
+                <a:latin typeface="+mj-lt"/>
+                <a:ea typeface="+mj-ea"/>
+                <a:cs typeface="+mj-cs"/>
+              </a:defRPr>
+            </a:lvl1pPr>
+          </a:lstStyle>
+          <a:p>
+            <a:r>
+              <a:rPr lang="en-US" altLang="ko-KR" dirty="0"/>
+              <a:t>	</a:t>
+            </a:r>
+            <a:r>
+              <a:rPr lang="en-US" altLang="ko-KR" sz="3600" dirty="0"/>
+              <a:t>01 Lobby I </a:t>
+            </a:r>
+            <a:r>
+              <a:rPr lang="en-US" altLang="ko-KR" sz="1800" dirty="0" err="1"/>
+              <a:t>ui_lobby_tap_truck</a:t>
+            </a:r>
+            <a:r>
+              <a:rPr lang="en-US" altLang="ko-KR" sz="1800" dirty="0"/>
+              <a:t> (</a:t>
+            </a:r>
+            <a:r>
+              <a:rPr lang="en-US" altLang="ko-KR" sz="1800" dirty="0" err="1"/>
+              <a:t>view_skill</a:t>
+            </a:r>
+            <a:r>
+              <a:rPr lang="en-US" altLang="ko-KR" sz="1800" dirty="0"/>
+              <a:t>)</a:t>
+            </a:r>
+            <a:endParaRPr lang="ko-KR" altLang="en-US" sz="1800" dirty="0"/>
+          </a:p>
+        </p:txBody>
+      </p:sp>
+      <p:sp>
+        <p:nvSpPr>
+          <p:cNvPr id="11" name="TextBox 10">
+            <a:extLst>
+              <a:ext uri="{FF2B5EF4-FFF2-40B4-BE49-F238E27FC236}">
+                <a16:creationId xmlns:a16="http://schemas.microsoft.com/office/drawing/2014/main" id="{A58445B7-8807-B095-C381-A976923D9954}"/>
+              </a:ext>
+            </a:extLst>
+          </p:cNvPr>
+          <p:cNvSpPr txBox="1"/>
+          <p:nvPr/>
+        </p:nvSpPr>
+        <p:spPr>
+          <a:xfrm>
+            <a:off x="299455" y="3489656"/>
+            <a:ext cx="2421443" cy="523220"/>
+          </a:xfrm>
+          <a:prstGeom prst="rect">
+            <a:avLst/>
+          </a:prstGeom>
+          <a:noFill/>
+        </p:spPr>
+        <p:txBody>
+          <a:bodyPr wrap="square" rtlCol="0">
+            <a:spAutoFit/>
+          </a:bodyPr>
+          <a:lstStyle/>
+          <a:p>
+            <a:pPr algn="r"/>
+            <a:r>
+              <a:rPr lang="ko-KR" altLang="en-US" sz="1400" dirty="0"/>
+              <a:t>스킬 아이콘</a:t>
+            </a:r>
+            <a:endParaRPr lang="en-US" altLang="ko-KR" sz="1400" dirty="0"/>
+          </a:p>
+          <a:p>
+            <a:pPr algn="r"/>
+            <a:r>
+              <a:rPr lang="ko-KR" altLang="en-US" sz="1400" dirty="0"/>
+              <a:t>스킬 내용</a:t>
+            </a:r>
+          </a:p>
+        </p:txBody>
+      </p:sp>
+      <p:pic>
+        <p:nvPicPr>
+          <p:cNvPr id="3" name="그림 2">
+            <a:extLst>
+              <a:ext uri="{FF2B5EF4-FFF2-40B4-BE49-F238E27FC236}">
+                <a16:creationId xmlns:a16="http://schemas.microsoft.com/office/drawing/2014/main" id="{8C37C68E-5BD9-AB2B-4818-0FBEF88425F3}"/>
+              </a:ext>
+            </a:extLst>
+          </p:cNvPr>
+          <p:cNvPicPr>
+            <a:picLocks noChangeAspect="1"/>
+          </p:cNvPicPr>
+          <p:nvPr/>
+        </p:nvPicPr>
+        <p:blipFill>
+          <a:blip r:embed="rId2"/>
+          <a:stretch>
+            <a:fillRect/>
+          </a:stretch>
+        </p:blipFill>
+        <p:spPr>
+          <a:xfrm>
+            <a:off x="4531475" y="1069694"/>
+            <a:ext cx="3257187" cy="5690267"/>
+          </a:xfrm>
+          <a:prstGeom prst="rect">
+            <a:avLst/>
+          </a:prstGeom>
+        </p:spPr>
+      </p:pic>
+      <p:sp>
+        <p:nvSpPr>
+          <p:cNvPr id="4" name="TextBox 3">
+            <a:extLst>
+              <a:ext uri="{FF2B5EF4-FFF2-40B4-BE49-F238E27FC236}">
+                <a16:creationId xmlns:a16="http://schemas.microsoft.com/office/drawing/2014/main" id="{6F921663-D9F9-037F-9AEF-FBA93FE03AD6}"/>
+              </a:ext>
+            </a:extLst>
+          </p:cNvPr>
+          <p:cNvSpPr txBox="1"/>
+          <p:nvPr/>
+        </p:nvSpPr>
+        <p:spPr>
+          <a:xfrm>
+            <a:off x="4750420" y="3880624"/>
+            <a:ext cx="2787804" cy="646771"/>
           </a:xfrm>
           <a:prstGeom prst="rect">
             <a:avLst/>
@@ -6522,64 +9616,27 @@
           </a:p>
         </p:txBody>
       </p:sp>
-      <p:sp>
-        <p:nvSpPr>
-          <p:cNvPr id="8" name="TextBox 7">
-            <a:extLst>
-              <a:ext uri="{FF2B5EF4-FFF2-40B4-BE49-F238E27FC236}">
-                <a16:creationId xmlns:a16="http://schemas.microsoft.com/office/drawing/2014/main" id="{EC637A1E-84B4-E9B3-BF89-32BCFC6084AD}"/>
-              </a:ext>
-            </a:extLst>
-          </p:cNvPr>
-          <p:cNvSpPr txBox="1"/>
-          <p:nvPr/>
-        </p:nvSpPr>
-        <p:spPr>
-          <a:xfrm>
-            <a:off x="1761893" y="4774486"/>
-            <a:ext cx="2107580" cy="369332"/>
-          </a:xfrm>
-          <a:prstGeom prst="rect">
-            <a:avLst/>
-          </a:prstGeom>
-          <a:noFill/>
-        </p:spPr>
-        <p:txBody>
-          <a:bodyPr wrap="square" rtlCol="0">
-            <a:spAutoFit/>
-          </a:bodyPr>
-          <a:lstStyle/>
-          <a:p>
-            <a:pPr algn="r"/>
-            <a:r>
-              <a:rPr lang="ko-KR" altLang="en-US" dirty="0"/>
-              <a:t>캐릭터 이미지</a:t>
-            </a:r>
-          </a:p>
-        </p:txBody>
-      </p:sp>
       <p:cxnSp>
         <p:nvCxnSpPr>
-          <p:cNvPr id="10" name="직선 화살표 연결선 9">
-            <a:extLst>
-              <a:ext uri="{FF2B5EF4-FFF2-40B4-BE49-F238E27FC236}">
-                <a16:creationId xmlns:a16="http://schemas.microsoft.com/office/drawing/2014/main" id="{F9F6E487-A688-4D5F-DE86-DC8E572681CD}"/>
+          <p:cNvPr id="8" name="연결선: 꺾임 7">
+            <a:extLst>
+              <a:ext uri="{FF2B5EF4-FFF2-40B4-BE49-F238E27FC236}">
+                <a16:creationId xmlns:a16="http://schemas.microsoft.com/office/drawing/2014/main" id="{EF073EC8-2AE7-B1C9-B0D1-73DB764ABCF1}"/>
               </a:ext>
             </a:extLst>
           </p:cNvPr>
           <p:cNvCxnSpPr>
             <a:cxnSpLocks/>
-            <a:stCxn id="7" idx="1"/>
-            <a:endCxn id="8" idx="3"/>
+            <a:endCxn id="11" idx="3"/>
           </p:cNvCxnSpPr>
           <p:nvPr/>
         </p:nvCxnSpPr>
         <p:spPr>
-          <a:xfrm flipH="1" flipV="1">
-            <a:off x="3869473" y="4959152"/>
-            <a:ext cx="766298" cy="1"/>
-          </a:xfrm>
-          <a:prstGeom prst="straightConnector1">
+          <a:xfrm rot="10800000">
+            <a:off x="2720898" y="3751267"/>
+            <a:ext cx="2029524" cy="463897"/>
+          </a:xfrm>
+          <a:prstGeom prst="bentConnector3">
             <a:avLst/>
           </a:prstGeom>
           <a:ln>
@@ -6604,27 +9661,68 @@
           </a:fontRef>
         </p:style>
       </p:cxnSp>
+      <p:sp>
+        <p:nvSpPr>
+          <p:cNvPr id="12" name="TextBox 11">
+            <a:extLst>
+              <a:ext uri="{FF2B5EF4-FFF2-40B4-BE49-F238E27FC236}">
+                <a16:creationId xmlns:a16="http://schemas.microsoft.com/office/drawing/2014/main" id="{FFC6DA17-99C6-0299-2969-10EC7396D12E}"/>
+              </a:ext>
+            </a:extLst>
+          </p:cNvPr>
+          <p:cNvSpPr txBox="1"/>
+          <p:nvPr/>
+        </p:nvSpPr>
+        <p:spPr>
+          <a:xfrm>
+            <a:off x="4750420" y="4750420"/>
+            <a:ext cx="2787804" cy="646771"/>
+          </a:xfrm>
+          <a:prstGeom prst="rect">
+            <a:avLst/>
+          </a:prstGeom>
+          <a:noFill/>
+          <a:ln>
+            <a:solidFill>
+              <a:srgbClr val="FF0000"/>
+            </a:solidFill>
+          </a:ln>
+        </p:spPr>
+        <p:txBody>
+          <a:bodyPr wrap="square" rtlCol="0">
+            <a:spAutoFit/>
+          </a:bodyPr>
+          <a:lstStyle/>
+          <a:p>
+            <a:endParaRPr lang="ko-KR" altLang="en-US" dirty="0"/>
+          </a:p>
+        </p:txBody>
+      </p:sp>
       <p:cxnSp>
         <p:nvCxnSpPr>
-          <p:cNvPr id="13" name="직선 화살표 연결선 12">
-            <a:extLst>
-              <a:ext uri="{FF2B5EF4-FFF2-40B4-BE49-F238E27FC236}">
-                <a16:creationId xmlns:a16="http://schemas.microsoft.com/office/drawing/2014/main" id="{92EE432D-7D24-9A0C-E500-C480066EE4AC}"/>
+          <p:cNvPr id="15" name="연결선: 꺾임 14">
+            <a:extLst>
+              <a:ext uri="{FF2B5EF4-FFF2-40B4-BE49-F238E27FC236}">
+                <a16:creationId xmlns:a16="http://schemas.microsoft.com/office/drawing/2014/main" id="{4C6DE3CC-CEB7-9086-3EB2-6686FF033626}"/>
               </a:ext>
             </a:extLst>
           </p:cNvPr>
           <p:cNvCxnSpPr>
-            <a:stCxn id="6" idx="3"/>
+            <a:cxnSpLocks/>
+            <a:stCxn id="12" idx="3"/>
+            <a:endCxn id="20" idx="1"/>
           </p:cNvCxnSpPr>
           <p:nvPr/>
         </p:nvCxnSpPr>
         <p:spPr>
           <a:xfrm flipV="1">
-            <a:off x="7634287" y="6124865"/>
-            <a:ext cx="974454" cy="1"/>
-          </a:xfrm>
-          <a:prstGeom prst="straightConnector1">
-            <a:avLst/>
+            <a:off x="7538224" y="3868959"/>
+            <a:ext cx="1226634" cy="1204847"/>
+          </a:xfrm>
+          <a:prstGeom prst="bentConnector3">
+            <a:avLst>
+              <a:gd name="adj1" fmla="val 50000"/>
+            </a:avLst>
           </a:prstGeom>
           <a:ln>
             <a:solidFill>
@@ -6650,10 +9748,10 @@
       </p:cxnSp>
       <p:sp>
         <p:nvSpPr>
-          <p:cNvPr id="14" name="TextBox 13">
-            <a:extLst>
-              <a:ext uri="{FF2B5EF4-FFF2-40B4-BE49-F238E27FC236}">
-                <a16:creationId xmlns:a16="http://schemas.microsoft.com/office/drawing/2014/main" id="{2F72B94E-5B23-8A1E-18D0-A005ED49C85B}"/>
+          <p:cNvPr id="20" name="TextBox 19">
+            <a:extLst>
+              <a:ext uri="{FF2B5EF4-FFF2-40B4-BE49-F238E27FC236}">
+                <a16:creationId xmlns:a16="http://schemas.microsoft.com/office/drawing/2014/main" id="{A285402D-8A83-DA78-DC8F-77957D1D8827}"/>
               </a:ext>
             </a:extLst>
           </p:cNvPr>
@@ -6662,8 +9760,8 @@
         </p:nvSpPr>
         <p:spPr>
           <a:xfrm>
-            <a:off x="8608741" y="5940199"/>
-            <a:ext cx="2925511" cy="369332"/>
+            <a:off x="8764858" y="2550937"/>
+            <a:ext cx="3427142" cy="2636043"/>
           </a:xfrm>
           <a:prstGeom prst="rect">
             <a:avLst/>
@@ -6676,150 +9774,143 @@
           </a:bodyPr>
           <a:lstStyle/>
           <a:p>
-            <a:r>
-              <a:rPr lang="ko-KR" altLang="en-US" dirty="0"/>
-              <a:t>캐릭터 대사 창</a:t>
-            </a:r>
-            <a:endParaRPr lang="en-US" altLang="ko-KR" dirty="0"/>
-          </a:p>
-        </p:txBody>
-      </p:sp>
-      <p:sp>
-        <p:nvSpPr>
-          <p:cNvPr id="16" name="직사각형 15">
-            <a:extLst>
-              <a:ext uri="{FF2B5EF4-FFF2-40B4-BE49-F238E27FC236}">
-                <a16:creationId xmlns:a16="http://schemas.microsoft.com/office/drawing/2014/main" id="{F43EFC5F-50ED-3363-5A94-81C004E8ED2B}"/>
-              </a:ext>
-            </a:extLst>
-          </p:cNvPr>
-          <p:cNvSpPr/>
-          <p:nvPr/>
-        </p:nvSpPr>
-        <p:spPr>
-          <a:xfrm>
-            <a:off x="6802244" y="1265547"/>
-            <a:ext cx="832043" cy="364554"/>
-          </a:xfrm>
-          <a:prstGeom prst="rect">
-            <a:avLst/>
-          </a:prstGeom>
-        </p:spPr>
-        <p:style>
-          <a:lnRef idx="2">
-            <a:schemeClr val="accent1">
-              <a:shade val="15000"/>
-            </a:schemeClr>
-          </a:lnRef>
-          <a:fillRef idx="1">
-            <a:schemeClr val="accent1"/>
-          </a:fillRef>
-          <a:effectRef idx="0">
-            <a:schemeClr val="accent1"/>
-          </a:effectRef>
-          <a:fontRef idx="minor">
-            <a:schemeClr val="lt1"/>
-          </a:fontRef>
-        </p:style>
-        <p:txBody>
-          <a:bodyPr rtlCol="0" anchor="ctr"/>
-          <a:lstStyle/>
-          <a:p>
-            <a:pPr algn="ctr"/>
-            <a:r>
-              <a:rPr lang="en-US" altLang="ko-KR" dirty="0"/>
-              <a:t>Skip</a:t>
-            </a:r>
-            <a:endParaRPr lang="ko-KR" altLang="en-US" dirty="0"/>
-          </a:p>
-        </p:txBody>
-      </p:sp>
-      <p:cxnSp>
-        <p:nvCxnSpPr>
-          <p:cNvPr id="17" name="직선 화살표 연결선 16">
-            <a:extLst>
-              <a:ext uri="{FF2B5EF4-FFF2-40B4-BE49-F238E27FC236}">
-                <a16:creationId xmlns:a16="http://schemas.microsoft.com/office/drawing/2014/main" id="{F62FA85D-F900-69EC-A0B8-4A6EE52BCC25}"/>
-              </a:ext>
-            </a:extLst>
-          </p:cNvPr>
-          <p:cNvCxnSpPr/>
-          <p:nvPr/>
-        </p:nvCxnSpPr>
-        <p:spPr>
-          <a:xfrm flipV="1">
-            <a:off x="7682608" y="1447823"/>
-            <a:ext cx="974454" cy="1"/>
-          </a:xfrm>
-          <a:prstGeom prst="straightConnector1">
-            <a:avLst/>
-          </a:prstGeom>
-          <a:ln>
-            <a:solidFill>
-              <a:srgbClr val="FF0000"/>
-            </a:solidFill>
-            <a:tailEnd type="triangle"/>
-          </a:ln>
-        </p:spPr>
-        <p:style>
-          <a:lnRef idx="1">
-            <a:schemeClr val="accent1"/>
-          </a:lnRef>
-          <a:fillRef idx="0">
-            <a:schemeClr val="accent1"/>
-          </a:fillRef>
-          <a:effectRef idx="0">
-            <a:schemeClr val="accent1"/>
-          </a:effectRef>
-          <a:fontRef idx="minor">
-            <a:schemeClr val="tx1"/>
-          </a:fontRef>
-        </p:style>
-      </p:cxnSp>
-      <p:sp>
-        <p:nvSpPr>
-          <p:cNvPr id="18" name="TextBox 17">
-            <a:extLst>
-              <a:ext uri="{FF2B5EF4-FFF2-40B4-BE49-F238E27FC236}">
-                <a16:creationId xmlns:a16="http://schemas.microsoft.com/office/drawing/2014/main" id="{EFC4226F-B2B0-A583-B223-AE97237CC506}"/>
-              </a:ext>
-            </a:extLst>
-          </p:cNvPr>
-          <p:cNvSpPr txBox="1"/>
-          <p:nvPr/>
-        </p:nvSpPr>
-        <p:spPr>
-          <a:xfrm>
-            <a:off x="8705383" y="1265547"/>
-            <a:ext cx="2925511" cy="369332"/>
-          </a:xfrm>
-          <a:prstGeom prst="rect">
-            <a:avLst/>
-          </a:prstGeom>
-          <a:noFill/>
-        </p:spPr>
-        <p:txBody>
-          <a:bodyPr wrap="square" rtlCol="0">
-            <a:spAutoFit/>
-          </a:bodyPr>
-          <a:lstStyle/>
-          <a:p>
-            <a:r>
-              <a:rPr lang="ko-KR" altLang="en-US" dirty="0" err="1"/>
-              <a:t>스킵</a:t>
-            </a:r>
-            <a:r>
-              <a:rPr lang="ko-KR" altLang="en-US" dirty="0"/>
-              <a:t> 버튼</a:t>
-            </a:r>
-            <a:endParaRPr lang="en-US" altLang="ko-KR" dirty="0"/>
+            <a:pPr>
+              <a:lnSpc>
+                <a:spcPct val="150000"/>
+              </a:lnSpc>
+            </a:pPr>
+            <a:r>
+              <a:rPr lang="en-US" altLang="ko-KR" sz="1400" b="1" dirty="0"/>
+              <a:t>**</a:t>
+            </a:r>
+            <a:r>
+              <a:rPr lang="ko-KR" altLang="en-US" sz="1400" b="1" dirty="0"/>
+              <a:t>강화 후 스킬 정보</a:t>
+            </a:r>
+            <a:endParaRPr lang="en-US" altLang="ko-KR" sz="1400" b="1" dirty="0"/>
+          </a:p>
+          <a:p>
+            <a:pPr>
+              <a:lnSpc>
+                <a:spcPct val="150000"/>
+              </a:lnSpc>
+            </a:pPr>
+            <a:r>
+              <a:rPr lang="ko-KR" altLang="en-US" sz="1400" dirty="0"/>
+              <a:t>강화 후 상승하는 수치 부분만 </a:t>
+            </a:r>
+            <a:endParaRPr lang="en-US" altLang="ko-KR" sz="1400" dirty="0"/>
+          </a:p>
+          <a:p>
+            <a:pPr>
+              <a:lnSpc>
+                <a:spcPct val="150000"/>
+              </a:lnSpc>
+            </a:pPr>
+            <a:r>
+              <a:rPr lang="ko-KR" altLang="en-US" sz="1400" dirty="0"/>
+              <a:t>텍스트 색깔을 다르게 하여 표기</a:t>
+            </a:r>
+            <a:endParaRPr lang="en-US" altLang="ko-KR" sz="1400" dirty="0"/>
+          </a:p>
+          <a:p>
+            <a:pPr>
+              <a:lnSpc>
+                <a:spcPct val="150000"/>
+              </a:lnSpc>
+            </a:pPr>
+            <a:endParaRPr lang="en-US" altLang="ko-KR" sz="1400" dirty="0"/>
+          </a:p>
+          <a:p>
+            <a:pPr>
+              <a:lnSpc>
+                <a:spcPct val="150000"/>
+              </a:lnSpc>
+            </a:pPr>
+            <a:r>
+              <a:rPr lang="en-US" altLang="ko-KR" sz="1400" dirty="0"/>
+              <a:t>Ex) </a:t>
+            </a:r>
+          </a:p>
+          <a:p>
+            <a:pPr>
+              <a:lnSpc>
+                <a:spcPct val="150000"/>
+              </a:lnSpc>
+            </a:pPr>
+            <a:r>
+              <a:rPr lang="ko-KR" altLang="en-US" sz="1400" dirty="0" err="1"/>
+              <a:t>바리게이트</a:t>
+            </a:r>
+            <a:r>
+              <a:rPr lang="ko-KR" altLang="en-US" sz="1400" dirty="0"/>
+              <a:t> 충돌 시 </a:t>
+            </a:r>
+            <a:r>
+              <a:rPr lang="en-US" altLang="ko-KR" sz="1400" dirty="0"/>
+              <a:t>5% </a:t>
+            </a:r>
+            <a:r>
+              <a:rPr lang="ko-KR" altLang="en-US" sz="1400" dirty="0"/>
+              <a:t>확률로 파괴</a:t>
+            </a:r>
+            <a:endParaRPr lang="en-US" altLang="ko-KR" sz="1400" dirty="0"/>
+          </a:p>
+          <a:p>
+            <a:pPr>
+              <a:lnSpc>
+                <a:spcPct val="150000"/>
+              </a:lnSpc>
+            </a:pPr>
+            <a:r>
+              <a:rPr lang="en-US" altLang="ko-KR" sz="1400" dirty="0"/>
+              <a:t>	        </a:t>
+            </a:r>
+            <a:r>
+              <a:rPr lang="ko-KR" altLang="en-US" sz="1400" dirty="0"/>
+              <a:t>↓</a:t>
+            </a:r>
+            <a:endParaRPr lang="en-US" altLang="ko-KR" sz="1400" dirty="0"/>
+          </a:p>
+          <a:p>
+            <a:pPr>
+              <a:lnSpc>
+                <a:spcPct val="150000"/>
+              </a:lnSpc>
+            </a:pPr>
+            <a:r>
+              <a:rPr lang="ko-KR" altLang="en-US" sz="1400" dirty="0" err="1"/>
+              <a:t>바리게이트</a:t>
+            </a:r>
+            <a:r>
+              <a:rPr lang="ko-KR" altLang="en-US" sz="1400" dirty="0"/>
+              <a:t> 충돌 시 </a:t>
+            </a:r>
+            <a:r>
+              <a:rPr lang="en-US" altLang="ko-KR" sz="1400" dirty="0">
+                <a:solidFill>
+                  <a:schemeClr val="accent6">
+                    <a:lumMod val="75000"/>
+                  </a:schemeClr>
+                </a:solidFill>
+              </a:rPr>
+              <a:t>10%</a:t>
+            </a:r>
+            <a:r>
+              <a:rPr lang="en-US" altLang="ko-KR" sz="1400" dirty="0"/>
+              <a:t> </a:t>
+            </a:r>
+            <a:r>
+              <a:rPr lang="ko-KR" altLang="en-US" sz="1400" dirty="0"/>
+              <a:t>확률로 파괴</a:t>
+            </a:r>
           </a:p>
         </p:txBody>
       </p:sp>
     </p:spTree>
     <p:extLst>
       <p:ext uri="{BB962C8B-B14F-4D97-AF65-F5344CB8AC3E}">
-        <p14:creationId xmlns:p14="http://schemas.microsoft.com/office/powerpoint/2010/main" val="1342370577"/>
+        <p14:creationId xmlns:p14="http://schemas.microsoft.com/office/powerpoint/2010/main" val="2138646483"/>
       </p:ext>
     </p:extLst>
   </p:cSld>
